--- a/Programs/Trainings/01-FE/BasicJS/KNITS-Syntax.pptx
+++ b/Programs/Trainings/01-FE/BasicJS/KNITS-Syntax.pptx
@@ -5,7 +5,7 @@
     <p:sldMasterId id="2147483658" r:id="rId1"/>
   </p:sldMasterIdLst>
   <p:notesMasterIdLst>
-    <p:notesMasterId r:id="rId24"/>
+    <p:notesMasterId r:id="rId25"/>
   </p:notesMasterIdLst>
   <p:sldIdLst>
     <p:sldId id="256" r:id="rId2"/>
@@ -17,50 +17,51 @@
     <p:sldId id="295" r:id="rId8"/>
     <p:sldId id="309" r:id="rId9"/>
     <p:sldId id="310" r:id="rId10"/>
-    <p:sldId id="296" r:id="rId11"/>
-    <p:sldId id="297" r:id="rId12"/>
-    <p:sldId id="298" r:id="rId13"/>
-    <p:sldId id="299" r:id="rId14"/>
-    <p:sldId id="300" r:id="rId15"/>
-    <p:sldId id="301" r:id="rId16"/>
-    <p:sldId id="302" r:id="rId17"/>
-    <p:sldId id="303" r:id="rId18"/>
-    <p:sldId id="304" r:id="rId19"/>
-    <p:sldId id="305" r:id="rId20"/>
-    <p:sldId id="306" r:id="rId21"/>
-    <p:sldId id="307" r:id="rId22"/>
-    <p:sldId id="308" r:id="rId23"/>
+    <p:sldId id="311" r:id="rId11"/>
+    <p:sldId id="296" r:id="rId12"/>
+    <p:sldId id="297" r:id="rId13"/>
+    <p:sldId id="298" r:id="rId14"/>
+    <p:sldId id="299" r:id="rId15"/>
+    <p:sldId id="300" r:id="rId16"/>
+    <p:sldId id="301" r:id="rId17"/>
+    <p:sldId id="302" r:id="rId18"/>
+    <p:sldId id="303" r:id="rId19"/>
+    <p:sldId id="304" r:id="rId20"/>
+    <p:sldId id="305" r:id="rId21"/>
+    <p:sldId id="306" r:id="rId22"/>
+    <p:sldId id="307" r:id="rId23"/>
+    <p:sldId id="308" r:id="rId24"/>
   </p:sldIdLst>
   <p:sldSz cx="9144000" cy="5143500" type="screen16x9"/>
   <p:notesSz cx="6858000" cy="9144000"/>
   <p:embeddedFontLst>
     <p:embeddedFont>
-      <p:font typeface="Barlow" charset="0"/>
-      <p:regular r:id="rId25"/>
-      <p:bold r:id="rId26"/>
-      <p:italic r:id="rId27"/>
-      <p:boldItalic r:id="rId28"/>
+      <p:font typeface="Barlow Light" charset="0"/>
+      <p:regular r:id="rId26"/>
+      <p:bold r:id="rId27"/>
+      <p:italic r:id="rId28"/>
+      <p:boldItalic r:id="rId29"/>
     </p:embeddedFont>
     <p:embeddedFont>
       <p:font typeface="Consolas" pitchFamily="49" charset="0"/>
-      <p:regular r:id="rId29"/>
-      <p:bold r:id="rId30"/>
-      <p:italic r:id="rId31"/>
-      <p:boldItalic r:id="rId32"/>
-    </p:embeddedFont>
-    <p:embeddedFont>
-      <p:font typeface="Barlow Light" charset="0"/>
-      <p:regular r:id="rId33"/>
-      <p:bold r:id="rId34"/>
-      <p:italic r:id="rId35"/>
-      <p:boldItalic r:id="rId36"/>
+      <p:regular r:id="rId30"/>
+      <p:bold r:id="rId31"/>
+      <p:italic r:id="rId32"/>
+      <p:boldItalic r:id="rId33"/>
     </p:embeddedFont>
     <p:embeddedFont>
       <p:font typeface="Raleway SemiBold" charset="0"/>
-      <p:regular r:id="rId37"/>
-      <p:bold r:id="rId38"/>
-      <p:italic r:id="rId39"/>
-      <p:boldItalic r:id="rId40"/>
+      <p:regular r:id="rId34"/>
+      <p:bold r:id="rId35"/>
+      <p:italic r:id="rId36"/>
+      <p:boldItalic r:id="rId37"/>
+    </p:embeddedFont>
+    <p:embeddedFont>
+      <p:font typeface="Barlow" charset="0"/>
+      <p:regular r:id="rId38"/>
+      <p:bold r:id="rId39"/>
+      <p:italic r:id="rId40"/>
+      <p:boldItalic r:id="rId41"/>
     </p:embeddedFont>
   </p:embeddedFontLst>
   <p:defaultTextStyle>
@@ -5170,6 +5171,333 @@
               <a:rPr lang="it-IT" altLang="en-US" sz="1200" smtClean="0"/>
               <a:pPr eaLnBrk="1" hangingPunct="1"/>
               <a:t>22</a:t>
+            </a:fld>
+            <a:endParaRPr lang="it-IT" altLang="en-US" sz="1200" smtClean="0"/>
+          </a:p>
+        </p:txBody>
+      </p:sp>
+      <p:sp>
+        <p:nvSpPr>
+          <p:cNvPr id="33796" name="Rectangle 2"/>
+          <p:cNvSpPr>
+            <a:spLocks noGrp="1" noRot="1" noChangeAspect="1" noChangeArrowheads="1" noTextEdit="1"/>
+          </p:cNvSpPr>
+          <p:nvPr>
+            <p:ph type="sldImg"/>
+          </p:nvPr>
+        </p:nvSpPr>
+        <p:spPr>
+          <a:xfrm>
+            <a:off x="382588" y="685800"/>
+            <a:ext cx="6094412" cy="3429000"/>
+          </a:xfrm>
+          <a:ln/>
+        </p:spPr>
+      </p:sp>
+      <p:sp>
+        <p:nvSpPr>
+          <p:cNvPr id="33797" name="Rectangle 3"/>
+          <p:cNvSpPr>
+            <a:spLocks noGrp="1" noChangeArrowheads="1"/>
+          </p:cNvSpPr>
+          <p:nvPr>
+            <p:ph type="body" idx="1"/>
+          </p:nvPr>
+        </p:nvSpPr>
+        <p:spPr>
+          <a:noFill/>
+        </p:spPr>
+        <p:txBody>
+          <a:bodyPr/>
+          <a:lstStyle/>
+          <a:p>
+            <a:pPr eaLnBrk="1" hangingPunct="1"/>
+            <a:endParaRPr lang="en-US" altLang="en-US" smtClean="0">
+              <a:latin typeface="Arial" pitchFamily="34" charset="0"/>
+            </a:endParaRPr>
+          </a:p>
+        </p:txBody>
+      </p:sp>
+    </p:spTree>
+  </p:cSld>
+  <p:clrMapOvr>
+    <a:masterClrMapping/>
+  </p:clrMapOvr>
+</p:notes>
+</file>
+
+<file path=ppt/notesSlides/notesSlide23.xml><?xml version="1.0" encoding="utf-8"?>
+<p:notes xmlns:a="http://schemas.openxmlformats.org/drawingml/2006/main" xmlns:r="http://schemas.openxmlformats.org/officeDocument/2006/relationships" xmlns:p="http://schemas.openxmlformats.org/presentationml/2006/main">
+  <p:cSld>
+    <p:spTree>
+      <p:nvGrpSpPr>
+        <p:cNvPr id="1" name=""/>
+        <p:cNvGrpSpPr/>
+        <p:nvPr/>
+      </p:nvGrpSpPr>
+      <p:grpSpPr>
+        <a:xfrm>
+          <a:off x="0" y="0"/>
+          <a:ext cx="0" cy="0"/>
+          <a:chOff x="0" y="0"/>
+          <a:chExt cx="0" cy="0"/>
+        </a:xfrm>
+      </p:grpSpPr>
+      <p:sp>
+        <p:nvSpPr>
+          <p:cNvPr id="33794" name="Rectangle 3"/>
+          <p:cNvSpPr>
+            <a:spLocks noGrp="1" noChangeArrowheads="1"/>
+          </p:cNvSpPr>
+          <p:nvPr>
+            <p:ph type="dt" sz="quarter" idx="1"/>
+          </p:nvPr>
+        </p:nvSpPr>
+        <p:spPr>
+          <a:xfrm>
+            <a:off x="3884064" y="1"/>
+            <a:ext cx="2972335" cy="456618"/>
+          </a:xfrm>
+          <a:prstGeom prst="rect">
+            <a:avLst/>
+          </a:prstGeom>
+          <a:noFill/>
+        </p:spPr>
+        <p:txBody>
+          <a:bodyPr/>
+          <a:lstStyle>
+            <a:lvl1pPr eaLnBrk="0" hangingPunct="0">
+              <a:defRPr sz="2000">
+                <a:solidFill>
+                  <a:schemeClr val="tx1"/>
+                </a:solidFill>
+                <a:latin typeface="Arial" pitchFamily="34" charset="0"/>
+              </a:defRPr>
+            </a:lvl1pPr>
+            <a:lvl2pPr marL="742950" indent="-285750" eaLnBrk="0" hangingPunct="0">
+              <a:defRPr sz="2000">
+                <a:solidFill>
+                  <a:schemeClr val="tx1"/>
+                </a:solidFill>
+                <a:latin typeface="Arial" pitchFamily="34" charset="0"/>
+              </a:defRPr>
+            </a:lvl2pPr>
+            <a:lvl3pPr marL="1143000" indent="-228600" eaLnBrk="0" hangingPunct="0">
+              <a:defRPr sz="2000">
+                <a:solidFill>
+                  <a:schemeClr val="tx1"/>
+                </a:solidFill>
+                <a:latin typeface="Arial" pitchFamily="34" charset="0"/>
+              </a:defRPr>
+            </a:lvl3pPr>
+            <a:lvl4pPr marL="1600200" indent="-228600" eaLnBrk="0" hangingPunct="0">
+              <a:defRPr sz="2000">
+                <a:solidFill>
+                  <a:schemeClr val="tx1"/>
+                </a:solidFill>
+                <a:latin typeface="Arial" pitchFamily="34" charset="0"/>
+              </a:defRPr>
+            </a:lvl4pPr>
+            <a:lvl5pPr marL="2057400" indent="-228600" eaLnBrk="0" hangingPunct="0">
+              <a:defRPr sz="2000">
+                <a:solidFill>
+                  <a:schemeClr val="tx1"/>
+                </a:solidFill>
+                <a:latin typeface="Arial" pitchFamily="34" charset="0"/>
+              </a:defRPr>
+            </a:lvl5pPr>
+            <a:lvl6pPr marL="2514600" indent="-228600" eaLnBrk="0" fontAlgn="base" hangingPunct="0">
+              <a:spcBef>
+                <a:spcPct val="0"/>
+              </a:spcBef>
+              <a:spcAft>
+                <a:spcPct val="0"/>
+              </a:spcAft>
+              <a:defRPr sz="2000">
+                <a:solidFill>
+                  <a:schemeClr val="tx1"/>
+                </a:solidFill>
+                <a:latin typeface="Arial" pitchFamily="34" charset="0"/>
+              </a:defRPr>
+            </a:lvl6pPr>
+            <a:lvl7pPr marL="2971800" indent="-228600" eaLnBrk="0" fontAlgn="base" hangingPunct="0">
+              <a:spcBef>
+                <a:spcPct val="0"/>
+              </a:spcBef>
+              <a:spcAft>
+                <a:spcPct val="0"/>
+              </a:spcAft>
+              <a:defRPr sz="2000">
+                <a:solidFill>
+                  <a:schemeClr val="tx1"/>
+                </a:solidFill>
+                <a:latin typeface="Arial" pitchFamily="34" charset="0"/>
+              </a:defRPr>
+            </a:lvl7pPr>
+            <a:lvl8pPr marL="3429000" indent="-228600" eaLnBrk="0" fontAlgn="base" hangingPunct="0">
+              <a:spcBef>
+                <a:spcPct val="0"/>
+              </a:spcBef>
+              <a:spcAft>
+                <a:spcPct val="0"/>
+              </a:spcAft>
+              <a:defRPr sz="2000">
+                <a:solidFill>
+                  <a:schemeClr val="tx1"/>
+                </a:solidFill>
+                <a:latin typeface="Arial" pitchFamily="34" charset="0"/>
+              </a:defRPr>
+            </a:lvl8pPr>
+            <a:lvl9pPr marL="3886200" indent="-228600" eaLnBrk="0" fontAlgn="base" hangingPunct="0">
+              <a:spcBef>
+                <a:spcPct val="0"/>
+              </a:spcBef>
+              <a:spcAft>
+                <a:spcPct val="0"/>
+              </a:spcAft>
+              <a:defRPr sz="2000">
+                <a:solidFill>
+                  <a:schemeClr val="tx1"/>
+                </a:solidFill>
+                <a:latin typeface="Arial" pitchFamily="34" charset="0"/>
+              </a:defRPr>
+            </a:lvl9pPr>
+          </a:lstStyle>
+          <a:p>
+            <a:pPr eaLnBrk="1" hangingPunct="1"/>
+            <a:r>
+              <a:rPr lang="it-IT" altLang="en-US" sz="1200" smtClean="0"/>
+              <a:t>30/07/2009</a:t>
+            </a:r>
+          </a:p>
+        </p:txBody>
+      </p:sp>
+      <p:sp>
+        <p:nvSpPr>
+          <p:cNvPr id="33795" name="Rectangle 7"/>
+          <p:cNvSpPr>
+            <a:spLocks noGrp="1" noChangeArrowheads="1"/>
+          </p:cNvSpPr>
+          <p:nvPr>
+            <p:ph type="sldNum" sz="quarter" idx="5"/>
+          </p:nvPr>
+        </p:nvSpPr>
+        <p:spPr>
+          <a:xfrm>
+            <a:off x="3884064" y="8685929"/>
+            <a:ext cx="2972335" cy="456618"/>
+          </a:xfrm>
+          <a:prstGeom prst="rect">
+            <a:avLst/>
+          </a:prstGeom>
+          <a:noFill/>
+        </p:spPr>
+        <p:txBody>
+          <a:bodyPr/>
+          <a:lstStyle>
+            <a:lvl1pPr eaLnBrk="0" hangingPunct="0">
+              <a:defRPr sz="2000">
+                <a:solidFill>
+                  <a:schemeClr val="tx1"/>
+                </a:solidFill>
+                <a:latin typeface="Arial" pitchFamily="34" charset="0"/>
+              </a:defRPr>
+            </a:lvl1pPr>
+            <a:lvl2pPr marL="742950" indent="-285750" eaLnBrk="0" hangingPunct="0">
+              <a:defRPr sz="2000">
+                <a:solidFill>
+                  <a:schemeClr val="tx1"/>
+                </a:solidFill>
+                <a:latin typeface="Arial" pitchFamily="34" charset="0"/>
+              </a:defRPr>
+            </a:lvl2pPr>
+            <a:lvl3pPr marL="1143000" indent="-228600" eaLnBrk="0" hangingPunct="0">
+              <a:defRPr sz="2000">
+                <a:solidFill>
+                  <a:schemeClr val="tx1"/>
+                </a:solidFill>
+                <a:latin typeface="Arial" pitchFamily="34" charset="0"/>
+              </a:defRPr>
+            </a:lvl3pPr>
+            <a:lvl4pPr marL="1600200" indent="-228600" eaLnBrk="0" hangingPunct="0">
+              <a:defRPr sz="2000">
+                <a:solidFill>
+                  <a:schemeClr val="tx1"/>
+                </a:solidFill>
+                <a:latin typeface="Arial" pitchFamily="34" charset="0"/>
+              </a:defRPr>
+            </a:lvl4pPr>
+            <a:lvl5pPr marL="2057400" indent="-228600" eaLnBrk="0" hangingPunct="0">
+              <a:defRPr sz="2000">
+                <a:solidFill>
+                  <a:schemeClr val="tx1"/>
+                </a:solidFill>
+                <a:latin typeface="Arial" pitchFamily="34" charset="0"/>
+              </a:defRPr>
+            </a:lvl5pPr>
+            <a:lvl6pPr marL="2514600" indent="-228600" eaLnBrk="0" fontAlgn="base" hangingPunct="0">
+              <a:spcBef>
+                <a:spcPct val="0"/>
+              </a:spcBef>
+              <a:spcAft>
+                <a:spcPct val="0"/>
+              </a:spcAft>
+              <a:defRPr sz="2000">
+                <a:solidFill>
+                  <a:schemeClr val="tx1"/>
+                </a:solidFill>
+                <a:latin typeface="Arial" pitchFamily="34" charset="0"/>
+              </a:defRPr>
+            </a:lvl6pPr>
+            <a:lvl7pPr marL="2971800" indent="-228600" eaLnBrk="0" fontAlgn="base" hangingPunct="0">
+              <a:spcBef>
+                <a:spcPct val="0"/>
+              </a:spcBef>
+              <a:spcAft>
+                <a:spcPct val="0"/>
+              </a:spcAft>
+              <a:defRPr sz="2000">
+                <a:solidFill>
+                  <a:schemeClr val="tx1"/>
+                </a:solidFill>
+                <a:latin typeface="Arial" pitchFamily="34" charset="0"/>
+              </a:defRPr>
+            </a:lvl7pPr>
+            <a:lvl8pPr marL="3429000" indent="-228600" eaLnBrk="0" fontAlgn="base" hangingPunct="0">
+              <a:spcBef>
+                <a:spcPct val="0"/>
+              </a:spcBef>
+              <a:spcAft>
+                <a:spcPct val="0"/>
+              </a:spcAft>
+              <a:defRPr sz="2000">
+                <a:solidFill>
+                  <a:schemeClr val="tx1"/>
+                </a:solidFill>
+                <a:latin typeface="Arial" pitchFamily="34" charset="0"/>
+              </a:defRPr>
+            </a:lvl8pPr>
+            <a:lvl9pPr marL="3886200" indent="-228600" eaLnBrk="0" fontAlgn="base" hangingPunct="0">
+              <a:spcBef>
+                <a:spcPct val="0"/>
+              </a:spcBef>
+              <a:spcAft>
+                <a:spcPct val="0"/>
+              </a:spcAft>
+              <a:defRPr sz="2000">
+                <a:solidFill>
+                  <a:schemeClr val="tx1"/>
+                </a:solidFill>
+                <a:latin typeface="Arial" pitchFamily="34" charset="0"/>
+              </a:defRPr>
+            </a:lvl9pPr>
+          </a:lstStyle>
+          <a:p>
+            <a:pPr eaLnBrk="1" hangingPunct="1"/>
+            <a:fld id="{75BAE48C-C928-4E0A-99FB-626487598D04}" type="slidenum">
+              <a:rPr lang="it-IT" altLang="en-US" sz="1200" smtClean="0"/>
+              <a:pPr eaLnBrk="1" hangingPunct="1"/>
+              <a:t>23</a:t>
             </a:fld>
             <a:endParaRPr lang="it-IT" altLang="en-US" sz="1200" smtClean="0"/>
           </a:p>
@@ -10978,828 +11306,6 @@
       </p:sp>
       <p:sp>
         <p:nvSpPr>
-          <p:cNvPr id="6" name="Rectangle 5"/>
-          <p:cNvSpPr/>
-          <p:nvPr/>
-        </p:nvSpPr>
-        <p:spPr>
-          <a:xfrm>
-            <a:off x="323528" y="1419622"/>
-            <a:ext cx="8295456" cy="3539430"/>
-          </a:xfrm>
-          <a:prstGeom prst="rect">
-            <a:avLst/>
-          </a:prstGeom>
-          <a:solidFill>
-            <a:schemeClr val="tx1"/>
-          </a:solidFill>
-        </p:spPr>
-        <p:txBody>
-          <a:bodyPr wrap="square">
-            <a:spAutoFit/>
-          </a:bodyPr>
-          <a:lstStyle/>
-          <a:p>
-            <a:r>
-              <a:rPr lang="en-US" sz="1600" dirty="0">
-                <a:solidFill>
-                  <a:srgbClr val="808080"/>
-                </a:solidFill>
-                <a:latin typeface="Consolas"/>
-              </a:rPr>
-              <a:t>&lt;!</a:t>
-            </a:r>
-            <a:r>
-              <a:rPr lang="en-US" sz="1600" dirty="0">
-                <a:solidFill>
-                  <a:srgbClr val="569CD6"/>
-                </a:solidFill>
-                <a:latin typeface="Consolas"/>
-              </a:rPr>
-              <a:t>DOCTYPE</a:t>
-            </a:r>
-            <a:r>
-              <a:rPr lang="en-US" sz="1600" dirty="0">
-                <a:solidFill>
-                  <a:srgbClr val="D4D4D4"/>
-                </a:solidFill>
-                <a:latin typeface="Consolas"/>
-              </a:rPr>
-              <a:t> </a:t>
-            </a:r>
-            <a:r>
-              <a:rPr lang="en-US" sz="1600" dirty="0">
-                <a:solidFill>
-                  <a:srgbClr val="9CDCFE"/>
-                </a:solidFill>
-                <a:latin typeface="Consolas"/>
-              </a:rPr>
-              <a:t>html</a:t>
-            </a:r>
-            <a:r>
-              <a:rPr lang="en-US" sz="1600" dirty="0">
-                <a:solidFill>
-                  <a:srgbClr val="808080"/>
-                </a:solidFill>
-                <a:latin typeface="Consolas"/>
-              </a:rPr>
-              <a:t>&gt;</a:t>
-            </a:r>
-            <a:endParaRPr lang="en-US" sz="1600" dirty="0">
-              <a:solidFill>
-                <a:srgbClr val="D4D4D4"/>
-              </a:solidFill>
-              <a:latin typeface="Consolas"/>
-            </a:endParaRPr>
-          </a:p>
-          <a:p>
-            <a:r>
-              <a:rPr lang="en-US" sz="1600" dirty="0">
-                <a:solidFill>
-                  <a:srgbClr val="808080"/>
-                </a:solidFill>
-                <a:latin typeface="Consolas"/>
-              </a:rPr>
-              <a:t>&lt;</a:t>
-            </a:r>
-            <a:r>
-              <a:rPr lang="en-US" sz="1600" dirty="0">
-                <a:solidFill>
-                  <a:srgbClr val="569CD6"/>
-                </a:solidFill>
-                <a:latin typeface="Consolas"/>
-              </a:rPr>
-              <a:t>html</a:t>
-            </a:r>
-            <a:r>
-              <a:rPr lang="en-US" sz="1600" dirty="0">
-                <a:solidFill>
-                  <a:srgbClr val="808080"/>
-                </a:solidFill>
-                <a:latin typeface="Consolas"/>
-              </a:rPr>
-              <a:t>&gt;</a:t>
-            </a:r>
-            <a:endParaRPr lang="en-US" sz="1600" dirty="0">
-              <a:solidFill>
-                <a:srgbClr val="D4D4D4"/>
-              </a:solidFill>
-              <a:latin typeface="Consolas"/>
-            </a:endParaRPr>
-          </a:p>
-          <a:p>
-            <a:r>
-              <a:rPr lang="en-US" sz="1600" dirty="0">
-                <a:solidFill>
-                  <a:srgbClr val="D4D4D4"/>
-                </a:solidFill>
-                <a:latin typeface="Consolas"/>
-              </a:rPr>
-              <a:t>  </a:t>
-            </a:r>
-            <a:r>
-              <a:rPr lang="en-US" sz="1600" dirty="0">
-                <a:solidFill>
-                  <a:srgbClr val="808080"/>
-                </a:solidFill>
-                <a:latin typeface="Consolas"/>
-              </a:rPr>
-              <a:t>&lt;</a:t>
-            </a:r>
-            <a:r>
-              <a:rPr lang="en-US" sz="1600" dirty="0">
-                <a:solidFill>
-                  <a:srgbClr val="569CD6"/>
-                </a:solidFill>
-                <a:latin typeface="Consolas"/>
-              </a:rPr>
-              <a:t>head</a:t>
-            </a:r>
-            <a:r>
-              <a:rPr lang="en-US" sz="1600" dirty="0">
-                <a:solidFill>
-                  <a:srgbClr val="808080"/>
-                </a:solidFill>
-                <a:latin typeface="Consolas"/>
-              </a:rPr>
-              <a:t>&gt;</a:t>
-            </a:r>
-            <a:endParaRPr lang="en-US" sz="1600" dirty="0">
-              <a:solidFill>
-                <a:srgbClr val="D4D4D4"/>
-              </a:solidFill>
-              <a:latin typeface="Consolas"/>
-            </a:endParaRPr>
-          </a:p>
-          <a:p>
-            <a:r>
-              <a:rPr lang="en-US" sz="1600" dirty="0">
-                <a:solidFill>
-                  <a:srgbClr val="D4D4D4"/>
-                </a:solidFill>
-                <a:latin typeface="Consolas"/>
-              </a:rPr>
-              <a:t>    </a:t>
-            </a:r>
-            <a:r>
-              <a:rPr lang="en-US" sz="1600" dirty="0">
-                <a:solidFill>
-                  <a:srgbClr val="808080"/>
-                </a:solidFill>
-                <a:latin typeface="Consolas"/>
-              </a:rPr>
-              <a:t>&lt;</a:t>
-            </a:r>
-            <a:r>
-              <a:rPr lang="en-US" sz="1600" dirty="0">
-                <a:solidFill>
-                  <a:srgbClr val="569CD6"/>
-                </a:solidFill>
-                <a:latin typeface="Consolas"/>
-              </a:rPr>
-              <a:t>meta</a:t>
-            </a:r>
-            <a:r>
-              <a:rPr lang="en-US" sz="1600" dirty="0">
-                <a:solidFill>
-                  <a:srgbClr val="9CDCFE"/>
-                </a:solidFill>
-                <a:latin typeface="Consolas"/>
-              </a:rPr>
-              <a:t> charset</a:t>
-            </a:r>
-            <a:r>
-              <a:rPr lang="en-US" sz="1600" dirty="0">
-                <a:solidFill>
-                  <a:srgbClr val="D4D4D4"/>
-                </a:solidFill>
-                <a:latin typeface="Consolas"/>
-              </a:rPr>
-              <a:t>=</a:t>
-            </a:r>
-            <a:r>
-              <a:rPr lang="en-US" sz="1600" dirty="0">
-                <a:solidFill>
-                  <a:srgbClr val="CE9178"/>
-                </a:solidFill>
-                <a:latin typeface="Consolas"/>
-              </a:rPr>
-              <a:t>"utf-8"</a:t>
-            </a:r>
-            <a:r>
-              <a:rPr lang="en-US" sz="1600" dirty="0">
-                <a:solidFill>
-                  <a:srgbClr val="808080"/>
-                </a:solidFill>
-                <a:latin typeface="Consolas"/>
-              </a:rPr>
-              <a:t>&gt;</a:t>
-            </a:r>
-            <a:endParaRPr lang="en-US" sz="1600" dirty="0">
-              <a:solidFill>
-                <a:srgbClr val="D4D4D4"/>
-              </a:solidFill>
-              <a:latin typeface="Consolas"/>
-            </a:endParaRPr>
-          </a:p>
-          <a:p>
-            <a:r>
-              <a:rPr lang="en-US" sz="1600" dirty="0">
-                <a:solidFill>
-                  <a:srgbClr val="D4D4D4"/>
-                </a:solidFill>
-                <a:latin typeface="Consolas"/>
-              </a:rPr>
-              <a:t>    </a:t>
-            </a:r>
-            <a:r>
-              <a:rPr lang="en-US" sz="1600" dirty="0">
-                <a:solidFill>
-                  <a:srgbClr val="808080"/>
-                </a:solidFill>
-                <a:latin typeface="Consolas"/>
-              </a:rPr>
-              <a:t>&lt;</a:t>
-            </a:r>
-            <a:r>
-              <a:rPr lang="en-US" sz="1600" dirty="0">
-                <a:solidFill>
-                  <a:srgbClr val="569CD6"/>
-                </a:solidFill>
-                <a:latin typeface="Consolas"/>
-              </a:rPr>
-              <a:t>meta</a:t>
-            </a:r>
-            <a:r>
-              <a:rPr lang="en-US" sz="1600" dirty="0">
-                <a:solidFill>
-                  <a:srgbClr val="9CDCFE"/>
-                </a:solidFill>
-                <a:latin typeface="Consolas"/>
-              </a:rPr>
-              <a:t> name</a:t>
-            </a:r>
-            <a:r>
-              <a:rPr lang="en-US" sz="1600" dirty="0">
-                <a:solidFill>
-                  <a:srgbClr val="D4D4D4"/>
-                </a:solidFill>
-                <a:latin typeface="Consolas"/>
-              </a:rPr>
-              <a:t>=</a:t>
-            </a:r>
-            <a:r>
-              <a:rPr lang="en-US" sz="1600" dirty="0">
-                <a:solidFill>
-                  <a:srgbClr val="CE9178"/>
-                </a:solidFill>
-                <a:latin typeface="Consolas"/>
-              </a:rPr>
-              <a:t>"viewport"</a:t>
-            </a:r>
-            <a:r>
-              <a:rPr lang="en-US" sz="1600" dirty="0">
-                <a:solidFill>
-                  <a:srgbClr val="9CDCFE"/>
-                </a:solidFill>
-                <a:latin typeface="Consolas"/>
-              </a:rPr>
-              <a:t> content</a:t>
-            </a:r>
-            <a:r>
-              <a:rPr lang="en-US" sz="1600" dirty="0">
-                <a:solidFill>
-                  <a:srgbClr val="D4D4D4"/>
-                </a:solidFill>
-                <a:latin typeface="Consolas"/>
-              </a:rPr>
-              <a:t>=</a:t>
-            </a:r>
-            <a:r>
-              <a:rPr lang="en-US" sz="1600" dirty="0">
-                <a:solidFill>
-                  <a:srgbClr val="CE9178"/>
-                </a:solidFill>
-                <a:latin typeface="Consolas"/>
-              </a:rPr>
-              <a:t>"width=device-width, initial-scale=1, shrink-to-fit=no"</a:t>
-            </a:r>
-            <a:r>
-              <a:rPr lang="en-US" sz="1600" dirty="0">
-                <a:solidFill>
-                  <a:srgbClr val="808080"/>
-                </a:solidFill>
-                <a:latin typeface="Consolas"/>
-              </a:rPr>
-              <a:t>&gt;</a:t>
-            </a:r>
-            <a:endParaRPr lang="en-US" sz="1600" dirty="0">
-              <a:solidFill>
-                <a:srgbClr val="D4D4D4"/>
-              </a:solidFill>
-              <a:latin typeface="Consolas"/>
-            </a:endParaRPr>
-          </a:p>
-          <a:p>
-            <a:r>
-              <a:rPr lang="en-US" sz="1600" dirty="0">
-                <a:solidFill>
-                  <a:srgbClr val="D4D4D4"/>
-                </a:solidFill>
-                <a:latin typeface="Consolas"/>
-              </a:rPr>
-              <a:t>    </a:t>
-            </a:r>
-            <a:r>
-              <a:rPr lang="en-US" sz="1600" dirty="0">
-                <a:solidFill>
-                  <a:srgbClr val="808080"/>
-                </a:solidFill>
-                <a:latin typeface="Consolas"/>
-              </a:rPr>
-              <a:t>&lt;</a:t>
-            </a:r>
-            <a:r>
-              <a:rPr lang="en-US" sz="1600" dirty="0">
-                <a:solidFill>
-                  <a:srgbClr val="569CD6"/>
-                </a:solidFill>
-                <a:latin typeface="Consolas"/>
-              </a:rPr>
-              <a:t>title</a:t>
-            </a:r>
-            <a:r>
-              <a:rPr lang="en-US" sz="1600" dirty="0">
-                <a:solidFill>
-                  <a:srgbClr val="808080"/>
-                </a:solidFill>
-                <a:latin typeface="Consolas"/>
-              </a:rPr>
-              <a:t>&gt;</a:t>
-            </a:r>
-            <a:r>
-              <a:rPr lang="en-US" sz="1600" dirty="0">
-                <a:solidFill>
-                  <a:srgbClr val="D4D4D4"/>
-                </a:solidFill>
-                <a:latin typeface="Consolas"/>
-              </a:rPr>
-              <a:t>404</a:t>
-            </a:r>
-            <a:r>
-              <a:rPr lang="en-US" sz="1600" dirty="0">
-                <a:solidFill>
-                  <a:srgbClr val="808080"/>
-                </a:solidFill>
-                <a:latin typeface="Consolas"/>
-              </a:rPr>
-              <a:t>&lt;/</a:t>
-            </a:r>
-            <a:r>
-              <a:rPr lang="en-US" sz="1600" dirty="0">
-                <a:solidFill>
-                  <a:srgbClr val="569CD6"/>
-                </a:solidFill>
-                <a:latin typeface="Consolas"/>
-              </a:rPr>
-              <a:t>title</a:t>
-            </a:r>
-            <a:r>
-              <a:rPr lang="en-US" sz="1600" dirty="0">
-                <a:solidFill>
-                  <a:srgbClr val="808080"/>
-                </a:solidFill>
-                <a:latin typeface="Consolas"/>
-              </a:rPr>
-              <a:t>&gt;</a:t>
-            </a:r>
-            <a:endParaRPr lang="en-US" sz="1600" dirty="0">
-              <a:solidFill>
-                <a:srgbClr val="D4D4D4"/>
-              </a:solidFill>
-              <a:latin typeface="Consolas"/>
-            </a:endParaRPr>
-          </a:p>
-          <a:p>
-            <a:r>
-              <a:rPr lang="en-US" sz="1600" dirty="0">
-                <a:solidFill>
-                  <a:srgbClr val="D4D4D4"/>
-                </a:solidFill>
-                <a:latin typeface="Consolas"/>
-              </a:rPr>
-              <a:t>  </a:t>
-            </a:r>
-            <a:r>
-              <a:rPr lang="en-US" sz="1600" dirty="0">
-                <a:solidFill>
-                  <a:srgbClr val="808080"/>
-                </a:solidFill>
-                <a:latin typeface="Consolas"/>
-              </a:rPr>
-              <a:t>&lt;/</a:t>
-            </a:r>
-            <a:r>
-              <a:rPr lang="en-US" sz="1600" dirty="0">
-                <a:solidFill>
-                  <a:srgbClr val="569CD6"/>
-                </a:solidFill>
-                <a:latin typeface="Consolas"/>
-              </a:rPr>
-              <a:t>head</a:t>
-            </a:r>
-            <a:r>
-              <a:rPr lang="en-US" sz="1600" dirty="0">
-                <a:solidFill>
-                  <a:srgbClr val="808080"/>
-                </a:solidFill>
-                <a:latin typeface="Consolas"/>
-              </a:rPr>
-              <a:t>&gt;</a:t>
-            </a:r>
-            <a:endParaRPr lang="en-US" sz="1600" dirty="0">
-              <a:solidFill>
-                <a:srgbClr val="D4D4D4"/>
-              </a:solidFill>
-              <a:latin typeface="Consolas"/>
-            </a:endParaRPr>
-          </a:p>
-          <a:p>
-            <a:r>
-              <a:rPr lang="en-US" sz="1600" dirty="0">
-                <a:solidFill>
-                  <a:srgbClr val="D4D4D4"/>
-                </a:solidFill>
-                <a:latin typeface="Consolas"/>
-              </a:rPr>
-              <a:t/>
-            </a:r>
-            <a:br>
-              <a:rPr lang="en-US" sz="1600" dirty="0">
-                <a:solidFill>
-                  <a:srgbClr val="D4D4D4"/>
-                </a:solidFill>
-                <a:latin typeface="Consolas"/>
-              </a:rPr>
-            </a:br>
-            <a:r>
-              <a:rPr lang="en-US" sz="1600" dirty="0">
-                <a:solidFill>
-                  <a:srgbClr val="D4D4D4"/>
-                </a:solidFill>
-                <a:latin typeface="Consolas"/>
-              </a:rPr>
-              <a:t>  </a:t>
-            </a:r>
-            <a:r>
-              <a:rPr lang="en-US" sz="1600" dirty="0">
-                <a:solidFill>
-                  <a:srgbClr val="808080"/>
-                </a:solidFill>
-                <a:latin typeface="Consolas"/>
-              </a:rPr>
-              <a:t>&lt;</a:t>
-            </a:r>
-            <a:r>
-              <a:rPr lang="en-US" sz="1600" dirty="0">
-                <a:solidFill>
-                  <a:srgbClr val="569CD6"/>
-                </a:solidFill>
-                <a:latin typeface="Consolas"/>
-              </a:rPr>
-              <a:t>body</a:t>
-            </a:r>
-            <a:r>
-              <a:rPr lang="en-US" sz="1600" dirty="0">
-                <a:solidFill>
-                  <a:srgbClr val="9CDCFE"/>
-                </a:solidFill>
-                <a:latin typeface="Consolas"/>
-              </a:rPr>
-              <a:t> class</a:t>
-            </a:r>
-            <a:r>
-              <a:rPr lang="en-US" sz="1600" dirty="0">
-                <a:solidFill>
-                  <a:srgbClr val="D4D4D4"/>
-                </a:solidFill>
-                <a:latin typeface="Consolas"/>
-              </a:rPr>
-              <a:t>=</a:t>
-            </a:r>
-            <a:r>
-              <a:rPr lang="en-US" sz="1600" dirty="0">
-                <a:solidFill>
-                  <a:srgbClr val="CE9178"/>
-                </a:solidFill>
-                <a:latin typeface="Consolas"/>
-              </a:rPr>
-              <a:t>"app"</a:t>
-            </a:r>
-            <a:r>
-              <a:rPr lang="en-US" sz="1600" dirty="0">
-                <a:solidFill>
-                  <a:srgbClr val="808080"/>
-                </a:solidFill>
-                <a:latin typeface="Consolas"/>
-              </a:rPr>
-              <a:t>&gt;</a:t>
-            </a:r>
-            <a:endParaRPr lang="en-US" sz="1600" dirty="0">
-              <a:solidFill>
-                <a:srgbClr val="D4D4D4"/>
-              </a:solidFill>
-              <a:latin typeface="Consolas"/>
-            </a:endParaRPr>
-          </a:p>
-          <a:p>
-            <a:r>
-              <a:rPr lang="en-US" sz="1600" dirty="0">
-                <a:solidFill>
-                  <a:srgbClr val="D4D4D4"/>
-                </a:solidFill>
-                <a:latin typeface="Consolas"/>
-              </a:rPr>
-              <a:t>    </a:t>
-            </a:r>
-            <a:r>
-              <a:rPr lang="en-US" sz="1600" dirty="0">
-                <a:solidFill>
-                  <a:srgbClr val="808080"/>
-                </a:solidFill>
-                <a:latin typeface="Consolas"/>
-              </a:rPr>
-              <a:t>&lt;</a:t>
-            </a:r>
-            <a:r>
-              <a:rPr lang="en-US" sz="1600" dirty="0">
-                <a:solidFill>
-                  <a:srgbClr val="569CD6"/>
-                </a:solidFill>
-                <a:latin typeface="Consolas"/>
-              </a:rPr>
-              <a:t>p</a:t>
-            </a:r>
-            <a:r>
-              <a:rPr lang="en-US" sz="1600" dirty="0">
-                <a:solidFill>
-                  <a:srgbClr val="D4D4D4"/>
-                </a:solidFill>
-                <a:latin typeface="Consolas"/>
-              </a:rPr>
-              <a:t> </a:t>
-            </a:r>
-            <a:r>
-              <a:rPr lang="en-US" sz="1600" dirty="0">
-                <a:solidFill>
-                  <a:srgbClr val="9CDCFE"/>
-                </a:solidFill>
-                <a:latin typeface="Consolas"/>
-              </a:rPr>
-              <a:t>class</a:t>
-            </a:r>
-            <a:r>
-              <a:rPr lang="en-US" sz="1600" dirty="0">
-                <a:solidFill>
-                  <a:srgbClr val="D4D4D4"/>
-                </a:solidFill>
-                <a:latin typeface="Consolas"/>
-              </a:rPr>
-              <a:t>=</a:t>
-            </a:r>
-            <a:r>
-              <a:rPr lang="en-US" sz="1600" dirty="0">
-                <a:solidFill>
-                  <a:srgbClr val="CE9178"/>
-                </a:solidFill>
-                <a:latin typeface="Consolas"/>
-              </a:rPr>
-              <a:t>“warning”</a:t>
-            </a:r>
-            <a:r>
-              <a:rPr lang="en-US" sz="1600" dirty="0">
-                <a:solidFill>
-                  <a:srgbClr val="808080"/>
-                </a:solidFill>
-                <a:latin typeface="Consolas"/>
-              </a:rPr>
-              <a:t>&gt;</a:t>
-            </a:r>
-            <a:r>
-              <a:rPr lang="en-US" sz="1600" dirty="0">
-                <a:solidFill>
-                  <a:srgbClr val="D4D4D4"/>
-                </a:solidFill>
-                <a:latin typeface="Consolas"/>
-              </a:rPr>
-              <a:t>There is no </a:t>
-            </a:r>
-            <a:r>
-              <a:rPr lang="en-US" sz="1600" dirty="0">
-                <a:solidFill>
-                  <a:srgbClr val="808080"/>
-                </a:solidFill>
-                <a:latin typeface="Consolas"/>
-              </a:rPr>
-              <a:t>&lt;</a:t>
-            </a:r>
-            <a:r>
-              <a:rPr lang="en-US" sz="1600" dirty="0" err="1">
-                <a:solidFill>
-                  <a:srgbClr val="569CD6"/>
-                </a:solidFill>
-                <a:latin typeface="Consolas"/>
-              </a:rPr>
-              <a:t>em</a:t>
-            </a:r>
-            <a:r>
-              <a:rPr lang="en-US" sz="1600" dirty="0">
-                <a:solidFill>
-                  <a:srgbClr val="808080"/>
-                </a:solidFill>
-                <a:latin typeface="Consolas"/>
-              </a:rPr>
-              <a:t>&gt;</a:t>
-            </a:r>
-            <a:r>
-              <a:rPr lang="en-US" sz="1600" dirty="0">
-                <a:solidFill>
-                  <a:srgbClr val="D4D4D4"/>
-                </a:solidFill>
-                <a:latin typeface="Consolas"/>
-              </a:rPr>
-              <a:t>download link</a:t>
-            </a:r>
-            <a:r>
-              <a:rPr lang="en-US" sz="1600" dirty="0">
-                <a:solidFill>
-                  <a:srgbClr val="808080"/>
-                </a:solidFill>
-                <a:latin typeface="Consolas"/>
-              </a:rPr>
-              <a:t>&lt;/</a:t>
-            </a:r>
-            <a:r>
-              <a:rPr lang="en-US" sz="1600" dirty="0" err="1">
-                <a:solidFill>
-                  <a:srgbClr val="569CD6"/>
-                </a:solidFill>
-                <a:latin typeface="Consolas"/>
-              </a:rPr>
-              <a:t>em</a:t>
-            </a:r>
-            <a:r>
-              <a:rPr lang="en-US" sz="1600" dirty="0">
-                <a:solidFill>
-                  <a:srgbClr val="808080"/>
-                </a:solidFill>
-                <a:latin typeface="Consolas"/>
-              </a:rPr>
-              <a:t>&gt;</a:t>
-            </a:r>
-            <a:r>
-              <a:rPr lang="en-US" sz="1600" dirty="0">
-                <a:solidFill>
-                  <a:srgbClr val="D4D4D4"/>
-                </a:solidFill>
-                <a:latin typeface="Consolas"/>
-              </a:rPr>
-              <a:t> on this page</a:t>
-            </a:r>
-            <a:r>
-              <a:rPr lang="en-US" sz="1600" dirty="0" smtClean="0">
-                <a:solidFill>
-                  <a:srgbClr val="D4D4D4"/>
-                </a:solidFill>
-                <a:latin typeface="Consolas"/>
-              </a:rPr>
-              <a:t>.</a:t>
-            </a:r>
-            <a:br>
-              <a:rPr lang="en-US" sz="1600" dirty="0" smtClean="0">
-                <a:solidFill>
-                  <a:srgbClr val="D4D4D4"/>
-                </a:solidFill>
-                <a:latin typeface="Consolas"/>
-              </a:rPr>
-            </a:br>
-            <a:r>
-              <a:rPr lang="en-US" sz="1600" dirty="0" smtClean="0">
-                <a:solidFill>
-                  <a:srgbClr val="D4D4D4"/>
-                </a:solidFill>
-                <a:latin typeface="Consolas"/>
-              </a:rPr>
-              <a:t>    </a:t>
-            </a:r>
-            <a:r>
-              <a:rPr lang="en-US" sz="1600" dirty="0" smtClean="0">
-                <a:solidFill>
-                  <a:srgbClr val="808080"/>
-                </a:solidFill>
-                <a:latin typeface="Consolas"/>
-              </a:rPr>
-              <a:t>&lt;/</a:t>
-            </a:r>
-            <a:r>
-              <a:rPr lang="en-US" sz="1600" dirty="0">
-                <a:solidFill>
-                  <a:srgbClr val="569CD6"/>
-                </a:solidFill>
-                <a:latin typeface="Consolas"/>
-              </a:rPr>
-              <a:t>p</a:t>
-            </a:r>
-            <a:r>
-              <a:rPr lang="en-US" sz="1600" dirty="0">
-                <a:solidFill>
-                  <a:srgbClr val="808080"/>
-                </a:solidFill>
-                <a:latin typeface="Consolas"/>
-              </a:rPr>
-              <a:t>&gt;</a:t>
-            </a:r>
-            <a:endParaRPr lang="en-US" sz="1600" dirty="0">
-              <a:solidFill>
-                <a:srgbClr val="D4D4D4"/>
-              </a:solidFill>
-              <a:latin typeface="Consolas"/>
-            </a:endParaRPr>
-          </a:p>
-          <a:p>
-            <a:r>
-              <a:rPr lang="en-US" sz="1600" dirty="0">
-                <a:solidFill>
-                  <a:srgbClr val="808080"/>
-                </a:solidFill>
-                <a:latin typeface="Consolas"/>
-              </a:rPr>
-              <a:t>&lt;/</a:t>
-            </a:r>
-            <a:r>
-              <a:rPr lang="en-US" sz="1600" dirty="0">
-                <a:solidFill>
-                  <a:srgbClr val="569CD6"/>
-                </a:solidFill>
-                <a:latin typeface="Consolas"/>
-              </a:rPr>
-              <a:t>body</a:t>
-            </a:r>
-            <a:r>
-              <a:rPr lang="en-US" sz="1600" dirty="0">
-                <a:solidFill>
-                  <a:srgbClr val="808080"/>
-                </a:solidFill>
-                <a:latin typeface="Consolas"/>
-              </a:rPr>
-              <a:t>&gt;</a:t>
-            </a:r>
-            <a:endParaRPr lang="en-US" sz="1600" dirty="0">
-              <a:solidFill>
-                <a:srgbClr val="D4D4D4"/>
-              </a:solidFill>
-              <a:latin typeface="Consolas"/>
-            </a:endParaRPr>
-          </a:p>
-          <a:p>
-            <a:r>
-              <a:rPr lang="en-US" sz="1600" dirty="0">
-                <a:solidFill>
-                  <a:srgbClr val="808080"/>
-                </a:solidFill>
-                <a:latin typeface="Consolas"/>
-              </a:rPr>
-              <a:t>&lt;/</a:t>
-            </a:r>
-            <a:r>
-              <a:rPr lang="en-US" sz="1600" dirty="0">
-                <a:solidFill>
-                  <a:srgbClr val="569CD6"/>
-                </a:solidFill>
-                <a:latin typeface="Consolas"/>
-              </a:rPr>
-              <a:t>html</a:t>
-            </a:r>
-            <a:r>
-              <a:rPr lang="en-US" sz="1600" dirty="0">
-                <a:solidFill>
-                  <a:srgbClr val="808080"/>
-                </a:solidFill>
-                <a:latin typeface="Consolas"/>
-              </a:rPr>
-              <a:t>&gt;</a:t>
-            </a:r>
-            <a:endParaRPr lang="en-US" sz="1600" dirty="0">
-              <a:solidFill>
-                <a:srgbClr val="D4D4D4"/>
-              </a:solidFill>
-              <a:latin typeface="Consolas"/>
-            </a:endParaRPr>
-          </a:p>
-        </p:txBody>
-      </p:sp>
-      <p:sp>
-        <p:nvSpPr>
           <p:cNvPr id="5" name="Google Shape;1014;p22"/>
           <p:cNvSpPr txBox="1">
             <a:spLocks/>
@@ -12087,14 +11593,6 @@
               </a:rPr>
               <a:t>Syntax</a:t>
             </a:r>
-            <a:endParaRPr lang="en-US" sz="2400" dirty="0" smtClean="0">
-              <a:solidFill>
-                <a:schemeClr val="lt1"/>
-              </a:solidFill>
-              <a:highlight>
-                <a:schemeClr val="accent1"/>
-              </a:highlight>
-            </a:endParaRPr>
           </a:p>
           <a:p>
             <a:pPr>
@@ -12111,7 +11609,7 @@
                   <a:schemeClr val="accent2"/>
                 </a:highlight>
               </a:rPr>
-              <a:t>Conditional If..else</a:t>
+              <a:t>Logical Operators</a:t>
             </a:r>
             <a:endParaRPr lang="en-US" sz="2400" dirty="0">
               <a:solidFill>
@@ -12124,10 +11622,831 @@
           </a:p>
         </p:txBody>
       </p:sp>
+      <p:graphicFrame>
+        <p:nvGraphicFramePr>
+          <p:cNvPr id="2" name="Table 1"/>
+          <p:cNvGraphicFramePr>
+            <a:graphicFrameLocks noGrp="1"/>
+          </p:cNvGraphicFramePr>
+          <p:nvPr>
+            <p:extLst>
+              <p:ext uri="{D42A27DB-BD31-4B8C-83A1-F6EECF244321}">
+                <p14:modId xmlns:p14="http://schemas.microsoft.com/office/powerpoint/2010/main" val="2033322301"/>
+              </p:ext>
+            </p:extLst>
+          </p:nvPr>
+        </p:nvGraphicFramePr>
+        <p:xfrm>
+          <a:off x="382414" y="2096502"/>
+          <a:ext cx="7719392" cy="1483360"/>
+        </p:xfrm>
+        <a:graphic>
+          <a:graphicData uri="http://schemas.openxmlformats.org/drawingml/2006/table">
+            <a:tbl>
+              <a:tblPr firstRow="1" bandRow="1">
+                <a:tableStyleId>{CA79B213-A7B1-4D54-87E7-7F15D3F6DC19}</a:tableStyleId>
+              </a:tblPr>
+              <a:tblGrid>
+                <a:gridCol w="1094656"/>
+                <a:gridCol w="2160240"/>
+                <a:gridCol w="2736304"/>
+                <a:gridCol w="1728192"/>
+              </a:tblGrid>
+              <a:tr h="370840">
+                <a:tc>
+                  <a:txBody>
+                    <a:bodyPr/>
+                    <a:lstStyle/>
+                    <a:p>
+                      <a:pPr algn="ctr"/>
+                      <a:r>
+                        <a:rPr lang="en-GB" sz="1400" b="1" i="0" u="none" strike="noStrike" cap="none" dirty="0" smtClean="0">
+                          <a:solidFill>
+                            <a:schemeClr val="bg1"/>
+                          </a:solidFill>
+                          <a:effectLst/>
+                          <a:latin typeface="Raleway SemiBold" charset="0"/>
+                          <a:ea typeface="Arial"/>
+                          <a:cs typeface="Arial"/>
+                          <a:sym typeface="Arial"/>
+                        </a:rPr>
+                        <a:t>Operator</a:t>
+                      </a:r>
+                      <a:endParaRPr lang="en-GB" sz="1400" dirty="0">
+                        <a:solidFill>
+                          <a:schemeClr val="bg1"/>
+                        </a:solidFill>
+                        <a:latin typeface="Raleway SemiBold" charset="0"/>
+                      </a:endParaRPr>
+                    </a:p>
+                  </a:txBody>
+                  <a:tcPr>
+                    <a:solidFill>
+                      <a:srgbClr val="3EB1D5"/>
+                    </a:solidFill>
+                  </a:tcPr>
+                </a:tc>
+                <a:tc>
+                  <a:txBody>
+                    <a:bodyPr/>
+                    <a:lstStyle/>
+                    <a:p>
+                      <a:pPr marL="0" marR="0" indent="0" algn="ctr" defTabSz="914400" rtl="0" eaLnBrk="1" fontAlgn="auto" latinLnBrk="0" hangingPunct="1">
+                        <a:lnSpc>
+                          <a:spcPct val="100000"/>
+                        </a:lnSpc>
+                        <a:spcBef>
+                          <a:spcPts val="0"/>
+                        </a:spcBef>
+                        <a:spcAft>
+                          <a:spcPts val="0"/>
+                        </a:spcAft>
+                        <a:buClr>
+                          <a:srgbClr val="000000"/>
+                        </a:buClr>
+                        <a:buSzTx/>
+                        <a:buFont typeface="Arial"/>
+                        <a:buNone/>
+                        <a:tabLst/>
+                        <a:defRPr/>
+                      </a:pPr>
+                      <a:r>
+                        <a:rPr lang="et-EE" sz="1400" b="1" i="0" u="none" strike="noStrike" cap="none" dirty="0" smtClean="0">
+                          <a:solidFill>
+                            <a:schemeClr val="bg1"/>
+                          </a:solidFill>
+                          <a:effectLst/>
+                          <a:latin typeface="Raleway SemiBold" charset="0"/>
+                          <a:ea typeface="Arial"/>
+                          <a:cs typeface="Arial"/>
+                          <a:sym typeface="Arial"/>
+                        </a:rPr>
+                        <a:t>Description</a:t>
+                      </a:r>
+                      <a:endParaRPr lang="en-GB" sz="1100" dirty="0"/>
+                    </a:p>
+                  </a:txBody>
+                  <a:tcPr>
+                    <a:solidFill>
+                      <a:srgbClr val="3EB1D5"/>
+                    </a:solidFill>
+                  </a:tcPr>
+                </a:tc>
+                <a:tc>
+                  <a:txBody>
+                    <a:bodyPr/>
+                    <a:lstStyle/>
+                    <a:p>
+                      <a:pPr marL="0" marR="0" indent="0" algn="ctr" defTabSz="914400" rtl="0" eaLnBrk="1" fontAlgn="auto" latinLnBrk="0" hangingPunct="1">
+                        <a:lnSpc>
+                          <a:spcPct val="100000"/>
+                        </a:lnSpc>
+                        <a:spcBef>
+                          <a:spcPts val="0"/>
+                        </a:spcBef>
+                        <a:spcAft>
+                          <a:spcPts val="0"/>
+                        </a:spcAft>
+                        <a:buClr>
+                          <a:srgbClr val="000000"/>
+                        </a:buClr>
+                        <a:buSzTx/>
+                        <a:buFont typeface="Arial"/>
+                        <a:buNone/>
+                        <a:tabLst/>
+                        <a:defRPr/>
+                      </a:pPr>
+                      <a:r>
+                        <a:rPr lang="et-EE" sz="1400" b="1" i="0" u="none" strike="noStrike" cap="none" dirty="0" smtClean="0">
+                          <a:solidFill>
+                            <a:schemeClr val="bg1"/>
+                          </a:solidFill>
+                          <a:effectLst/>
+                          <a:latin typeface="Raleway SemiBold" charset="0"/>
+                          <a:ea typeface="Arial"/>
+                          <a:cs typeface="Arial"/>
+                          <a:sym typeface="Arial"/>
+                        </a:rPr>
+                        <a:t>Example</a:t>
+                      </a:r>
+                      <a:endParaRPr lang="en-GB" dirty="0"/>
+                    </a:p>
+                  </a:txBody>
+                  <a:tcPr>
+                    <a:solidFill>
+                      <a:srgbClr val="3EB1D5"/>
+                    </a:solidFill>
+                  </a:tcPr>
+                </a:tc>
+                <a:tc>
+                  <a:txBody>
+                    <a:bodyPr/>
+                    <a:lstStyle/>
+                    <a:p>
+                      <a:pPr marL="0" marR="0" indent="0" algn="ctr" defTabSz="914400" rtl="0" eaLnBrk="1" fontAlgn="auto" latinLnBrk="0" hangingPunct="1">
+                        <a:lnSpc>
+                          <a:spcPct val="100000"/>
+                        </a:lnSpc>
+                        <a:spcBef>
+                          <a:spcPts val="0"/>
+                        </a:spcBef>
+                        <a:spcAft>
+                          <a:spcPts val="0"/>
+                        </a:spcAft>
+                        <a:buClr>
+                          <a:srgbClr val="000000"/>
+                        </a:buClr>
+                        <a:buSzTx/>
+                        <a:buFont typeface="Arial"/>
+                        <a:buNone/>
+                        <a:tabLst/>
+                        <a:defRPr/>
+                      </a:pPr>
+                      <a:r>
+                        <a:rPr lang="et-EE" sz="1400" b="1" i="0" u="none" strike="noStrike" cap="none" dirty="0" smtClean="0">
+                          <a:solidFill>
+                            <a:schemeClr val="bg1"/>
+                          </a:solidFill>
+                          <a:effectLst/>
+                          <a:latin typeface="Raleway SemiBold" charset="0"/>
+                          <a:ea typeface="Arial"/>
+                          <a:cs typeface="Arial"/>
+                          <a:sym typeface="Arial"/>
+                        </a:rPr>
+                        <a:t>Outcome</a:t>
+                      </a:r>
+                      <a:endParaRPr lang="en-GB" dirty="0"/>
+                    </a:p>
+                  </a:txBody>
+                  <a:tcPr>
+                    <a:solidFill>
+                      <a:srgbClr val="3EB1D5"/>
+                    </a:solidFill>
+                  </a:tcPr>
+                </a:tc>
+              </a:tr>
+              <a:tr h="370840">
+                <a:tc>
+                  <a:txBody>
+                    <a:bodyPr/>
+                    <a:lstStyle/>
+                    <a:p>
+                      <a:pPr algn="ctr"/>
+                      <a:r>
+                        <a:rPr lang="en-GB" sz="1400" b="0" i="0" u="none" strike="noStrike" cap="none" dirty="0" smtClean="0">
+                          <a:solidFill>
+                            <a:srgbClr val="000000"/>
+                          </a:solidFill>
+                          <a:effectLst/>
+                          <a:latin typeface="Arial"/>
+                          <a:ea typeface="Arial"/>
+                          <a:cs typeface="Arial"/>
+                          <a:sym typeface="Arial"/>
+                        </a:rPr>
+                        <a:t>&amp;&amp;</a:t>
+                      </a:r>
+                      <a:endParaRPr lang="en-GB" dirty="0">
+                        <a:latin typeface="Barlow Light" charset="0"/>
+                      </a:endParaRPr>
+                    </a:p>
+                  </a:txBody>
+                  <a:tcPr/>
+                </a:tc>
+                <a:tc>
+                  <a:txBody>
+                    <a:bodyPr/>
+                    <a:lstStyle/>
+                    <a:p>
+                      <a:pPr algn="ctr"/>
+                      <a:r>
+                        <a:rPr lang="et-EE" dirty="0" smtClean="0">
+                          <a:latin typeface="Barlow Light" charset="0"/>
+                        </a:rPr>
+                        <a:t>AND</a:t>
+                      </a:r>
+                      <a:endParaRPr lang="en-GB" dirty="0">
+                        <a:latin typeface="Barlow Light" charset="0"/>
+                      </a:endParaRPr>
+                    </a:p>
+                  </a:txBody>
+                  <a:tcPr/>
+                </a:tc>
+                <a:tc>
+                  <a:txBody>
+                    <a:bodyPr/>
+                    <a:lstStyle/>
+                    <a:p>
+                      <a:pPr marL="0" marR="0" indent="0" algn="ctr" defTabSz="914400" rtl="0" eaLnBrk="1" fontAlgn="auto" latinLnBrk="0" hangingPunct="1">
+                        <a:lnSpc>
+                          <a:spcPct val="100000"/>
+                        </a:lnSpc>
+                        <a:spcBef>
+                          <a:spcPts val="0"/>
+                        </a:spcBef>
+                        <a:spcAft>
+                          <a:spcPts val="0"/>
+                        </a:spcAft>
+                        <a:buClr>
+                          <a:srgbClr val="000000"/>
+                        </a:buClr>
+                        <a:buSzTx/>
+                        <a:buFont typeface="Arial"/>
+                        <a:buNone/>
+                        <a:tabLst/>
+                        <a:defRPr/>
+                      </a:pPr>
+                      <a:r>
+                        <a:rPr lang="et-EE" sz="1400" b="0" i="0" u="none" strike="noStrike" cap="none" dirty="0" smtClean="0">
+                          <a:solidFill>
+                            <a:srgbClr val="000000"/>
+                          </a:solidFill>
+                          <a:effectLst/>
+                          <a:latin typeface="Barlow Light" charset="0"/>
+                          <a:ea typeface="Arial"/>
+                          <a:cs typeface="Arial"/>
+                          <a:sym typeface="Arial"/>
+                        </a:rPr>
+                        <a:t> (</a:t>
+                      </a:r>
+                      <a:r>
+                        <a:rPr lang="en-GB" sz="1400" b="0" i="0" u="none" strike="noStrike" cap="none" dirty="0" smtClean="0">
+                          <a:solidFill>
+                            <a:srgbClr val="000000"/>
+                          </a:solidFill>
+                          <a:effectLst/>
+                          <a:latin typeface="Barlow Light" charset="0"/>
+                          <a:ea typeface="Arial"/>
+                          <a:cs typeface="Arial"/>
+                          <a:sym typeface="Arial"/>
+                        </a:rPr>
+                        <a:t>x </a:t>
+                      </a:r>
+                      <a:r>
+                        <a:rPr lang="et-EE" sz="1400" b="0" i="0" u="none" strike="noStrike" cap="none" dirty="0" smtClean="0">
+                          <a:solidFill>
+                            <a:srgbClr val="000000"/>
+                          </a:solidFill>
+                          <a:effectLst/>
+                          <a:latin typeface="Barlow Light" charset="0"/>
+                          <a:ea typeface="Arial"/>
+                          <a:cs typeface="Arial"/>
+                          <a:sym typeface="Arial"/>
+                        </a:rPr>
+                        <a:t>&gt;</a:t>
+                      </a:r>
+                      <a:r>
+                        <a:rPr lang="en-GB" sz="1400" b="0" i="0" u="none" strike="noStrike" cap="none" dirty="0" smtClean="0">
+                          <a:solidFill>
+                            <a:srgbClr val="000000"/>
+                          </a:solidFill>
+                          <a:effectLst/>
+                          <a:latin typeface="Barlow Light" charset="0"/>
+                          <a:ea typeface="Arial"/>
+                          <a:cs typeface="Arial"/>
+                          <a:sym typeface="Arial"/>
+                        </a:rPr>
+                        <a:t> </a:t>
+                      </a:r>
+                      <a:r>
+                        <a:rPr lang="et-EE" sz="1400" b="0" i="0" u="none" strike="noStrike" cap="none" dirty="0" smtClean="0">
+                          <a:solidFill>
+                            <a:srgbClr val="000000"/>
+                          </a:solidFill>
+                          <a:effectLst/>
+                          <a:latin typeface="Barlow Light" charset="0"/>
+                          <a:ea typeface="Arial"/>
+                          <a:cs typeface="Arial"/>
+                          <a:sym typeface="Arial"/>
+                        </a:rPr>
+                        <a:t>1)  &amp;&amp;   (</a:t>
+                      </a:r>
+                      <a:r>
+                        <a:rPr lang="en-GB" sz="1400" b="0" i="0" u="none" strike="noStrike" cap="none" dirty="0" smtClean="0">
+                          <a:solidFill>
+                            <a:srgbClr val="000000"/>
+                          </a:solidFill>
+                          <a:effectLst/>
+                          <a:latin typeface="Barlow Light" charset="0"/>
+                          <a:ea typeface="Arial"/>
+                          <a:cs typeface="Arial"/>
+                          <a:sym typeface="Arial"/>
+                        </a:rPr>
+                        <a:t>x </a:t>
+                      </a:r>
+                      <a:r>
+                        <a:rPr lang="et-EE" sz="1400" b="0" i="0" u="none" strike="noStrike" cap="none" dirty="0" smtClean="0">
+                          <a:solidFill>
+                            <a:srgbClr val="000000"/>
+                          </a:solidFill>
+                          <a:effectLst/>
+                          <a:latin typeface="Barlow Light" charset="0"/>
+                          <a:ea typeface="Arial"/>
+                          <a:cs typeface="Arial"/>
+                          <a:sym typeface="Arial"/>
+                        </a:rPr>
+                        <a:t>&lt;</a:t>
+                      </a:r>
+                      <a:r>
+                        <a:rPr lang="en-GB" sz="1400" b="0" i="0" u="none" strike="noStrike" cap="none" dirty="0" smtClean="0">
+                          <a:solidFill>
+                            <a:srgbClr val="000000"/>
+                          </a:solidFill>
+                          <a:effectLst/>
+                          <a:latin typeface="Barlow Light" charset="0"/>
+                          <a:ea typeface="Arial"/>
+                          <a:cs typeface="Arial"/>
+                          <a:sym typeface="Arial"/>
+                        </a:rPr>
+                        <a:t> </a:t>
+                      </a:r>
+                      <a:r>
+                        <a:rPr lang="et-EE" sz="1400" b="0" i="0" u="none" strike="noStrike" cap="none" dirty="0" smtClean="0">
+                          <a:solidFill>
+                            <a:srgbClr val="000000"/>
+                          </a:solidFill>
+                          <a:effectLst/>
+                          <a:latin typeface="Barlow Light" charset="0"/>
+                          <a:ea typeface="Arial"/>
+                          <a:cs typeface="Arial"/>
+                          <a:sym typeface="Arial"/>
+                        </a:rPr>
+                        <a:t>10)</a:t>
+                      </a:r>
+                      <a:endParaRPr lang="en-GB" dirty="0">
+                        <a:latin typeface="Barlow Light" charset="0"/>
+                      </a:endParaRPr>
+                    </a:p>
+                  </a:txBody>
+                  <a:tcPr/>
+                </a:tc>
+                <a:tc>
+                  <a:txBody>
+                    <a:bodyPr/>
+                    <a:lstStyle/>
+                    <a:p>
+                      <a:pPr algn="ctr"/>
+                      <a:r>
+                        <a:rPr lang="et-EE" dirty="0" smtClean="0">
+                          <a:latin typeface="Barlow Light" charset="0"/>
+                        </a:rPr>
+                        <a:t>true</a:t>
+                      </a:r>
+                      <a:endParaRPr lang="en-GB" dirty="0">
+                        <a:latin typeface="Barlow Light" charset="0"/>
+                      </a:endParaRPr>
+                    </a:p>
+                  </a:txBody>
+                  <a:tcPr/>
+                </a:tc>
+              </a:tr>
+              <a:tr h="370840">
+                <a:tc>
+                  <a:txBody>
+                    <a:bodyPr/>
+                    <a:lstStyle/>
+                    <a:p>
+                      <a:pPr algn="ctr"/>
+                      <a:r>
+                        <a:rPr lang="en-GB" sz="1400" b="0" i="0" u="none" strike="noStrike" cap="none" dirty="0" smtClean="0">
+                          <a:solidFill>
+                            <a:srgbClr val="000000"/>
+                          </a:solidFill>
+                          <a:effectLst/>
+                          <a:latin typeface="Arial"/>
+                          <a:ea typeface="Arial"/>
+                          <a:cs typeface="Arial"/>
+                          <a:sym typeface="Arial"/>
+                        </a:rPr>
+                        <a:t>||</a:t>
+                      </a:r>
+                      <a:endParaRPr lang="en-GB" dirty="0">
+                        <a:latin typeface="Barlow Light" charset="0"/>
+                      </a:endParaRPr>
+                    </a:p>
+                  </a:txBody>
+                  <a:tcPr/>
+                </a:tc>
+                <a:tc>
+                  <a:txBody>
+                    <a:bodyPr/>
+                    <a:lstStyle/>
+                    <a:p>
+                      <a:pPr algn="ctr"/>
+                      <a:r>
+                        <a:rPr lang="et-EE" dirty="0" smtClean="0">
+                          <a:latin typeface="Barlow Light" charset="0"/>
+                        </a:rPr>
+                        <a:t>OR</a:t>
+                      </a:r>
+                      <a:endParaRPr lang="en-GB" dirty="0">
+                        <a:latin typeface="Barlow Light" charset="0"/>
+                      </a:endParaRPr>
+                    </a:p>
+                  </a:txBody>
+                  <a:tcPr/>
+                </a:tc>
+                <a:tc>
+                  <a:txBody>
+                    <a:bodyPr/>
+                    <a:lstStyle/>
+                    <a:p>
+                      <a:pPr marL="0" marR="0" indent="0" algn="ctr" defTabSz="914400" rtl="0" eaLnBrk="1" fontAlgn="auto" latinLnBrk="0" hangingPunct="1">
+                        <a:lnSpc>
+                          <a:spcPct val="100000"/>
+                        </a:lnSpc>
+                        <a:spcBef>
+                          <a:spcPts val="0"/>
+                        </a:spcBef>
+                        <a:spcAft>
+                          <a:spcPts val="0"/>
+                        </a:spcAft>
+                        <a:buClr>
+                          <a:srgbClr val="000000"/>
+                        </a:buClr>
+                        <a:buSzTx/>
+                        <a:buFont typeface="Arial"/>
+                        <a:buNone/>
+                        <a:tabLst/>
+                        <a:defRPr/>
+                      </a:pPr>
+                      <a:r>
+                        <a:rPr lang="et-EE" sz="1400" b="0" i="0" u="none" strike="noStrike" cap="none" dirty="0" smtClean="0">
+                          <a:solidFill>
+                            <a:srgbClr val="000000"/>
+                          </a:solidFill>
+                          <a:effectLst/>
+                          <a:latin typeface="Barlow Light" charset="0"/>
+                          <a:ea typeface="Arial"/>
+                          <a:cs typeface="Arial"/>
+                          <a:sym typeface="Arial"/>
+                        </a:rPr>
+                        <a:t> (</a:t>
+                      </a:r>
+                      <a:r>
+                        <a:rPr lang="en-GB" sz="1400" b="0" i="0" u="none" strike="noStrike" cap="none" dirty="0" smtClean="0">
+                          <a:solidFill>
+                            <a:srgbClr val="000000"/>
+                          </a:solidFill>
+                          <a:effectLst/>
+                          <a:latin typeface="Barlow Light" charset="0"/>
+                          <a:ea typeface="Arial"/>
+                          <a:cs typeface="Arial"/>
+                          <a:sym typeface="Arial"/>
+                        </a:rPr>
+                        <a:t>x </a:t>
+                      </a:r>
+                      <a:r>
+                        <a:rPr lang="et-EE" sz="1400" b="0" i="0" u="none" strike="noStrike" cap="none" dirty="0" smtClean="0">
+                          <a:solidFill>
+                            <a:srgbClr val="000000"/>
+                          </a:solidFill>
+                          <a:effectLst/>
+                          <a:latin typeface="Barlow Light" charset="0"/>
+                          <a:ea typeface="Arial"/>
+                          <a:cs typeface="Arial"/>
+                          <a:sym typeface="Arial"/>
+                        </a:rPr>
+                        <a:t>&lt;</a:t>
+                      </a:r>
+                      <a:r>
+                        <a:rPr lang="en-GB" sz="1400" b="0" i="0" u="none" strike="noStrike" cap="none" dirty="0" smtClean="0">
+                          <a:solidFill>
+                            <a:srgbClr val="000000"/>
+                          </a:solidFill>
+                          <a:effectLst/>
+                          <a:latin typeface="Barlow Light" charset="0"/>
+                          <a:ea typeface="Arial"/>
+                          <a:cs typeface="Arial"/>
+                          <a:sym typeface="Arial"/>
+                        </a:rPr>
+                        <a:t> </a:t>
+                      </a:r>
+                      <a:r>
+                        <a:rPr lang="et-EE" sz="1400" b="0" i="0" u="none" strike="noStrike" cap="none" dirty="0" smtClean="0">
+                          <a:solidFill>
+                            <a:srgbClr val="000000"/>
+                          </a:solidFill>
+                          <a:effectLst/>
+                          <a:latin typeface="Barlow Light" charset="0"/>
+                          <a:ea typeface="Arial"/>
+                          <a:cs typeface="Arial"/>
+                          <a:sym typeface="Arial"/>
+                        </a:rPr>
+                        <a:t>1)  ||   (</a:t>
+                      </a:r>
+                      <a:r>
+                        <a:rPr lang="en-GB" sz="1400" b="0" i="0" u="none" strike="noStrike" cap="none" dirty="0" smtClean="0">
+                          <a:solidFill>
+                            <a:srgbClr val="000000"/>
+                          </a:solidFill>
+                          <a:effectLst/>
+                          <a:latin typeface="Barlow Light" charset="0"/>
+                          <a:ea typeface="Arial"/>
+                          <a:cs typeface="Arial"/>
+                          <a:sym typeface="Arial"/>
+                        </a:rPr>
+                        <a:t>x </a:t>
+                      </a:r>
+                      <a:r>
+                        <a:rPr lang="et-EE" sz="1400" b="0" i="0" u="none" strike="noStrike" cap="none" dirty="0" smtClean="0">
+                          <a:solidFill>
+                            <a:srgbClr val="000000"/>
+                          </a:solidFill>
+                          <a:effectLst/>
+                          <a:latin typeface="Barlow Light" charset="0"/>
+                          <a:ea typeface="Arial"/>
+                          <a:cs typeface="Arial"/>
+                          <a:sym typeface="Arial"/>
+                        </a:rPr>
+                        <a:t>&gt;</a:t>
+                      </a:r>
+                      <a:r>
+                        <a:rPr lang="en-GB" sz="1400" b="0" i="0" u="none" strike="noStrike" cap="none" dirty="0" smtClean="0">
+                          <a:solidFill>
+                            <a:srgbClr val="000000"/>
+                          </a:solidFill>
+                          <a:effectLst/>
+                          <a:latin typeface="Barlow Light" charset="0"/>
+                          <a:ea typeface="Arial"/>
+                          <a:cs typeface="Arial"/>
+                          <a:sym typeface="Arial"/>
+                        </a:rPr>
+                        <a:t> </a:t>
+                      </a:r>
+                      <a:r>
+                        <a:rPr lang="et-EE" sz="1400" b="0" i="0" u="none" strike="noStrike" cap="none" dirty="0" smtClean="0">
+                          <a:solidFill>
+                            <a:srgbClr val="000000"/>
+                          </a:solidFill>
+                          <a:effectLst/>
+                          <a:latin typeface="Barlow Light" charset="0"/>
+                          <a:ea typeface="Arial"/>
+                          <a:cs typeface="Arial"/>
+                          <a:sym typeface="Arial"/>
+                        </a:rPr>
+                        <a:t>10)</a:t>
+                      </a:r>
+                      <a:endParaRPr lang="en-GB" dirty="0">
+                        <a:latin typeface="Barlow Light" charset="0"/>
+                      </a:endParaRPr>
+                    </a:p>
+                  </a:txBody>
+                  <a:tcPr/>
+                </a:tc>
+                <a:tc>
+                  <a:txBody>
+                    <a:bodyPr/>
+                    <a:lstStyle/>
+                    <a:p>
+                      <a:pPr algn="ctr"/>
+                      <a:r>
+                        <a:rPr lang="et-EE" dirty="0" smtClean="0">
+                          <a:latin typeface="Barlow Light" charset="0"/>
+                        </a:rPr>
+                        <a:t>false</a:t>
+                      </a:r>
+                      <a:endParaRPr lang="en-GB" dirty="0">
+                        <a:latin typeface="Barlow Light" charset="0"/>
+                      </a:endParaRPr>
+                    </a:p>
+                  </a:txBody>
+                  <a:tcPr/>
+                </a:tc>
+              </a:tr>
+              <a:tr h="370840">
+                <a:tc>
+                  <a:txBody>
+                    <a:bodyPr/>
+                    <a:lstStyle/>
+                    <a:p>
+                      <a:pPr algn="ctr"/>
+                      <a:r>
+                        <a:rPr lang="et-EE" dirty="0" smtClean="0">
+                          <a:latin typeface="Barlow Light" charset="0"/>
+                        </a:rPr>
+                        <a:t>!</a:t>
+                      </a:r>
+                      <a:endParaRPr lang="en-GB" dirty="0">
+                        <a:latin typeface="Barlow Light" charset="0"/>
+                      </a:endParaRPr>
+                    </a:p>
+                  </a:txBody>
+                  <a:tcPr/>
+                </a:tc>
+                <a:tc>
+                  <a:txBody>
+                    <a:bodyPr/>
+                    <a:lstStyle/>
+                    <a:p>
+                      <a:pPr algn="ctr"/>
+                      <a:r>
+                        <a:rPr lang="et-EE" dirty="0" smtClean="0">
+                          <a:latin typeface="Barlow Light" charset="0"/>
+                        </a:rPr>
+                        <a:t>NOT</a:t>
+                      </a:r>
+                      <a:endParaRPr lang="en-GB" dirty="0">
+                        <a:latin typeface="Barlow Light" charset="0"/>
+                      </a:endParaRPr>
+                    </a:p>
+                  </a:txBody>
+                  <a:tcPr/>
+                </a:tc>
+                <a:tc>
+                  <a:txBody>
+                    <a:bodyPr/>
+                    <a:lstStyle/>
+                    <a:p>
+                      <a:pPr algn="ctr"/>
+                      <a:r>
+                        <a:rPr lang="et-EE" sz="1400" b="0" i="0" u="none" strike="noStrike" cap="none" smtClean="0">
+                          <a:solidFill>
+                            <a:srgbClr val="000000"/>
+                          </a:solidFill>
+                          <a:effectLst/>
+                          <a:latin typeface="Barlow Light" charset="0"/>
+                          <a:ea typeface="Arial"/>
+                          <a:cs typeface="Arial"/>
+                          <a:sym typeface="Arial"/>
+                        </a:rPr>
+                        <a:t>! </a:t>
+                      </a:r>
+                      <a:r>
+                        <a:rPr lang="et-EE" sz="1400" b="0" i="0" u="none" strike="noStrike" cap="none" dirty="0" smtClean="0">
+                          <a:solidFill>
+                            <a:srgbClr val="000000"/>
+                          </a:solidFill>
+                          <a:effectLst/>
+                          <a:latin typeface="Barlow Light" charset="0"/>
+                          <a:ea typeface="Arial"/>
+                          <a:cs typeface="Arial"/>
+                          <a:sym typeface="Arial"/>
+                        </a:rPr>
+                        <a:t>(</a:t>
+                      </a:r>
+                      <a:r>
+                        <a:rPr lang="en-GB" sz="1400" b="0" i="0" u="none" strike="noStrike" cap="none" dirty="0" smtClean="0">
+                          <a:solidFill>
+                            <a:srgbClr val="000000"/>
+                          </a:solidFill>
+                          <a:effectLst/>
+                          <a:latin typeface="Barlow Light" charset="0"/>
+                          <a:ea typeface="Arial"/>
+                          <a:cs typeface="Arial"/>
+                          <a:sym typeface="Arial"/>
+                        </a:rPr>
+                        <a:t>x </a:t>
+                      </a:r>
+                      <a:r>
+                        <a:rPr lang="et-EE" sz="1400" b="0" i="0" u="none" strike="noStrike" cap="none" dirty="0" smtClean="0">
+                          <a:solidFill>
+                            <a:srgbClr val="000000"/>
+                          </a:solidFill>
+                          <a:effectLst/>
+                          <a:latin typeface="Barlow Light" charset="0"/>
+                          <a:ea typeface="Arial"/>
+                          <a:cs typeface="Arial"/>
+                          <a:sym typeface="Arial"/>
+                        </a:rPr>
+                        <a:t>&lt;</a:t>
+                      </a:r>
+                      <a:r>
+                        <a:rPr lang="en-GB" sz="1400" b="0" i="0" u="none" strike="noStrike" cap="none" dirty="0" smtClean="0">
+                          <a:solidFill>
+                            <a:srgbClr val="000000"/>
+                          </a:solidFill>
+                          <a:effectLst/>
+                          <a:latin typeface="Barlow Light" charset="0"/>
+                          <a:ea typeface="Arial"/>
+                          <a:cs typeface="Arial"/>
+                          <a:sym typeface="Arial"/>
+                        </a:rPr>
+                        <a:t> </a:t>
+                      </a:r>
+                      <a:r>
+                        <a:rPr lang="et-EE" sz="1400" b="0" i="0" u="none" strike="noStrike" cap="none" dirty="0" smtClean="0">
+                          <a:solidFill>
+                            <a:srgbClr val="000000"/>
+                          </a:solidFill>
+                          <a:effectLst/>
+                          <a:latin typeface="Barlow Light" charset="0"/>
+                          <a:ea typeface="Arial"/>
+                          <a:cs typeface="Arial"/>
+                          <a:sym typeface="Arial"/>
+                        </a:rPr>
+                        <a:t>1) </a:t>
+                      </a:r>
+                      <a:endParaRPr lang="en-GB" dirty="0">
+                        <a:latin typeface="Barlow Light" charset="0"/>
+                      </a:endParaRPr>
+                    </a:p>
+                  </a:txBody>
+                  <a:tcPr/>
+                </a:tc>
+                <a:tc>
+                  <a:txBody>
+                    <a:bodyPr/>
+                    <a:lstStyle/>
+                    <a:p>
+                      <a:pPr algn="ctr"/>
+                      <a:r>
+                        <a:rPr lang="et-EE" dirty="0" smtClean="0">
+                          <a:latin typeface="Barlow Light" charset="0"/>
+                        </a:rPr>
+                        <a:t>true</a:t>
+                      </a:r>
+                      <a:endParaRPr lang="en-GB" dirty="0">
+                        <a:latin typeface="Barlow Light" charset="0"/>
+                      </a:endParaRPr>
+                    </a:p>
+                  </a:txBody>
+                  <a:tcPr/>
+                </a:tc>
+              </a:tr>
+            </a:tbl>
+          </a:graphicData>
+        </a:graphic>
+      </p:graphicFrame>
+      <p:sp>
+        <p:nvSpPr>
+          <p:cNvPr id="3" name="TextBox 2"/>
+          <p:cNvSpPr txBox="1"/>
+          <p:nvPr/>
+        </p:nvSpPr>
+        <p:spPr>
+          <a:xfrm>
+            <a:off x="381000" y="1760910"/>
+            <a:ext cx="5040560" cy="307777"/>
+          </a:xfrm>
+          <a:prstGeom prst="rect">
+            <a:avLst/>
+          </a:prstGeom>
+          <a:solidFill>
+            <a:schemeClr val="bg1"/>
+          </a:solidFill>
+        </p:spPr>
+        <p:txBody>
+          <a:bodyPr wrap="square" rtlCol="0">
+            <a:spAutoFit/>
+          </a:bodyPr>
+          <a:lstStyle/>
+          <a:p>
+            <a:r>
+              <a:rPr lang="et-EE" dirty="0" smtClean="0">
+                <a:latin typeface="Barlow Light" charset="0"/>
+              </a:rPr>
+              <a:t>Let’s assume x=5</a:t>
+            </a:r>
+            <a:endParaRPr lang="en-GB" dirty="0">
+              <a:latin typeface="Barlow Light" charset="0"/>
+            </a:endParaRPr>
+          </a:p>
+        </p:txBody>
+      </p:sp>
     </p:spTree>
     <p:extLst>
       <p:ext uri="{BB962C8B-B14F-4D97-AF65-F5344CB8AC3E}">
-        <p14:creationId xmlns:p14="http://schemas.microsoft.com/office/powerpoint/2010/main" val="4284301077"/>
+        <p14:creationId xmlns:p14="http://schemas.microsoft.com/office/powerpoint/2010/main" val="1852099016"/>
       </p:ext>
     </p:extLst>
   </p:cSld>
@@ -13333,14 +13652,6 @@
               </a:rPr>
               <a:t>Syntax</a:t>
             </a:r>
-            <a:endParaRPr lang="en-US" sz="2400" dirty="0" smtClean="0">
-              <a:solidFill>
-                <a:schemeClr val="lt1"/>
-              </a:solidFill>
-              <a:highlight>
-                <a:schemeClr val="accent1"/>
-              </a:highlight>
-            </a:endParaRPr>
           </a:p>
           <a:p>
             <a:pPr>
@@ -13357,7 +13668,7 @@
                   <a:schemeClr val="accent2"/>
                 </a:highlight>
               </a:rPr>
-              <a:t>Conditional switch ..case</a:t>
+              <a:t>Conditional If..else</a:t>
             </a:r>
             <a:endParaRPr lang="en-US" sz="2400" dirty="0">
               <a:solidFill>
@@ -13373,7 +13684,7 @@
     </p:spTree>
     <p:extLst>
       <p:ext uri="{BB962C8B-B14F-4D97-AF65-F5344CB8AC3E}">
-        <p14:creationId xmlns:p14="http://schemas.microsoft.com/office/powerpoint/2010/main" val="710234867"/>
+        <p14:creationId xmlns:p14="http://schemas.microsoft.com/office/powerpoint/2010/main" val="4284301077"/>
       </p:ext>
     </p:extLst>
   </p:cSld>
@@ -14579,14 +14890,6 @@
               </a:rPr>
               <a:t>Syntax</a:t>
             </a:r>
-            <a:endParaRPr lang="en-US" sz="2400" dirty="0" smtClean="0">
-              <a:solidFill>
-                <a:schemeClr val="lt1"/>
-              </a:solidFill>
-              <a:highlight>
-                <a:schemeClr val="accent1"/>
-              </a:highlight>
-            </a:endParaRPr>
           </a:p>
           <a:p>
             <a:pPr>
@@ -14603,7 +14906,7 @@
                   <a:schemeClr val="accent2"/>
                 </a:highlight>
               </a:rPr>
-              <a:t>Loops - while</a:t>
+              <a:t>Conditional switch ..case</a:t>
             </a:r>
             <a:endParaRPr lang="en-US" sz="2400" dirty="0">
               <a:solidFill>
@@ -14619,7 +14922,7 @@
     </p:spTree>
     <p:extLst>
       <p:ext uri="{BB962C8B-B14F-4D97-AF65-F5344CB8AC3E}">
-        <p14:creationId xmlns:p14="http://schemas.microsoft.com/office/powerpoint/2010/main" val="927004511"/>
+        <p14:creationId xmlns:p14="http://schemas.microsoft.com/office/powerpoint/2010/main" val="710234867"/>
       </p:ext>
     </p:extLst>
   </p:cSld>
@@ -15825,14 +16128,6 @@
               </a:rPr>
               <a:t>Syntax</a:t>
             </a:r>
-            <a:endParaRPr lang="en-US" sz="2400" dirty="0" smtClean="0">
-              <a:solidFill>
-                <a:schemeClr val="lt1"/>
-              </a:solidFill>
-              <a:highlight>
-                <a:schemeClr val="accent1"/>
-              </a:highlight>
-            </a:endParaRPr>
           </a:p>
           <a:p>
             <a:pPr>
@@ -15849,7 +16144,7 @@
                   <a:schemeClr val="accent2"/>
                 </a:highlight>
               </a:rPr>
-              <a:t>Loops - do while</a:t>
+              <a:t>Loops - while</a:t>
             </a:r>
             <a:endParaRPr lang="en-US" sz="2400" dirty="0">
               <a:solidFill>
@@ -15865,7 +16160,7 @@
     </p:spTree>
     <p:extLst>
       <p:ext uri="{BB962C8B-B14F-4D97-AF65-F5344CB8AC3E}">
-        <p14:creationId xmlns:p14="http://schemas.microsoft.com/office/powerpoint/2010/main" val="2991234893"/>
+        <p14:creationId xmlns:p14="http://schemas.microsoft.com/office/powerpoint/2010/main" val="927004511"/>
       </p:ext>
     </p:extLst>
   </p:cSld>
@@ -17071,14 +17366,6 @@
               </a:rPr>
               <a:t>Syntax</a:t>
             </a:r>
-            <a:endParaRPr lang="en-US" sz="2400" dirty="0" smtClean="0">
-              <a:solidFill>
-                <a:schemeClr val="lt1"/>
-              </a:solidFill>
-              <a:highlight>
-                <a:schemeClr val="accent1"/>
-              </a:highlight>
-            </a:endParaRPr>
           </a:p>
           <a:p>
             <a:pPr>
@@ -17095,7 +17382,7 @@
                   <a:schemeClr val="accent2"/>
                 </a:highlight>
               </a:rPr>
-              <a:t>Loops - for</a:t>
+              <a:t>Loops - do while</a:t>
             </a:r>
             <a:endParaRPr lang="en-US" sz="2400" dirty="0">
               <a:solidFill>
@@ -17111,7 +17398,7 @@
     </p:spTree>
     <p:extLst>
       <p:ext uri="{BB962C8B-B14F-4D97-AF65-F5344CB8AC3E}">
-        <p14:creationId xmlns:p14="http://schemas.microsoft.com/office/powerpoint/2010/main" val="1831599161"/>
+        <p14:creationId xmlns:p14="http://schemas.microsoft.com/office/powerpoint/2010/main" val="2991234893"/>
       </p:ext>
     </p:extLst>
   </p:cSld>
@@ -18317,14 +18604,6 @@
               </a:rPr>
               <a:t>Syntax</a:t>
             </a:r>
-            <a:endParaRPr lang="en-US" sz="2400" dirty="0" smtClean="0">
-              <a:solidFill>
-                <a:schemeClr val="lt1"/>
-              </a:solidFill>
-              <a:highlight>
-                <a:schemeClr val="accent1"/>
-              </a:highlight>
-            </a:endParaRPr>
           </a:p>
           <a:p>
             <a:pPr>
@@ -18341,7 +18620,7 @@
                   <a:schemeClr val="accent2"/>
                 </a:highlight>
               </a:rPr>
-              <a:t>Loops - for-of</a:t>
+              <a:t>Loops - for</a:t>
             </a:r>
             <a:endParaRPr lang="en-US" sz="2400" dirty="0">
               <a:solidFill>
@@ -18357,7 +18636,7 @@
     </p:spTree>
     <p:extLst>
       <p:ext uri="{BB962C8B-B14F-4D97-AF65-F5344CB8AC3E}">
-        <p14:creationId xmlns:p14="http://schemas.microsoft.com/office/powerpoint/2010/main" val="1252553512"/>
+        <p14:creationId xmlns:p14="http://schemas.microsoft.com/office/powerpoint/2010/main" val="1831599161"/>
       </p:ext>
     </p:extLst>
   </p:cSld>
@@ -19563,14 +19842,6 @@
               </a:rPr>
               <a:t>Syntax</a:t>
             </a:r>
-            <a:endParaRPr lang="en-US" sz="2400" dirty="0" smtClean="0">
-              <a:solidFill>
-                <a:schemeClr val="lt1"/>
-              </a:solidFill>
-              <a:highlight>
-                <a:schemeClr val="accent1"/>
-              </a:highlight>
-            </a:endParaRPr>
           </a:p>
           <a:p>
             <a:pPr>
@@ -19587,7 +19858,7 @@
                   <a:schemeClr val="accent2"/>
                 </a:highlight>
               </a:rPr>
-              <a:t>Loops - for-in</a:t>
+              <a:t>Loops - for-of</a:t>
             </a:r>
             <a:endParaRPr lang="en-US" sz="2400" dirty="0">
               <a:solidFill>
@@ -19603,7 +19874,7 @@
     </p:spTree>
     <p:extLst>
       <p:ext uri="{BB962C8B-B14F-4D97-AF65-F5344CB8AC3E}">
-        <p14:creationId xmlns:p14="http://schemas.microsoft.com/office/powerpoint/2010/main" val="3806721708"/>
+        <p14:creationId xmlns:p14="http://schemas.microsoft.com/office/powerpoint/2010/main" val="1252553512"/>
       </p:ext>
     </p:extLst>
   </p:cSld>
@@ -20809,14 +21080,6 @@
               </a:rPr>
               <a:t>Syntax</a:t>
             </a:r>
-            <a:endParaRPr lang="en-US" sz="2400" dirty="0" smtClean="0">
-              <a:solidFill>
-                <a:schemeClr val="lt1"/>
-              </a:solidFill>
-              <a:highlight>
-                <a:schemeClr val="accent1"/>
-              </a:highlight>
-            </a:endParaRPr>
           </a:p>
           <a:p>
             <a:pPr>
@@ -20833,7 +21096,7 @@
                   <a:schemeClr val="accent2"/>
                 </a:highlight>
               </a:rPr>
-              <a:t>Arrays</a:t>
+              <a:t>Loops - for-in</a:t>
             </a:r>
             <a:endParaRPr lang="en-US" sz="2400" dirty="0">
               <a:solidFill>
@@ -20849,7 +21112,7 @@
     </p:spTree>
     <p:extLst>
       <p:ext uri="{BB962C8B-B14F-4D97-AF65-F5344CB8AC3E}">
-        <p14:creationId xmlns:p14="http://schemas.microsoft.com/office/powerpoint/2010/main" val="3439639754"/>
+        <p14:creationId xmlns:p14="http://schemas.microsoft.com/office/powerpoint/2010/main" val="3806721708"/>
       </p:ext>
     </p:extLst>
   </p:cSld>
@@ -22055,14 +22318,6 @@
               </a:rPr>
               <a:t>Syntax</a:t>
             </a:r>
-            <a:endParaRPr lang="en-US" sz="2400" dirty="0" smtClean="0">
-              <a:solidFill>
-                <a:schemeClr val="lt1"/>
-              </a:solidFill>
-              <a:highlight>
-                <a:schemeClr val="accent1"/>
-              </a:highlight>
-            </a:endParaRPr>
           </a:p>
           <a:p>
             <a:pPr>
@@ -22079,7 +22334,7 @@
                   <a:schemeClr val="accent2"/>
                 </a:highlight>
               </a:rPr>
-              <a:t>Multidimensional Arrays </a:t>
+              <a:t>Arrays</a:t>
             </a:r>
             <a:endParaRPr lang="en-US" sz="2400" dirty="0">
               <a:solidFill>
@@ -22095,7 +22350,7 @@
     </p:spTree>
     <p:extLst>
       <p:ext uri="{BB962C8B-B14F-4D97-AF65-F5344CB8AC3E}">
-        <p14:creationId xmlns:p14="http://schemas.microsoft.com/office/powerpoint/2010/main" val="3878456012"/>
+        <p14:creationId xmlns:p14="http://schemas.microsoft.com/office/powerpoint/2010/main" val="3439639754"/>
       </p:ext>
     </p:extLst>
   </p:cSld>
@@ -23301,14 +23556,6 @@
               </a:rPr>
               <a:t>Syntax</a:t>
             </a:r>
-            <a:endParaRPr lang="en-US" sz="2400" dirty="0" smtClean="0">
-              <a:solidFill>
-                <a:schemeClr val="lt1"/>
-              </a:solidFill>
-              <a:highlight>
-                <a:schemeClr val="accent1"/>
-              </a:highlight>
-            </a:endParaRPr>
           </a:p>
           <a:p>
             <a:pPr>
@@ -23325,7 +23572,7 @@
                   <a:schemeClr val="accent2"/>
                 </a:highlight>
               </a:rPr>
-              <a:t>Functions</a:t>
+              <a:t>Multidimensional Arrays </a:t>
             </a:r>
             <a:endParaRPr lang="en-US" sz="2400" dirty="0">
               <a:solidFill>
@@ -23341,7 +23588,7 @@
     </p:spTree>
     <p:extLst>
       <p:ext uri="{BB962C8B-B14F-4D97-AF65-F5344CB8AC3E}">
-        <p14:creationId xmlns:p14="http://schemas.microsoft.com/office/powerpoint/2010/main" val="3422116180"/>
+        <p14:creationId xmlns:p14="http://schemas.microsoft.com/office/powerpoint/2010/main" val="3878456012"/>
       </p:ext>
     </p:extLst>
   </p:cSld>
@@ -27054,6 +27301,828 @@
       </p:sp>
       <p:sp>
         <p:nvSpPr>
+          <p:cNvPr id="6" name="Rectangle 5"/>
+          <p:cNvSpPr/>
+          <p:nvPr/>
+        </p:nvSpPr>
+        <p:spPr>
+          <a:xfrm>
+            <a:off x="323528" y="1419622"/>
+            <a:ext cx="8295456" cy="3539430"/>
+          </a:xfrm>
+          <a:prstGeom prst="rect">
+            <a:avLst/>
+          </a:prstGeom>
+          <a:solidFill>
+            <a:schemeClr val="tx1"/>
+          </a:solidFill>
+        </p:spPr>
+        <p:txBody>
+          <a:bodyPr wrap="square">
+            <a:spAutoFit/>
+          </a:bodyPr>
+          <a:lstStyle/>
+          <a:p>
+            <a:r>
+              <a:rPr lang="en-US" sz="1600" dirty="0">
+                <a:solidFill>
+                  <a:srgbClr val="808080"/>
+                </a:solidFill>
+                <a:latin typeface="Consolas"/>
+              </a:rPr>
+              <a:t>&lt;!</a:t>
+            </a:r>
+            <a:r>
+              <a:rPr lang="en-US" sz="1600" dirty="0">
+                <a:solidFill>
+                  <a:srgbClr val="569CD6"/>
+                </a:solidFill>
+                <a:latin typeface="Consolas"/>
+              </a:rPr>
+              <a:t>DOCTYPE</a:t>
+            </a:r>
+            <a:r>
+              <a:rPr lang="en-US" sz="1600" dirty="0">
+                <a:solidFill>
+                  <a:srgbClr val="D4D4D4"/>
+                </a:solidFill>
+                <a:latin typeface="Consolas"/>
+              </a:rPr>
+              <a:t> </a:t>
+            </a:r>
+            <a:r>
+              <a:rPr lang="en-US" sz="1600" dirty="0">
+                <a:solidFill>
+                  <a:srgbClr val="9CDCFE"/>
+                </a:solidFill>
+                <a:latin typeface="Consolas"/>
+              </a:rPr>
+              <a:t>html</a:t>
+            </a:r>
+            <a:r>
+              <a:rPr lang="en-US" sz="1600" dirty="0">
+                <a:solidFill>
+                  <a:srgbClr val="808080"/>
+                </a:solidFill>
+                <a:latin typeface="Consolas"/>
+              </a:rPr>
+              <a:t>&gt;</a:t>
+            </a:r>
+            <a:endParaRPr lang="en-US" sz="1600" dirty="0">
+              <a:solidFill>
+                <a:srgbClr val="D4D4D4"/>
+              </a:solidFill>
+              <a:latin typeface="Consolas"/>
+            </a:endParaRPr>
+          </a:p>
+          <a:p>
+            <a:r>
+              <a:rPr lang="en-US" sz="1600" dirty="0">
+                <a:solidFill>
+                  <a:srgbClr val="808080"/>
+                </a:solidFill>
+                <a:latin typeface="Consolas"/>
+              </a:rPr>
+              <a:t>&lt;</a:t>
+            </a:r>
+            <a:r>
+              <a:rPr lang="en-US" sz="1600" dirty="0">
+                <a:solidFill>
+                  <a:srgbClr val="569CD6"/>
+                </a:solidFill>
+                <a:latin typeface="Consolas"/>
+              </a:rPr>
+              <a:t>html</a:t>
+            </a:r>
+            <a:r>
+              <a:rPr lang="en-US" sz="1600" dirty="0">
+                <a:solidFill>
+                  <a:srgbClr val="808080"/>
+                </a:solidFill>
+                <a:latin typeface="Consolas"/>
+              </a:rPr>
+              <a:t>&gt;</a:t>
+            </a:r>
+            <a:endParaRPr lang="en-US" sz="1600" dirty="0">
+              <a:solidFill>
+                <a:srgbClr val="D4D4D4"/>
+              </a:solidFill>
+              <a:latin typeface="Consolas"/>
+            </a:endParaRPr>
+          </a:p>
+          <a:p>
+            <a:r>
+              <a:rPr lang="en-US" sz="1600" dirty="0">
+                <a:solidFill>
+                  <a:srgbClr val="D4D4D4"/>
+                </a:solidFill>
+                <a:latin typeface="Consolas"/>
+              </a:rPr>
+              <a:t>  </a:t>
+            </a:r>
+            <a:r>
+              <a:rPr lang="en-US" sz="1600" dirty="0">
+                <a:solidFill>
+                  <a:srgbClr val="808080"/>
+                </a:solidFill>
+                <a:latin typeface="Consolas"/>
+              </a:rPr>
+              <a:t>&lt;</a:t>
+            </a:r>
+            <a:r>
+              <a:rPr lang="en-US" sz="1600" dirty="0">
+                <a:solidFill>
+                  <a:srgbClr val="569CD6"/>
+                </a:solidFill>
+                <a:latin typeface="Consolas"/>
+              </a:rPr>
+              <a:t>head</a:t>
+            </a:r>
+            <a:r>
+              <a:rPr lang="en-US" sz="1600" dirty="0">
+                <a:solidFill>
+                  <a:srgbClr val="808080"/>
+                </a:solidFill>
+                <a:latin typeface="Consolas"/>
+              </a:rPr>
+              <a:t>&gt;</a:t>
+            </a:r>
+            <a:endParaRPr lang="en-US" sz="1600" dirty="0">
+              <a:solidFill>
+                <a:srgbClr val="D4D4D4"/>
+              </a:solidFill>
+              <a:latin typeface="Consolas"/>
+            </a:endParaRPr>
+          </a:p>
+          <a:p>
+            <a:r>
+              <a:rPr lang="en-US" sz="1600" dirty="0">
+                <a:solidFill>
+                  <a:srgbClr val="D4D4D4"/>
+                </a:solidFill>
+                <a:latin typeface="Consolas"/>
+              </a:rPr>
+              <a:t>    </a:t>
+            </a:r>
+            <a:r>
+              <a:rPr lang="en-US" sz="1600" dirty="0">
+                <a:solidFill>
+                  <a:srgbClr val="808080"/>
+                </a:solidFill>
+                <a:latin typeface="Consolas"/>
+              </a:rPr>
+              <a:t>&lt;</a:t>
+            </a:r>
+            <a:r>
+              <a:rPr lang="en-US" sz="1600" dirty="0">
+                <a:solidFill>
+                  <a:srgbClr val="569CD6"/>
+                </a:solidFill>
+                <a:latin typeface="Consolas"/>
+              </a:rPr>
+              <a:t>meta</a:t>
+            </a:r>
+            <a:r>
+              <a:rPr lang="en-US" sz="1600" dirty="0">
+                <a:solidFill>
+                  <a:srgbClr val="9CDCFE"/>
+                </a:solidFill>
+                <a:latin typeface="Consolas"/>
+              </a:rPr>
+              <a:t> charset</a:t>
+            </a:r>
+            <a:r>
+              <a:rPr lang="en-US" sz="1600" dirty="0">
+                <a:solidFill>
+                  <a:srgbClr val="D4D4D4"/>
+                </a:solidFill>
+                <a:latin typeface="Consolas"/>
+              </a:rPr>
+              <a:t>=</a:t>
+            </a:r>
+            <a:r>
+              <a:rPr lang="en-US" sz="1600" dirty="0">
+                <a:solidFill>
+                  <a:srgbClr val="CE9178"/>
+                </a:solidFill>
+                <a:latin typeface="Consolas"/>
+              </a:rPr>
+              <a:t>"utf-8"</a:t>
+            </a:r>
+            <a:r>
+              <a:rPr lang="en-US" sz="1600" dirty="0">
+                <a:solidFill>
+                  <a:srgbClr val="808080"/>
+                </a:solidFill>
+                <a:latin typeface="Consolas"/>
+              </a:rPr>
+              <a:t>&gt;</a:t>
+            </a:r>
+            <a:endParaRPr lang="en-US" sz="1600" dirty="0">
+              <a:solidFill>
+                <a:srgbClr val="D4D4D4"/>
+              </a:solidFill>
+              <a:latin typeface="Consolas"/>
+            </a:endParaRPr>
+          </a:p>
+          <a:p>
+            <a:r>
+              <a:rPr lang="en-US" sz="1600" dirty="0">
+                <a:solidFill>
+                  <a:srgbClr val="D4D4D4"/>
+                </a:solidFill>
+                <a:latin typeface="Consolas"/>
+              </a:rPr>
+              <a:t>    </a:t>
+            </a:r>
+            <a:r>
+              <a:rPr lang="en-US" sz="1600" dirty="0">
+                <a:solidFill>
+                  <a:srgbClr val="808080"/>
+                </a:solidFill>
+                <a:latin typeface="Consolas"/>
+              </a:rPr>
+              <a:t>&lt;</a:t>
+            </a:r>
+            <a:r>
+              <a:rPr lang="en-US" sz="1600" dirty="0">
+                <a:solidFill>
+                  <a:srgbClr val="569CD6"/>
+                </a:solidFill>
+                <a:latin typeface="Consolas"/>
+              </a:rPr>
+              <a:t>meta</a:t>
+            </a:r>
+            <a:r>
+              <a:rPr lang="en-US" sz="1600" dirty="0">
+                <a:solidFill>
+                  <a:srgbClr val="9CDCFE"/>
+                </a:solidFill>
+                <a:latin typeface="Consolas"/>
+              </a:rPr>
+              <a:t> name</a:t>
+            </a:r>
+            <a:r>
+              <a:rPr lang="en-US" sz="1600" dirty="0">
+                <a:solidFill>
+                  <a:srgbClr val="D4D4D4"/>
+                </a:solidFill>
+                <a:latin typeface="Consolas"/>
+              </a:rPr>
+              <a:t>=</a:t>
+            </a:r>
+            <a:r>
+              <a:rPr lang="en-US" sz="1600" dirty="0">
+                <a:solidFill>
+                  <a:srgbClr val="CE9178"/>
+                </a:solidFill>
+                <a:latin typeface="Consolas"/>
+              </a:rPr>
+              <a:t>"viewport"</a:t>
+            </a:r>
+            <a:r>
+              <a:rPr lang="en-US" sz="1600" dirty="0">
+                <a:solidFill>
+                  <a:srgbClr val="9CDCFE"/>
+                </a:solidFill>
+                <a:latin typeface="Consolas"/>
+              </a:rPr>
+              <a:t> content</a:t>
+            </a:r>
+            <a:r>
+              <a:rPr lang="en-US" sz="1600" dirty="0">
+                <a:solidFill>
+                  <a:srgbClr val="D4D4D4"/>
+                </a:solidFill>
+                <a:latin typeface="Consolas"/>
+              </a:rPr>
+              <a:t>=</a:t>
+            </a:r>
+            <a:r>
+              <a:rPr lang="en-US" sz="1600" dirty="0">
+                <a:solidFill>
+                  <a:srgbClr val="CE9178"/>
+                </a:solidFill>
+                <a:latin typeface="Consolas"/>
+              </a:rPr>
+              <a:t>"width=device-width, initial-scale=1, shrink-to-fit=no"</a:t>
+            </a:r>
+            <a:r>
+              <a:rPr lang="en-US" sz="1600" dirty="0">
+                <a:solidFill>
+                  <a:srgbClr val="808080"/>
+                </a:solidFill>
+                <a:latin typeface="Consolas"/>
+              </a:rPr>
+              <a:t>&gt;</a:t>
+            </a:r>
+            <a:endParaRPr lang="en-US" sz="1600" dirty="0">
+              <a:solidFill>
+                <a:srgbClr val="D4D4D4"/>
+              </a:solidFill>
+              <a:latin typeface="Consolas"/>
+            </a:endParaRPr>
+          </a:p>
+          <a:p>
+            <a:r>
+              <a:rPr lang="en-US" sz="1600" dirty="0">
+                <a:solidFill>
+                  <a:srgbClr val="D4D4D4"/>
+                </a:solidFill>
+                <a:latin typeface="Consolas"/>
+              </a:rPr>
+              <a:t>    </a:t>
+            </a:r>
+            <a:r>
+              <a:rPr lang="en-US" sz="1600" dirty="0">
+                <a:solidFill>
+                  <a:srgbClr val="808080"/>
+                </a:solidFill>
+                <a:latin typeface="Consolas"/>
+              </a:rPr>
+              <a:t>&lt;</a:t>
+            </a:r>
+            <a:r>
+              <a:rPr lang="en-US" sz="1600" dirty="0">
+                <a:solidFill>
+                  <a:srgbClr val="569CD6"/>
+                </a:solidFill>
+                <a:latin typeface="Consolas"/>
+              </a:rPr>
+              <a:t>title</a:t>
+            </a:r>
+            <a:r>
+              <a:rPr lang="en-US" sz="1600" dirty="0">
+                <a:solidFill>
+                  <a:srgbClr val="808080"/>
+                </a:solidFill>
+                <a:latin typeface="Consolas"/>
+              </a:rPr>
+              <a:t>&gt;</a:t>
+            </a:r>
+            <a:r>
+              <a:rPr lang="en-US" sz="1600" dirty="0">
+                <a:solidFill>
+                  <a:srgbClr val="D4D4D4"/>
+                </a:solidFill>
+                <a:latin typeface="Consolas"/>
+              </a:rPr>
+              <a:t>404</a:t>
+            </a:r>
+            <a:r>
+              <a:rPr lang="en-US" sz="1600" dirty="0">
+                <a:solidFill>
+                  <a:srgbClr val="808080"/>
+                </a:solidFill>
+                <a:latin typeface="Consolas"/>
+              </a:rPr>
+              <a:t>&lt;/</a:t>
+            </a:r>
+            <a:r>
+              <a:rPr lang="en-US" sz="1600" dirty="0">
+                <a:solidFill>
+                  <a:srgbClr val="569CD6"/>
+                </a:solidFill>
+                <a:latin typeface="Consolas"/>
+              </a:rPr>
+              <a:t>title</a:t>
+            </a:r>
+            <a:r>
+              <a:rPr lang="en-US" sz="1600" dirty="0">
+                <a:solidFill>
+                  <a:srgbClr val="808080"/>
+                </a:solidFill>
+                <a:latin typeface="Consolas"/>
+              </a:rPr>
+              <a:t>&gt;</a:t>
+            </a:r>
+            <a:endParaRPr lang="en-US" sz="1600" dirty="0">
+              <a:solidFill>
+                <a:srgbClr val="D4D4D4"/>
+              </a:solidFill>
+              <a:latin typeface="Consolas"/>
+            </a:endParaRPr>
+          </a:p>
+          <a:p>
+            <a:r>
+              <a:rPr lang="en-US" sz="1600" dirty="0">
+                <a:solidFill>
+                  <a:srgbClr val="D4D4D4"/>
+                </a:solidFill>
+                <a:latin typeface="Consolas"/>
+              </a:rPr>
+              <a:t>  </a:t>
+            </a:r>
+            <a:r>
+              <a:rPr lang="en-US" sz="1600" dirty="0">
+                <a:solidFill>
+                  <a:srgbClr val="808080"/>
+                </a:solidFill>
+                <a:latin typeface="Consolas"/>
+              </a:rPr>
+              <a:t>&lt;/</a:t>
+            </a:r>
+            <a:r>
+              <a:rPr lang="en-US" sz="1600" dirty="0">
+                <a:solidFill>
+                  <a:srgbClr val="569CD6"/>
+                </a:solidFill>
+                <a:latin typeface="Consolas"/>
+              </a:rPr>
+              <a:t>head</a:t>
+            </a:r>
+            <a:r>
+              <a:rPr lang="en-US" sz="1600" dirty="0">
+                <a:solidFill>
+                  <a:srgbClr val="808080"/>
+                </a:solidFill>
+                <a:latin typeface="Consolas"/>
+              </a:rPr>
+              <a:t>&gt;</a:t>
+            </a:r>
+            <a:endParaRPr lang="en-US" sz="1600" dirty="0">
+              <a:solidFill>
+                <a:srgbClr val="D4D4D4"/>
+              </a:solidFill>
+              <a:latin typeface="Consolas"/>
+            </a:endParaRPr>
+          </a:p>
+          <a:p>
+            <a:r>
+              <a:rPr lang="en-US" sz="1600" dirty="0">
+                <a:solidFill>
+                  <a:srgbClr val="D4D4D4"/>
+                </a:solidFill>
+                <a:latin typeface="Consolas"/>
+              </a:rPr>
+              <a:t/>
+            </a:r>
+            <a:br>
+              <a:rPr lang="en-US" sz="1600" dirty="0">
+                <a:solidFill>
+                  <a:srgbClr val="D4D4D4"/>
+                </a:solidFill>
+                <a:latin typeface="Consolas"/>
+              </a:rPr>
+            </a:br>
+            <a:r>
+              <a:rPr lang="en-US" sz="1600" dirty="0">
+                <a:solidFill>
+                  <a:srgbClr val="D4D4D4"/>
+                </a:solidFill>
+                <a:latin typeface="Consolas"/>
+              </a:rPr>
+              <a:t>  </a:t>
+            </a:r>
+            <a:r>
+              <a:rPr lang="en-US" sz="1600" dirty="0">
+                <a:solidFill>
+                  <a:srgbClr val="808080"/>
+                </a:solidFill>
+                <a:latin typeface="Consolas"/>
+              </a:rPr>
+              <a:t>&lt;</a:t>
+            </a:r>
+            <a:r>
+              <a:rPr lang="en-US" sz="1600" dirty="0">
+                <a:solidFill>
+                  <a:srgbClr val="569CD6"/>
+                </a:solidFill>
+                <a:latin typeface="Consolas"/>
+              </a:rPr>
+              <a:t>body</a:t>
+            </a:r>
+            <a:r>
+              <a:rPr lang="en-US" sz="1600" dirty="0">
+                <a:solidFill>
+                  <a:srgbClr val="9CDCFE"/>
+                </a:solidFill>
+                <a:latin typeface="Consolas"/>
+              </a:rPr>
+              <a:t> class</a:t>
+            </a:r>
+            <a:r>
+              <a:rPr lang="en-US" sz="1600" dirty="0">
+                <a:solidFill>
+                  <a:srgbClr val="D4D4D4"/>
+                </a:solidFill>
+                <a:latin typeface="Consolas"/>
+              </a:rPr>
+              <a:t>=</a:t>
+            </a:r>
+            <a:r>
+              <a:rPr lang="en-US" sz="1600" dirty="0">
+                <a:solidFill>
+                  <a:srgbClr val="CE9178"/>
+                </a:solidFill>
+                <a:latin typeface="Consolas"/>
+              </a:rPr>
+              <a:t>"app"</a:t>
+            </a:r>
+            <a:r>
+              <a:rPr lang="en-US" sz="1600" dirty="0">
+                <a:solidFill>
+                  <a:srgbClr val="808080"/>
+                </a:solidFill>
+                <a:latin typeface="Consolas"/>
+              </a:rPr>
+              <a:t>&gt;</a:t>
+            </a:r>
+            <a:endParaRPr lang="en-US" sz="1600" dirty="0">
+              <a:solidFill>
+                <a:srgbClr val="D4D4D4"/>
+              </a:solidFill>
+              <a:latin typeface="Consolas"/>
+            </a:endParaRPr>
+          </a:p>
+          <a:p>
+            <a:r>
+              <a:rPr lang="en-US" sz="1600" dirty="0">
+                <a:solidFill>
+                  <a:srgbClr val="D4D4D4"/>
+                </a:solidFill>
+                <a:latin typeface="Consolas"/>
+              </a:rPr>
+              <a:t>    </a:t>
+            </a:r>
+            <a:r>
+              <a:rPr lang="en-US" sz="1600" dirty="0">
+                <a:solidFill>
+                  <a:srgbClr val="808080"/>
+                </a:solidFill>
+                <a:latin typeface="Consolas"/>
+              </a:rPr>
+              <a:t>&lt;</a:t>
+            </a:r>
+            <a:r>
+              <a:rPr lang="en-US" sz="1600" dirty="0">
+                <a:solidFill>
+                  <a:srgbClr val="569CD6"/>
+                </a:solidFill>
+                <a:latin typeface="Consolas"/>
+              </a:rPr>
+              <a:t>p</a:t>
+            </a:r>
+            <a:r>
+              <a:rPr lang="en-US" sz="1600" dirty="0">
+                <a:solidFill>
+                  <a:srgbClr val="D4D4D4"/>
+                </a:solidFill>
+                <a:latin typeface="Consolas"/>
+              </a:rPr>
+              <a:t> </a:t>
+            </a:r>
+            <a:r>
+              <a:rPr lang="en-US" sz="1600" dirty="0">
+                <a:solidFill>
+                  <a:srgbClr val="9CDCFE"/>
+                </a:solidFill>
+                <a:latin typeface="Consolas"/>
+              </a:rPr>
+              <a:t>class</a:t>
+            </a:r>
+            <a:r>
+              <a:rPr lang="en-US" sz="1600" dirty="0">
+                <a:solidFill>
+                  <a:srgbClr val="D4D4D4"/>
+                </a:solidFill>
+                <a:latin typeface="Consolas"/>
+              </a:rPr>
+              <a:t>=</a:t>
+            </a:r>
+            <a:r>
+              <a:rPr lang="en-US" sz="1600" dirty="0">
+                <a:solidFill>
+                  <a:srgbClr val="CE9178"/>
+                </a:solidFill>
+                <a:latin typeface="Consolas"/>
+              </a:rPr>
+              <a:t>“warning”</a:t>
+            </a:r>
+            <a:r>
+              <a:rPr lang="en-US" sz="1600" dirty="0">
+                <a:solidFill>
+                  <a:srgbClr val="808080"/>
+                </a:solidFill>
+                <a:latin typeface="Consolas"/>
+              </a:rPr>
+              <a:t>&gt;</a:t>
+            </a:r>
+            <a:r>
+              <a:rPr lang="en-US" sz="1600" dirty="0">
+                <a:solidFill>
+                  <a:srgbClr val="D4D4D4"/>
+                </a:solidFill>
+                <a:latin typeface="Consolas"/>
+              </a:rPr>
+              <a:t>There is no </a:t>
+            </a:r>
+            <a:r>
+              <a:rPr lang="en-US" sz="1600" dirty="0">
+                <a:solidFill>
+                  <a:srgbClr val="808080"/>
+                </a:solidFill>
+                <a:latin typeface="Consolas"/>
+              </a:rPr>
+              <a:t>&lt;</a:t>
+            </a:r>
+            <a:r>
+              <a:rPr lang="en-US" sz="1600" dirty="0" err="1">
+                <a:solidFill>
+                  <a:srgbClr val="569CD6"/>
+                </a:solidFill>
+                <a:latin typeface="Consolas"/>
+              </a:rPr>
+              <a:t>em</a:t>
+            </a:r>
+            <a:r>
+              <a:rPr lang="en-US" sz="1600" dirty="0">
+                <a:solidFill>
+                  <a:srgbClr val="808080"/>
+                </a:solidFill>
+                <a:latin typeface="Consolas"/>
+              </a:rPr>
+              <a:t>&gt;</a:t>
+            </a:r>
+            <a:r>
+              <a:rPr lang="en-US" sz="1600" dirty="0">
+                <a:solidFill>
+                  <a:srgbClr val="D4D4D4"/>
+                </a:solidFill>
+                <a:latin typeface="Consolas"/>
+              </a:rPr>
+              <a:t>download link</a:t>
+            </a:r>
+            <a:r>
+              <a:rPr lang="en-US" sz="1600" dirty="0">
+                <a:solidFill>
+                  <a:srgbClr val="808080"/>
+                </a:solidFill>
+                <a:latin typeface="Consolas"/>
+              </a:rPr>
+              <a:t>&lt;/</a:t>
+            </a:r>
+            <a:r>
+              <a:rPr lang="en-US" sz="1600" dirty="0" err="1">
+                <a:solidFill>
+                  <a:srgbClr val="569CD6"/>
+                </a:solidFill>
+                <a:latin typeface="Consolas"/>
+              </a:rPr>
+              <a:t>em</a:t>
+            </a:r>
+            <a:r>
+              <a:rPr lang="en-US" sz="1600" dirty="0">
+                <a:solidFill>
+                  <a:srgbClr val="808080"/>
+                </a:solidFill>
+                <a:latin typeface="Consolas"/>
+              </a:rPr>
+              <a:t>&gt;</a:t>
+            </a:r>
+            <a:r>
+              <a:rPr lang="en-US" sz="1600" dirty="0">
+                <a:solidFill>
+                  <a:srgbClr val="D4D4D4"/>
+                </a:solidFill>
+                <a:latin typeface="Consolas"/>
+              </a:rPr>
+              <a:t> on this page</a:t>
+            </a:r>
+            <a:r>
+              <a:rPr lang="en-US" sz="1600" dirty="0" smtClean="0">
+                <a:solidFill>
+                  <a:srgbClr val="D4D4D4"/>
+                </a:solidFill>
+                <a:latin typeface="Consolas"/>
+              </a:rPr>
+              <a:t>.</a:t>
+            </a:r>
+            <a:br>
+              <a:rPr lang="en-US" sz="1600" dirty="0" smtClean="0">
+                <a:solidFill>
+                  <a:srgbClr val="D4D4D4"/>
+                </a:solidFill>
+                <a:latin typeface="Consolas"/>
+              </a:rPr>
+            </a:br>
+            <a:r>
+              <a:rPr lang="en-US" sz="1600" dirty="0" smtClean="0">
+                <a:solidFill>
+                  <a:srgbClr val="D4D4D4"/>
+                </a:solidFill>
+                <a:latin typeface="Consolas"/>
+              </a:rPr>
+              <a:t>    </a:t>
+            </a:r>
+            <a:r>
+              <a:rPr lang="en-US" sz="1600" dirty="0" smtClean="0">
+                <a:solidFill>
+                  <a:srgbClr val="808080"/>
+                </a:solidFill>
+                <a:latin typeface="Consolas"/>
+              </a:rPr>
+              <a:t>&lt;/</a:t>
+            </a:r>
+            <a:r>
+              <a:rPr lang="en-US" sz="1600" dirty="0">
+                <a:solidFill>
+                  <a:srgbClr val="569CD6"/>
+                </a:solidFill>
+                <a:latin typeface="Consolas"/>
+              </a:rPr>
+              <a:t>p</a:t>
+            </a:r>
+            <a:r>
+              <a:rPr lang="en-US" sz="1600" dirty="0">
+                <a:solidFill>
+                  <a:srgbClr val="808080"/>
+                </a:solidFill>
+                <a:latin typeface="Consolas"/>
+              </a:rPr>
+              <a:t>&gt;</a:t>
+            </a:r>
+            <a:endParaRPr lang="en-US" sz="1600" dirty="0">
+              <a:solidFill>
+                <a:srgbClr val="D4D4D4"/>
+              </a:solidFill>
+              <a:latin typeface="Consolas"/>
+            </a:endParaRPr>
+          </a:p>
+          <a:p>
+            <a:r>
+              <a:rPr lang="en-US" sz="1600" dirty="0">
+                <a:solidFill>
+                  <a:srgbClr val="808080"/>
+                </a:solidFill>
+                <a:latin typeface="Consolas"/>
+              </a:rPr>
+              <a:t>&lt;/</a:t>
+            </a:r>
+            <a:r>
+              <a:rPr lang="en-US" sz="1600" dirty="0">
+                <a:solidFill>
+                  <a:srgbClr val="569CD6"/>
+                </a:solidFill>
+                <a:latin typeface="Consolas"/>
+              </a:rPr>
+              <a:t>body</a:t>
+            </a:r>
+            <a:r>
+              <a:rPr lang="en-US" sz="1600" dirty="0">
+                <a:solidFill>
+                  <a:srgbClr val="808080"/>
+                </a:solidFill>
+                <a:latin typeface="Consolas"/>
+              </a:rPr>
+              <a:t>&gt;</a:t>
+            </a:r>
+            <a:endParaRPr lang="en-US" sz="1600" dirty="0">
+              <a:solidFill>
+                <a:srgbClr val="D4D4D4"/>
+              </a:solidFill>
+              <a:latin typeface="Consolas"/>
+            </a:endParaRPr>
+          </a:p>
+          <a:p>
+            <a:r>
+              <a:rPr lang="en-US" sz="1600" dirty="0">
+                <a:solidFill>
+                  <a:srgbClr val="808080"/>
+                </a:solidFill>
+                <a:latin typeface="Consolas"/>
+              </a:rPr>
+              <a:t>&lt;/</a:t>
+            </a:r>
+            <a:r>
+              <a:rPr lang="en-US" sz="1600" dirty="0">
+                <a:solidFill>
+                  <a:srgbClr val="569CD6"/>
+                </a:solidFill>
+                <a:latin typeface="Consolas"/>
+              </a:rPr>
+              <a:t>html</a:t>
+            </a:r>
+            <a:r>
+              <a:rPr lang="en-US" sz="1600" dirty="0">
+                <a:solidFill>
+                  <a:srgbClr val="808080"/>
+                </a:solidFill>
+                <a:latin typeface="Consolas"/>
+              </a:rPr>
+              <a:t>&gt;</a:t>
+            </a:r>
+            <a:endParaRPr lang="en-US" sz="1600" dirty="0">
+              <a:solidFill>
+                <a:srgbClr val="D4D4D4"/>
+              </a:solidFill>
+              <a:latin typeface="Consolas"/>
+            </a:endParaRPr>
+          </a:p>
+        </p:txBody>
+      </p:sp>
+      <p:sp>
+        <p:nvSpPr>
           <p:cNvPr id="5" name="Google Shape;1014;p22"/>
           <p:cNvSpPr txBox="1">
             <a:spLocks/>
@@ -27341,14 +28410,6 @@
               </a:rPr>
               <a:t>Syntax</a:t>
             </a:r>
-            <a:endParaRPr lang="en-US" sz="2400" dirty="0" smtClean="0">
-              <a:solidFill>
-                <a:schemeClr val="lt1"/>
-              </a:solidFill>
-              <a:highlight>
-                <a:schemeClr val="accent1"/>
-              </a:highlight>
-            </a:endParaRPr>
           </a:p>
           <a:p>
             <a:pPr>
@@ -27378,362 +28439,10 @@
           </a:p>
         </p:txBody>
       </p:sp>
-      <p:sp>
-        <p:nvSpPr>
-          <p:cNvPr id="7" name="Google Shape;1014;p22"/>
-          <p:cNvSpPr txBox="1">
-            <a:spLocks/>
-          </p:cNvSpPr>
-          <p:nvPr/>
-        </p:nvSpPr>
-        <p:spPr>
-          <a:xfrm>
-            <a:off x="467544" y="1491630"/>
-            <a:ext cx="8352928" cy="2880320"/>
-          </a:xfrm>
-          <a:prstGeom prst="rect">
-            <a:avLst/>
-          </a:prstGeom>
-          <a:solidFill>
-            <a:srgbClr val="3EB1D5"/>
-          </a:solidFill>
-          <a:ln>
-            <a:noFill/>
-          </a:ln>
-        </p:spPr>
-        <p:txBody>
-          <a:bodyPr spcFirstLastPara="1" wrap="square" lIns="0" tIns="0" rIns="0" bIns="0" anchor="t" anchorCtr="0">
-            <a:noAutofit/>
-          </a:bodyPr>
-          <a:lstStyle>
-            <a:defPPr marR="0" lvl="0" algn="l" rtl="0">
-              <a:lnSpc>
-                <a:spcPct val="100000"/>
-              </a:lnSpc>
-              <a:spcBef>
-                <a:spcPts val="0"/>
-              </a:spcBef>
-              <a:spcAft>
-                <a:spcPts val="0"/>
-              </a:spcAft>
-            </a:defPPr>
-            <a:lvl1pPr marR="0" lvl="0" algn="l" rtl="0">
-              <a:lnSpc>
-                <a:spcPct val="80000"/>
-              </a:lnSpc>
-              <a:spcBef>
-                <a:spcPts val="0"/>
-              </a:spcBef>
-              <a:spcAft>
-                <a:spcPts val="0"/>
-              </a:spcAft>
-              <a:buClr>
-                <a:schemeClr val="accent2"/>
-              </a:buClr>
-              <a:buSzPts val="4800"/>
-              <a:buFont typeface="Raleway SemiBold"/>
-              <a:buNone/>
-              <a:defRPr sz="4800" b="0" i="0" u="none" strike="noStrike" cap="none">
-                <a:solidFill>
-                  <a:schemeClr val="accent2"/>
-                </a:solidFill>
-                <a:latin typeface="Raleway SemiBold"/>
-                <a:ea typeface="Raleway SemiBold"/>
-                <a:cs typeface="Raleway SemiBold"/>
-                <a:sym typeface="Raleway SemiBold"/>
-              </a:defRPr>
-            </a:lvl1pPr>
-            <a:lvl2pPr marR="0" lvl="1" algn="l" rtl="0">
-              <a:lnSpc>
-                <a:spcPct val="80000"/>
-              </a:lnSpc>
-              <a:spcBef>
-                <a:spcPts val="0"/>
-              </a:spcBef>
-              <a:spcAft>
-                <a:spcPts val="0"/>
-              </a:spcAft>
-              <a:buClr>
-                <a:schemeClr val="accent2"/>
-              </a:buClr>
-              <a:buSzPts val="4800"/>
-              <a:buFont typeface="Raleway SemiBold"/>
-              <a:buNone/>
-              <a:defRPr sz="4800" b="0" i="0" u="none" strike="noStrike" cap="none">
-                <a:solidFill>
-                  <a:schemeClr val="accent2"/>
-                </a:solidFill>
-                <a:latin typeface="Raleway SemiBold"/>
-                <a:ea typeface="Raleway SemiBold"/>
-                <a:cs typeface="Raleway SemiBold"/>
-                <a:sym typeface="Raleway SemiBold"/>
-              </a:defRPr>
-            </a:lvl2pPr>
-            <a:lvl3pPr marR="0" lvl="2" algn="l" rtl="0">
-              <a:lnSpc>
-                <a:spcPct val="80000"/>
-              </a:lnSpc>
-              <a:spcBef>
-                <a:spcPts val="0"/>
-              </a:spcBef>
-              <a:spcAft>
-                <a:spcPts val="0"/>
-              </a:spcAft>
-              <a:buClr>
-                <a:schemeClr val="accent2"/>
-              </a:buClr>
-              <a:buSzPts val="4800"/>
-              <a:buFont typeface="Raleway SemiBold"/>
-              <a:buNone/>
-              <a:defRPr sz="4800" b="0" i="0" u="none" strike="noStrike" cap="none">
-                <a:solidFill>
-                  <a:schemeClr val="accent2"/>
-                </a:solidFill>
-                <a:latin typeface="Raleway SemiBold"/>
-                <a:ea typeface="Raleway SemiBold"/>
-                <a:cs typeface="Raleway SemiBold"/>
-                <a:sym typeface="Raleway SemiBold"/>
-              </a:defRPr>
-            </a:lvl3pPr>
-            <a:lvl4pPr marR="0" lvl="3" algn="l" rtl="0">
-              <a:lnSpc>
-                <a:spcPct val="80000"/>
-              </a:lnSpc>
-              <a:spcBef>
-                <a:spcPts val="0"/>
-              </a:spcBef>
-              <a:spcAft>
-                <a:spcPts val="0"/>
-              </a:spcAft>
-              <a:buClr>
-                <a:schemeClr val="accent2"/>
-              </a:buClr>
-              <a:buSzPts val="4800"/>
-              <a:buFont typeface="Raleway SemiBold"/>
-              <a:buNone/>
-              <a:defRPr sz="4800" b="0" i="0" u="none" strike="noStrike" cap="none">
-                <a:solidFill>
-                  <a:schemeClr val="accent2"/>
-                </a:solidFill>
-                <a:latin typeface="Raleway SemiBold"/>
-                <a:ea typeface="Raleway SemiBold"/>
-                <a:cs typeface="Raleway SemiBold"/>
-                <a:sym typeface="Raleway SemiBold"/>
-              </a:defRPr>
-            </a:lvl4pPr>
-            <a:lvl5pPr marR="0" lvl="4" algn="l" rtl="0">
-              <a:lnSpc>
-                <a:spcPct val="80000"/>
-              </a:lnSpc>
-              <a:spcBef>
-                <a:spcPts val="0"/>
-              </a:spcBef>
-              <a:spcAft>
-                <a:spcPts val="0"/>
-              </a:spcAft>
-              <a:buClr>
-                <a:schemeClr val="accent2"/>
-              </a:buClr>
-              <a:buSzPts val="4800"/>
-              <a:buFont typeface="Raleway SemiBold"/>
-              <a:buNone/>
-              <a:defRPr sz="4800" b="0" i="0" u="none" strike="noStrike" cap="none">
-                <a:solidFill>
-                  <a:schemeClr val="accent2"/>
-                </a:solidFill>
-                <a:latin typeface="Raleway SemiBold"/>
-                <a:ea typeface="Raleway SemiBold"/>
-                <a:cs typeface="Raleway SemiBold"/>
-                <a:sym typeface="Raleway SemiBold"/>
-              </a:defRPr>
-            </a:lvl5pPr>
-            <a:lvl6pPr marR="0" lvl="5" algn="l" rtl="0">
-              <a:lnSpc>
-                <a:spcPct val="80000"/>
-              </a:lnSpc>
-              <a:spcBef>
-                <a:spcPts val="0"/>
-              </a:spcBef>
-              <a:spcAft>
-                <a:spcPts val="0"/>
-              </a:spcAft>
-              <a:buClr>
-                <a:schemeClr val="accent2"/>
-              </a:buClr>
-              <a:buSzPts val="4800"/>
-              <a:buFont typeface="Raleway SemiBold"/>
-              <a:buNone/>
-              <a:defRPr sz="4800" b="0" i="0" u="none" strike="noStrike" cap="none">
-                <a:solidFill>
-                  <a:schemeClr val="accent2"/>
-                </a:solidFill>
-                <a:latin typeface="Raleway SemiBold"/>
-                <a:ea typeface="Raleway SemiBold"/>
-                <a:cs typeface="Raleway SemiBold"/>
-                <a:sym typeface="Raleway SemiBold"/>
-              </a:defRPr>
-            </a:lvl6pPr>
-            <a:lvl7pPr marR="0" lvl="6" algn="l" rtl="0">
-              <a:lnSpc>
-                <a:spcPct val="80000"/>
-              </a:lnSpc>
-              <a:spcBef>
-                <a:spcPts val="0"/>
-              </a:spcBef>
-              <a:spcAft>
-                <a:spcPts val="0"/>
-              </a:spcAft>
-              <a:buClr>
-                <a:schemeClr val="accent2"/>
-              </a:buClr>
-              <a:buSzPts val="4800"/>
-              <a:buFont typeface="Raleway SemiBold"/>
-              <a:buNone/>
-              <a:defRPr sz="4800" b="0" i="0" u="none" strike="noStrike" cap="none">
-                <a:solidFill>
-                  <a:schemeClr val="accent2"/>
-                </a:solidFill>
-                <a:latin typeface="Raleway SemiBold"/>
-                <a:ea typeface="Raleway SemiBold"/>
-                <a:cs typeface="Raleway SemiBold"/>
-                <a:sym typeface="Raleway SemiBold"/>
-              </a:defRPr>
-            </a:lvl7pPr>
-            <a:lvl8pPr marR="0" lvl="7" algn="l" rtl="0">
-              <a:lnSpc>
-                <a:spcPct val="80000"/>
-              </a:lnSpc>
-              <a:spcBef>
-                <a:spcPts val="0"/>
-              </a:spcBef>
-              <a:spcAft>
-                <a:spcPts val="0"/>
-              </a:spcAft>
-              <a:buClr>
-                <a:schemeClr val="accent2"/>
-              </a:buClr>
-              <a:buSzPts val="4800"/>
-              <a:buFont typeface="Raleway SemiBold"/>
-              <a:buNone/>
-              <a:defRPr sz="4800" b="0" i="0" u="none" strike="noStrike" cap="none">
-                <a:solidFill>
-                  <a:schemeClr val="accent2"/>
-                </a:solidFill>
-                <a:latin typeface="Raleway SemiBold"/>
-                <a:ea typeface="Raleway SemiBold"/>
-                <a:cs typeface="Raleway SemiBold"/>
-                <a:sym typeface="Raleway SemiBold"/>
-              </a:defRPr>
-            </a:lvl8pPr>
-            <a:lvl9pPr marR="0" lvl="8" algn="l" rtl="0">
-              <a:lnSpc>
-                <a:spcPct val="80000"/>
-              </a:lnSpc>
-              <a:spcBef>
-                <a:spcPts val="0"/>
-              </a:spcBef>
-              <a:spcAft>
-                <a:spcPts val="0"/>
-              </a:spcAft>
-              <a:buClr>
-                <a:schemeClr val="accent2"/>
-              </a:buClr>
-              <a:buSzPts val="4800"/>
-              <a:buFont typeface="Raleway SemiBold"/>
-              <a:buNone/>
-              <a:defRPr sz="4800" b="0" i="0" u="none" strike="noStrike" cap="none">
-                <a:solidFill>
-                  <a:schemeClr val="accent2"/>
-                </a:solidFill>
-                <a:latin typeface="Raleway SemiBold"/>
-                <a:ea typeface="Raleway SemiBold"/>
-                <a:cs typeface="Raleway SemiBold"/>
-                <a:sym typeface="Raleway SemiBold"/>
-              </a:defRPr>
-            </a:lvl9pPr>
-          </a:lstStyle>
-          <a:p>
-            <a:pPr>
-              <a:lnSpc>
-                <a:spcPct val="115000"/>
-              </a:lnSpc>
-            </a:pPr>
-            <a:r>
-              <a:rPr lang="en-GB" sz="2400" dirty="0"/>
-              <a:t/>
-            </a:r>
-            <a:br>
-              <a:rPr lang="en-GB" sz="2400" dirty="0"/>
-            </a:br>
-            <a:r>
-              <a:rPr lang="en-GB" sz="2400" dirty="0">
-                <a:solidFill>
-                  <a:schemeClr val="bg1"/>
-                </a:solidFill>
-              </a:rPr>
-              <a:t>A function is a block of organized, reusable code that is used to perform a single, related action. </a:t>
-            </a:r>
-            <a:r>
-              <a:rPr lang="et-EE" sz="2400" dirty="0" smtClean="0">
-                <a:solidFill>
-                  <a:schemeClr val="bg1"/>
-                </a:solidFill>
-              </a:rPr>
-              <a:t/>
-            </a:r>
-            <a:br>
-              <a:rPr lang="et-EE" sz="2400" dirty="0" smtClean="0">
-                <a:solidFill>
-                  <a:schemeClr val="bg1"/>
-                </a:solidFill>
-              </a:rPr>
-            </a:br>
-            <a:r>
-              <a:rPr lang="et-EE" sz="2400" dirty="0" smtClean="0">
-                <a:solidFill>
-                  <a:schemeClr val="bg1"/>
-                </a:solidFill>
-              </a:rPr>
-              <a:t/>
-            </a:r>
-            <a:br>
-              <a:rPr lang="et-EE" sz="2400" dirty="0" smtClean="0">
-                <a:solidFill>
-                  <a:schemeClr val="bg1"/>
-                </a:solidFill>
-              </a:rPr>
-            </a:br>
-            <a:r>
-              <a:rPr lang="en-GB" sz="2400" dirty="0" smtClean="0">
-                <a:solidFill>
-                  <a:schemeClr val="bg1"/>
-                </a:solidFill>
-              </a:rPr>
-              <a:t>Functions </a:t>
-            </a:r>
-            <a:r>
-              <a:rPr lang="en-GB" sz="2400" dirty="0">
-                <a:solidFill>
-                  <a:schemeClr val="bg1"/>
-                </a:solidFill>
-              </a:rPr>
-              <a:t>provide better modularity for your application and a high degree of code reusing</a:t>
-            </a:r>
-            <a:endParaRPr lang="en-US" sz="2400" dirty="0" smtClean="0">
-              <a:solidFill>
-                <a:schemeClr val="bg1"/>
-              </a:solidFill>
-              <a:highlight>
-                <a:schemeClr val="accent1"/>
-              </a:highlight>
-            </a:endParaRPr>
-          </a:p>
-        </p:txBody>
-      </p:sp>
     </p:spTree>
     <p:extLst>
       <p:ext uri="{BB962C8B-B14F-4D97-AF65-F5344CB8AC3E}">
-        <p14:creationId xmlns:p14="http://schemas.microsoft.com/office/powerpoint/2010/main" val="1518962368"/>
+        <p14:creationId xmlns:p14="http://schemas.microsoft.com/office/powerpoint/2010/main" val="3422116180"/>
       </p:ext>
     </p:extLst>
   </p:cSld>
@@ -28117,14 +28826,6 @@
               </a:rPr>
               <a:t>Syntax</a:t>
             </a:r>
-            <a:endParaRPr lang="en-US" sz="2400" dirty="0" smtClean="0">
-              <a:solidFill>
-                <a:schemeClr val="lt1"/>
-              </a:solidFill>
-              <a:highlight>
-                <a:schemeClr val="accent1"/>
-              </a:highlight>
-            </a:endParaRPr>
           </a:p>
           <a:p>
             <a:pPr>
@@ -28156,30 +28857,278 @@
       </p:sp>
       <p:sp>
         <p:nvSpPr>
-          <p:cNvPr id="3" name="TextBox 2"/>
-          <p:cNvSpPr txBox="1"/>
+          <p:cNvPr id="7" name="Google Shape;1014;p22"/>
+          <p:cNvSpPr txBox="1">
+            <a:spLocks/>
+          </p:cNvSpPr>
           <p:nvPr/>
         </p:nvSpPr>
         <p:spPr>
           <a:xfrm>
-            <a:off x="406152" y="1419622"/>
-            <a:ext cx="8208912" cy="835613"/>
+            <a:off x="467544" y="1491630"/>
+            <a:ext cx="8352928" cy="2880320"/>
           </a:xfrm>
           <a:prstGeom prst="rect">
             <a:avLst/>
           </a:prstGeom>
-          <a:noFill/>
+          <a:solidFill>
+            <a:srgbClr val="3EB1D5"/>
+          </a:solidFill>
           <a:ln>
-            <a:solidFill>
-              <a:srgbClr val="01AFE2"/>
-            </a:solidFill>
+            <a:noFill/>
           </a:ln>
         </p:spPr>
         <p:txBody>
-          <a:bodyPr wrap="square" rtlCol="0">
-            <a:spAutoFit/>
+          <a:bodyPr spcFirstLastPara="1" wrap="square" lIns="0" tIns="0" rIns="0" bIns="0" anchor="t" anchorCtr="0">
+            <a:noAutofit/>
           </a:bodyPr>
-          <a:lstStyle/>
+          <a:lstStyle>
+            <a:defPPr marR="0" lvl="0" algn="l" rtl="0">
+              <a:lnSpc>
+                <a:spcPct val="100000"/>
+              </a:lnSpc>
+              <a:spcBef>
+                <a:spcPts val="0"/>
+              </a:spcBef>
+              <a:spcAft>
+                <a:spcPts val="0"/>
+              </a:spcAft>
+            </a:defPPr>
+            <a:lvl1pPr marR="0" lvl="0" algn="l" rtl="0">
+              <a:lnSpc>
+                <a:spcPct val="80000"/>
+              </a:lnSpc>
+              <a:spcBef>
+                <a:spcPts val="0"/>
+              </a:spcBef>
+              <a:spcAft>
+                <a:spcPts val="0"/>
+              </a:spcAft>
+              <a:buClr>
+                <a:schemeClr val="accent2"/>
+              </a:buClr>
+              <a:buSzPts val="4800"/>
+              <a:buFont typeface="Raleway SemiBold"/>
+              <a:buNone/>
+              <a:defRPr sz="4800" b="0" i="0" u="none" strike="noStrike" cap="none">
+                <a:solidFill>
+                  <a:schemeClr val="accent2"/>
+                </a:solidFill>
+                <a:latin typeface="Raleway SemiBold"/>
+                <a:ea typeface="Raleway SemiBold"/>
+                <a:cs typeface="Raleway SemiBold"/>
+                <a:sym typeface="Raleway SemiBold"/>
+              </a:defRPr>
+            </a:lvl1pPr>
+            <a:lvl2pPr marR="0" lvl="1" algn="l" rtl="0">
+              <a:lnSpc>
+                <a:spcPct val="80000"/>
+              </a:lnSpc>
+              <a:spcBef>
+                <a:spcPts val="0"/>
+              </a:spcBef>
+              <a:spcAft>
+                <a:spcPts val="0"/>
+              </a:spcAft>
+              <a:buClr>
+                <a:schemeClr val="accent2"/>
+              </a:buClr>
+              <a:buSzPts val="4800"/>
+              <a:buFont typeface="Raleway SemiBold"/>
+              <a:buNone/>
+              <a:defRPr sz="4800" b="0" i="0" u="none" strike="noStrike" cap="none">
+                <a:solidFill>
+                  <a:schemeClr val="accent2"/>
+                </a:solidFill>
+                <a:latin typeface="Raleway SemiBold"/>
+                <a:ea typeface="Raleway SemiBold"/>
+                <a:cs typeface="Raleway SemiBold"/>
+                <a:sym typeface="Raleway SemiBold"/>
+              </a:defRPr>
+            </a:lvl2pPr>
+            <a:lvl3pPr marR="0" lvl="2" algn="l" rtl="0">
+              <a:lnSpc>
+                <a:spcPct val="80000"/>
+              </a:lnSpc>
+              <a:spcBef>
+                <a:spcPts val="0"/>
+              </a:spcBef>
+              <a:spcAft>
+                <a:spcPts val="0"/>
+              </a:spcAft>
+              <a:buClr>
+                <a:schemeClr val="accent2"/>
+              </a:buClr>
+              <a:buSzPts val="4800"/>
+              <a:buFont typeface="Raleway SemiBold"/>
+              <a:buNone/>
+              <a:defRPr sz="4800" b="0" i="0" u="none" strike="noStrike" cap="none">
+                <a:solidFill>
+                  <a:schemeClr val="accent2"/>
+                </a:solidFill>
+                <a:latin typeface="Raleway SemiBold"/>
+                <a:ea typeface="Raleway SemiBold"/>
+                <a:cs typeface="Raleway SemiBold"/>
+                <a:sym typeface="Raleway SemiBold"/>
+              </a:defRPr>
+            </a:lvl3pPr>
+            <a:lvl4pPr marR="0" lvl="3" algn="l" rtl="0">
+              <a:lnSpc>
+                <a:spcPct val="80000"/>
+              </a:lnSpc>
+              <a:spcBef>
+                <a:spcPts val="0"/>
+              </a:spcBef>
+              <a:spcAft>
+                <a:spcPts val="0"/>
+              </a:spcAft>
+              <a:buClr>
+                <a:schemeClr val="accent2"/>
+              </a:buClr>
+              <a:buSzPts val="4800"/>
+              <a:buFont typeface="Raleway SemiBold"/>
+              <a:buNone/>
+              <a:defRPr sz="4800" b="0" i="0" u="none" strike="noStrike" cap="none">
+                <a:solidFill>
+                  <a:schemeClr val="accent2"/>
+                </a:solidFill>
+                <a:latin typeface="Raleway SemiBold"/>
+                <a:ea typeface="Raleway SemiBold"/>
+                <a:cs typeface="Raleway SemiBold"/>
+                <a:sym typeface="Raleway SemiBold"/>
+              </a:defRPr>
+            </a:lvl4pPr>
+            <a:lvl5pPr marR="0" lvl="4" algn="l" rtl="0">
+              <a:lnSpc>
+                <a:spcPct val="80000"/>
+              </a:lnSpc>
+              <a:spcBef>
+                <a:spcPts val="0"/>
+              </a:spcBef>
+              <a:spcAft>
+                <a:spcPts val="0"/>
+              </a:spcAft>
+              <a:buClr>
+                <a:schemeClr val="accent2"/>
+              </a:buClr>
+              <a:buSzPts val="4800"/>
+              <a:buFont typeface="Raleway SemiBold"/>
+              <a:buNone/>
+              <a:defRPr sz="4800" b="0" i="0" u="none" strike="noStrike" cap="none">
+                <a:solidFill>
+                  <a:schemeClr val="accent2"/>
+                </a:solidFill>
+                <a:latin typeface="Raleway SemiBold"/>
+                <a:ea typeface="Raleway SemiBold"/>
+                <a:cs typeface="Raleway SemiBold"/>
+                <a:sym typeface="Raleway SemiBold"/>
+              </a:defRPr>
+            </a:lvl5pPr>
+            <a:lvl6pPr marR="0" lvl="5" algn="l" rtl="0">
+              <a:lnSpc>
+                <a:spcPct val="80000"/>
+              </a:lnSpc>
+              <a:spcBef>
+                <a:spcPts val="0"/>
+              </a:spcBef>
+              <a:spcAft>
+                <a:spcPts val="0"/>
+              </a:spcAft>
+              <a:buClr>
+                <a:schemeClr val="accent2"/>
+              </a:buClr>
+              <a:buSzPts val="4800"/>
+              <a:buFont typeface="Raleway SemiBold"/>
+              <a:buNone/>
+              <a:defRPr sz="4800" b="0" i="0" u="none" strike="noStrike" cap="none">
+                <a:solidFill>
+                  <a:schemeClr val="accent2"/>
+                </a:solidFill>
+                <a:latin typeface="Raleway SemiBold"/>
+                <a:ea typeface="Raleway SemiBold"/>
+                <a:cs typeface="Raleway SemiBold"/>
+                <a:sym typeface="Raleway SemiBold"/>
+              </a:defRPr>
+            </a:lvl6pPr>
+            <a:lvl7pPr marR="0" lvl="6" algn="l" rtl="0">
+              <a:lnSpc>
+                <a:spcPct val="80000"/>
+              </a:lnSpc>
+              <a:spcBef>
+                <a:spcPts val="0"/>
+              </a:spcBef>
+              <a:spcAft>
+                <a:spcPts val="0"/>
+              </a:spcAft>
+              <a:buClr>
+                <a:schemeClr val="accent2"/>
+              </a:buClr>
+              <a:buSzPts val="4800"/>
+              <a:buFont typeface="Raleway SemiBold"/>
+              <a:buNone/>
+              <a:defRPr sz="4800" b="0" i="0" u="none" strike="noStrike" cap="none">
+                <a:solidFill>
+                  <a:schemeClr val="accent2"/>
+                </a:solidFill>
+                <a:latin typeface="Raleway SemiBold"/>
+                <a:ea typeface="Raleway SemiBold"/>
+                <a:cs typeface="Raleway SemiBold"/>
+                <a:sym typeface="Raleway SemiBold"/>
+              </a:defRPr>
+            </a:lvl7pPr>
+            <a:lvl8pPr marR="0" lvl="7" algn="l" rtl="0">
+              <a:lnSpc>
+                <a:spcPct val="80000"/>
+              </a:lnSpc>
+              <a:spcBef>
+                <a:spcPts val="0"/>
+              </a:spcBef>
+              <a:spcAft>
+                <a:spcPts val="0"/>
+              </a:spcAft>
+              <a:buClr>
+                <a:schemeClr val="accent2"/>
+              </a:buClr>
+              <a:buSzPts val="4800"/>
+              <a:buFont typeface="Raleway SemiBold"/>
+              <a:buNone/>
+              <a:defRPr sz="4800" b="0" i="0" u="none" strike="noStrike" cap="none">
+                <a:solidFill>
+                  <a:schemeClr val="accent2"/>
+                </a:solidFill>
+                <a:latin typeface="Raleway SemiBold"/>
+                <a:ea typeface="Raleway SemiBold"/>
+                <a:cs typeface="Raleway SemiBold"/>
+                <a:sym typeface="Raleway SemiBold"/>
+              </a:defRPr>
+            </a:lvl8pPr>
+            <a:lvl9pPr marR="0" lvl="8" algn="l" rtl="0">
+              <a:lnSpc>
+                <a:spcPct val="80000"/>
+              </a:lnSpc>
+              <a:spcBef>
+                <a:spcPts val="0"/>
+              </a:spcBef>
+              <a:spcAft>
+                <a:spcPts val="0"/>
+              </a:spcAft>
+              <a:buClr>
+                <a:schemeClr val="accent2"/>
+              </a:buClr>
+              <a:buSzPts val="4800"/>
+              <a:buFont typeface="Raleway SemiBold"/>
+              <a:buNone/>
+              <a:defRPr sz="4800" b="0" i="0" u="none" strike="noStrike" cap="none">
+                <a:solidFill>
+                  <a:schemeClr val="accent2"/>
+                </a:solidFill>
+                <a:latin typeface="Raleway SemiBold"/>
+                <a:ea typeface="Raleway SemiBold"/>
+                <a:cs typeface="Raleway SemiBold"/>
+                <a:sym typeface="Raleway SemiBold"/>
+              </a:defRPr>
+            </a:lvl9pPr>
+          </a:lstStyle>
           <a:p>
             <a:pPr>
               <a:lnSpc>
@@ -28187,63 +29136,73 @@
               </a:lnSpc>
             </a:pPr>
             <a:r>
-              <a:rPr lang="en-GB" dirty="0">
-                <a:latin typeface="Raleway SemiBold" charset="0"/>
+              <a:rPr lang="en-GB" sz="2400" dirty="0"/>
+              <a:t/>
+            </a:r>
+            <a:br>
+              <a:rPr lang="en-GB" sz="2400" dirty="0"/>
+            </a:br>
+            <a:r>
+              <a:rPr lang="en-GB" sz="2400" dirty="0">
+                <a:solidFill>
+                  <a:schemeClr val="bg1"/>
+                </a:solidFill>
               </a:rPr>
               <a:t>A function is a block of organized, reusable code that is used to perform a single, related action. </a:t>
             </a:r>
-            <a:endParaRPr lang="et-EE" dirty="0" smtClean="0">
-              <a:latin typeface="Raleway SemiBold" charset="0"/>
-            </a:endParaRPr>
-          </a:p>
-          <a:p>
-            <a:pPr>
-              <a:lnSpc>
-                <a:spcPct val="115000"/>
-              </a:lnSpc>
-            </a:pPr>
-            <a:endParaRPr lang="et-EE" dirty="0">
-              <a:latin typeface="Raleway SemiBold" charset="0"/>
-            </a:endParaRPr>
-          </a:p>
-          <a:p>
-            <a:pPr>
-              <a:lnSpc>
-                <a:spcPct val="115000"/>
-              </a:lnSpc>
-            </a:pPr>
-            <a:r>
-              <a:rPr lang="en-GB" dirty="0" smtClean="0">
-                <a:latin typeface="Raleway SemiBold" charset="0"/>
+            <a:r>
+              <a:rPr lang="et-EE" sz="2400" dirty="0" smtClean="0">
+                <a:solidFill>
+                  <a:schemeClr val="bg1"/>
+                </a:solidFill>
+              </a:rPr>
+              <a:t/>
+            </a:r>
+            <a:br>
+              <a:rPr lang="et-EE" sz="2400" dirty="0" smtClean="0">
+                <a:solidFill>
+                  <a:schemeClr val="bg1"/>
+                </a:solidFill>
+              </a:rPr>
+            </a:br>
+            <a:r>
+              <a:rPr lang="et-EE" sz="2400" dirty="0" smtClean="0">
+                <a:solidFill>
+                  <a:schemeClr val="bg1"/>
+                </a:solidFill>
+              </a:rPr>
+              <a:t/>
+            </a:r>
+            <a:br>
+              <a:rPr lang="et-EE" sz="2400" dirty="0" smtClean="0">
+                <a:solidFill>
+                  <a:schemeClr val="bg1"/>
+                </a:solidFill>
+              </a:rPr>
+            </a:br>
+            <a:r>
+              <a:rPr lang="en-GB" sz="2400" dirty="0" smtClean="0">
+                <a:solidFill>
+                  <a:schemeClr val="bg1"/>
+                </a:solidFill>
               </a:rPr>
               <a:t>Functions </a:t>
             </a:r>
             <a:r>
-              <a:rPr lang="en-GB" dirty="0">
-                <a:latin typeface="Raleway SemiBold" charset="0"/>
-              </a:rPr>
-              <a:t>provide better modularity for your application and a high degree of code </a:t>
-            </a:r>
-            <a:r>
-              <a:rPr lang="en-GB" dirty="0" err="1" smtClean="0">
-                <a:latin typeface="Raleway SemiBold" charset="0"/>
-              </a:rPr>
-              <a:t>reus</a:t>
-            </a:r>
-            <a:r>
-              <a:rPr lang="et-EE" dirty="0" smtClean="0">
-                <a:latin typeface="Raleway SemiBold" charset="0"/>
-              </a:rPr>
-              <a:t>e</a:t>
-            </a:r>
-            <a:endParaRPr lang="en-US" dirty="0">
+              <a:rPr lang="en-GB" sz="2400" dirty="0">
+                <a:solidFill>
+                  <a:schemeClr val="bg1"/>
+                </a:solidFill>
+              </a:rPr>
+              <a:t>provide better modularity for your application and a high degree of code reusing</a:t>
+            </a:r>
+            <a:endParaRPr lang="en-US" sz="2400" dirty="0" smtClean="0">
               <a:solidFill>
-                <a:schemeClr val="lt1"/>
+                <a:schemeClr val="bg1"/>
               </a:solidFill>
               <a:highlight>
                 <a:schemeClr val="accent1"/>
               </a:highlight>
-              <a:latin typeface="Raleway SemiBold" charset="0"/>
             </a:endParaRPr>
           </a:p>
         </p:txBody>
@@ -28251,7 +29210,7 @@
     </p:spTree>
     <p:extLst>
       <p:ext uri="{BB962C8B-B14F-4D97-AF65-F5344CB8AC3E}">
-        <p14:creationId xmlns:p14="http://schemas.microsoft.com/office/powerpoint/2010/main" val="1202203392"/>
+        <p14:creationId xmlns:p14="http://schemas.microsoft.com/office/powerpoint/2010/main" val="1518962368"/>
       </p:ext>
     </p:extLst>
   </p:cSld>
@@ -28635,14 +29594,516 @@
               </a:rPr>
               <a:t>Syntax</a:t>
             </a:r>
-            <a:endParaRPr lang="en-US" sz="2400" dirty="0" smtClean="0">
+          </a:p>
+          <a:p>
+            <a:pPr>
+              <a:lnSpc>
+                <a:spcPct val="115000"/>
+              </a:lnSpc>
+            </a:pPr>
+            <a:r>
+              <a:rPr lang="et-EE" sz="2400" dirty="0" smtClean="0">
+                <a:solidFill>
+                  <a:schemeClr val="lt1"/>
+                </a:solidFill>
+                <a:highlight>
+                  <a:schemeClr val="accent2"/>
+                </a:highlight>
+              </a:rPr>
+              <a:t>Functions</a:t>
+            </a:r>
+            <a:endParaRPr lang="en-US" sz="2400" dirty="0">
+              <a:solidFill>
+                <a:schemeClr val="lt1"/>
+              </a:solidFill>
+              <a:highlight>
+                <a:schemeClr val="accent2"/>
+              </a:highlight>
+            </a:endParaRPr>
+          </a:p>
+        </p:txBody>
+      </p:sp>
+      <p:sp>
+        <p:nvSpPr>
+          <p:cNvPr id="3" name="TextBox 2"/>
+          <p:cNvSpPr txBox="1"/>
+          <p:nvPr/>
+        </p:nvSpPr>
+        <p:spPr>
+          <a:xfrm>
+            <a:off x="406152" y="1419622"/>
+            <a:ext cx="8208912" cy="835613"/>
+          </a:xfrm>
+          <a:prstGeom prst="rect">
+            <a:avLst/>
+          </a:prstGeom>
+          <a:noFill/>
+          <a:ln>
+            <a:solidFill>
+              <a:srgbClr val="01AFE2"/>
+            </a:solidFill>
+          </a:ln>
+        </p:spPr>
+        <p:txBody>
+          <a:bodyPr wrap="square" rtlCol="0">
+            <a:spAutoFit/>
+          </a:bodyPr>
+          <a:lstStyle/>
+          <a:p>
+            <a:pPr>
+              <a:lnSpc>
+                <a:spcPct val="115000"/>
+              </a:lnSpc>
+            </a:pPr>
+            <a:r>
+              <a:rPr lang="en-GB" dirty="0">
+                <a:latin typeface="Raleway SemiBold" charset="0"/>
+              </a:rPr>
+              <a:t>A function is a block of organized, reusable code that is used to perform a single, related action. </a:t>
+            </a:r>
+            <a:endParaRPr lang="et-EE" dirty="0" smtClean="0">
+              <a:latin typeface="Raleway SemiBold" charset="0"/>
+            </a:endParaRPr>
+          </a:p>
+          <a:p>
+            <a:pPr>
+              <a:lnSpc>
+                <a:spcPct val="115000"/>
+              </a:lnSpc>
+            </a:pPr>
+            <a:endParaRPr lang="et-EE" dirty="0">
+              <a:latin typeface="Raleway SemiBold" charset="0"/>
+            </a:endParaRPr>
+          </a:p>
+          <a:p>
+            <a:pPr>
+              <a:lnSpc>
+                <a:spcPct val="115000"/>
+              </a:lnSpc>
+            </a:pPr>
+            <a:r>
+              <a:rPr lang="en-GB" dirty="0" smtClean="0">
+                <a:latin typeface="Raleway SemiBold" charset="0"/>
+              </a:rPr>
+              <a:t>Functions </a:t>
+            </a:r>
+            <a:r>
+              <a:rPr lang="en-GB" dirty="0">
+                <a:latin typeface="Raleway SemiBold" charset="0"/>
+              </a:rPr>
+              <a:t>provide better modularity for your application and a high degree of code </a:t>
+            </a:r>
+            <a:r>
+              <a:rPr lang="en-GB" dirty="0" err="1" smtClean="0">
+                <a:latin typeface="Raleway SemiBold" charset="0"/>
+              </a:rPr>
+              <a:t>reus</a:t>
+            </a:r>
+            <a:r>
+              <a:rPr lang="et-EE" dirty="0" smtClean="0">
+                <a:latin typeface="Raleway SemiBold" charset="0"/>
+              </a:rPr>
+              <a:t>e</a:t>
+            </a:r>
+            <a:endParaRPr lang="en-US" dirty="0">
               <a:solidFill>
                 <a:schemeClr val="lt1"/>
               </a:solidFill>
               <a:highlight>
                 <a:schemeClr val="accent1"/>
               </a:highlight>
+              <a:latin typeface="Raleway SemiBold" charset="0"/>
             </a:endParaRPr>
+          </a:p>
+        </p:txBody>
+      </p:sp>
+    </p:spTree>
+    <p:extLst>
+      <p:ext uri="{BB962C8B-B14F-4D97-AF65-F5344CB8AC3E}">
+        <p14:creationId xmlns:p14="http://schemas.microsoft.com/office/powerpoint/2010/main" val="1202203392"/>
+      </p:ext>
+    </p:extLst>
+  </p:cSld>
+  <p:clrMapOvr>
+    <a:masterClrMapping/>
+  </p:clrMapOvr>
+  <p:transition/>
+  <p:timing>
+    <p:tnLst>
+      <p:par>
+        <p:cTn id="1" dur="indefinite" restart="never" nodeType="tmRoot"/>
+      </p:par>
+    </p:tnLst>
+  </p:timing>
+</p:sld>
+</file>
+
+<file path=ppt/slides/slide23.xml><?xml version="1.0" encoding="utf-8"?>
+<p:sld xmlns:a="http://schemas.openxmlformats.org/drawingml/2006/main" xmlns:r="http://schemas.openxmlformats.org/officeDocument/2006/relationships" xmlns:p="http://schemas.openxmlformats.org/presentationml/2006/main">
+  <p:cSld>
+    <p:spTree>
+      <p:nvGrpSpPr>
+        <p:cNvPr id="1" name=""/>
+        <p:cNvGrpSpPr/>
+        <p:nvPr/>
+      </p:nvGrpSpPr>
+      <p:grpSpPr>
+        <a:xfrm>
+          <a:off x="0" y="0"/>
+          <a:ext cx="0" cy="0"/>
+          <a:chOff x="0" y="0"/>
+          <a:chExt cx="0" cy="0"/>
+        </a:xfrm>
+      </p:grpSpPr>
+      <p:sp>
+        <p:nvSpPr>
+          <p:cNvPr id="4101" name="Rectangle 4"/>
+          <p:cNvSpPr>
+            <a:spLocks noChangeArrowheads="1"/>
+          </p:cNvSpPr>
+          <p:nvPr/>
+        </p:nvSpPr>
+        <p:spPr bwMode="auto">
+          <a:xfrm>
+            <a:off x="0" y="-153888"/>
+            <a:ext cx="184731" cy="307777"/>
+          </a:xfrm>
+          <a:prstGeom prst="rect">
+            <a:avLst/>
+          </a:prstGeom>
+          <a:noFill/>
+          <a:ln>
+            <a:noFill/>
+          </a:ln>
+          <a:effectLst/>
+          <a:extLst>
+            <a:ext uri="{909E8E84-426E-40DD-AFC4-6F175D3DCCD1}">
+              <a14:hiddenFill xmlns:a14="http://schemas.microsoft.com/office/drawing/2010/main">
+                <a:solidFill>
+                  <a:schemeClr val="accent1"/>
+                </a:solidFill>
+              </a14:hiddenFill>
+            </a:ext>
+            <a:ext uri="{91240B29-F687-4F45-9708-019B960494DF}">
+              <a14:hiddenLine xmlns:a14="http://schemas.microsoft.com/office/drawing/2010/main" w="9525">
+                <a:solidFill>
+                  <a:schemeClr val="tx1"/>
+                </a:solidFill>
+                <a:miter lim="800000"/>
+                <a:headEnd/>
+                <a:tailEnd/>
+              </a14:hiddenLine>
+            </a:ext>
+            <a:ext uri="{AF507438-7753-43E0-B8FC-AC1667EBCBE1}">
+              <a14:hiddenEffects xmlns:a14="http://schemas.microsoft.com/office/drawing/2010/main">
+                <a:effectLst>
+                  <a:outerShdw dist="35921" dir="2700000" algn="ctr" rotWithShape="0">
+                    <a:schemeClr val="bg2"/>
+                  </a:outerShdw>
+                </a:effectLst>
+              </a14:hiddenEffects>
+            </a:ext>
+          </a:extLst>
+        </p:spPr>
+        <p:txBody>
+          <a:bodyPr wrap="none" anchor="ctr">
+            <a:spAutoFit/>
+          </a:bodyPr>
+          <a:lstStyle/>
+          <a:p>
+            <a:endParaRPr lang="en-US"/>
+          </a:p>
+        </p:txBody>
+      </p:sp>
+      <p:sp>
+        <p:nvSpPr>
+          <p:cNvPr id="5" name="Google Shape;1014;p22"/>
+          <p:cNvSpPr txBox="1">
+            <a:spLocks/>
+          </p:cNvSpPr>
+          <p:nvPr/>
+        </p:nvSpPr>
+        <p:spPr>
+          <a:xfrm>
+            <a:off x="381000" y="195486"/>
+            <a:ext cx="5199112" cy="894606"/>
+          </a:xfrm>
+          <a:prstGeom prst="rect">
+            <a:avLst/>
+          </a:prstGeom>
+          <a:noFill/>
+          <a:ln>
+            <a:noFill/>
+          </a:ln>
+        </p:spPr>
+        <p:txBody>
+          <a:bodyPr spcFirstLastPara="1" wrap="square" lIns="0" tIns="0" rIns="0" bIns="0" anchor="t" anchorCtr="0">
+            <a:noAutofit/>
+          </a:bodyPr>
+          <a:lstStyle>
+            <a:defPPr marR="0" lvl="0" algn="l" rtl="0">
+              <a:lnSpc>
+                <a:spcPct val="100000"/>
+              </a:lnSpc>
+              <a:spcBef>
+                <a:spcPts val="0"/>
+              </a:spcBef>
+              <a:spcAft>
+                <a:spcPts val="0"/>
+              </a:spcAft>
+            </a:defPPr>
+            <a:lvl1pPr marR="0" lvl="0" algn="l" rtl="0">
+              <a:lnSpc>
+                <a:spcPct val="80000"/>
+              </a:lnSpc>
+              <a:spcBef>
+                <a:spcPts val="0"/>
+              </a:spcBef>
+              <a:spcAft>
+                <a:spcPts val="0"/>
+              </a:spcAft>
+              <a:buClr>
+                <a:schemeClr val="accent2"/>
+              </a:buClr>
+              <a:buSzPts val="4800"/>
+              <a:buFont typeface="Raleway SemiBold"/>
+              <a:buNone/>
+              <a:defRPr sz="4800" b="0" i="0" u="none" strike="noStrike" cap="none">
+                <a:solidFill>
+                  <a:schemeClr val="accent2"/>
+                </a:solidFill>
+                <a:latin typeface="Raleway SemiBold"/>
+                <a:ea typeface="Raleway SemiBold"/>
+                <a:cs typeface="Raleway SemiBold"/>
+                <a:sym typeface="Raleway SemiBold"/>
+              </a:defRPr>
+            </a:lvl1pPr>
+            <a:lvl2pPr marR="0" lvl="1" algn="l" rtl="0">
+              <a:lnSpc>
+                <a:spcPct val="80000"/>
+              </a:lnSpc>
+              <a:spcBef>
+                <a:spcPts val="0"/>
+              </a:spcBef>
+              <a:spcAft>
+                <a:spcPts val="0"/>
+              </a:spcAft>
+              <a:buClr>
+                <a:schemeClr val="accent2"/>
+              </a:buClr>
+              <a:buSzPts val="4800"/>
+              <a:buFont typeface="Raleway SemiBold"/>
+              <a:buNone/>
+              <a:defRPr sz="4800" b="0" i="0" u="none" strike="noStrike" cap="none">
+                <a:solidFill>
+                  <a:schemeClr val="accent2"/>
+                </a:solidFill>
+                <a:latin typeface="Raleway SemiBold"/>
+                <a:ea typeface="Raleway SemiBold"/>
+                <a:cs typeface="Raleway SemiBold"/>
+                <a:sym typeface="Raleway SemiBold"/>
+              </a:defRPr>
+            </a:lvl2pPr>
+            <a:lvl3pPr marR="0" lvl="2" algn="l" rtl="0">
+              <a:lnSpc>
+                <a:spcPct val="80000"/>
+              </a:lnSpc>
+              <a:spcBef>
+                <a:spcPts val="0"/>
+              </a:spcBef>
+              <a:spcAft>
+                <a:spcPts val="0"/>
+              </a:spcAft>
+              <a:buClr>
+                <a:schemeClr val="accent2"/>
+              </a:buClr>
+              <a:buSzPts val="4800"/>
+              <a:buFont typeface="Raleway SemiBold"/>
+              <a:buNone/>
+              <a:defRPr sz="4800" b="0" i="0" u="none" strike="noStrike" cap="none">
+                <a:solidFill>
+                  <a:schemeClr val="accent2"/>
+                </a:solidFill>
+                <a:latin typeface="Raleway SemiBold"/>
+                <a:ea typeface="Raleway SemiBold"/>
+                <a:cs typeface="Raleway SemiBold"/>
+                <a:sym typeface="Raleway SemiBold"/>
+              </a:defRPr>
+            </a:lvl3pPr>
+            <a:lvl4pPr marR="0" lvl="3" algn="l" rtl="0">
+              <a:lnSpc>
+                <a:spcPct val="80000"/>
+              </a:lnSpc>
+              <a:spcBef>
+                <a:spcPts val="0"/>
+              </a:spcBef>
+              <a:spcAft>
+                <a:spcPts val="0"/>
+              </a:spcAft>
+              <a:buClr>
+                <a:schemeClr val="accent2"/>
+              </a:buClr>
+              <a:buSzPts val="4800"/>
+              <a:buFont typeface="Raleway SemiBold"/>
+              <a:buNone/>
+              <a:defRPr sz="4800" b="0" i="0" u="none" strike="noStrike" cap="none">
+                <a:solidFill>
+                  <a:schemeClr val="accent2"/>
+                </a:solidFill>
+                <a:latin typeface="Raleway SemiBold"/>
+                <a:ea typeface="Raleway SemiBold"/>
+                <a:cs typeface="Raleway SemiBold"/>
+                <a:sym typeface="Raleway SemiBold"/>
+              </a:defRPr>
+            </a:lvl4pPr>
+            <a:lvl5pPr marR="0" lvl="4" algn="l" rtl="0">
+              <a:lnSpc>
+                <a:spcPct val="80000"/>
+              </a:lnSpc>
+              <a:spcBef>
+                <a:spcPts val="0"/>
+              </a:spcBef>
+              <a:spcAft>
+                <a:spcPts val="0"/>
+              </a:spcAft>
+              <a:buClr>
+                <a:schemeClr val="accent2"/>
+              </a:buClr>
+              <a:buSzPts val="4800"/>
+              <a:buFont typeface="Raleway SemiBold"/>
+              <a:buNone/>
+              <a:defRPr sz="4800" b="0" i="0" u="none" strike="noStrike" cap="none">
+                <a:solidFill>
+                  <a:schemeClr val="accent2"/>
+                </a:solidFill>
+                <a:latin typeface="Raleway SemiBold"/>
+                <a:ea typeface="Raleway SemiBold"/>
+                <a:cs typeface="Raleway SemiBold"/>
+                <a:sym typeface="Raleway SemiBold"/>
+              </a:defRPr>
+            </a:lvl5pPr>
+            <a:lvl6pPr marR="0" lvl="5" algn="l" rtl="0">
+              <a:lnSpc>
+                <a:spcPct val="80000"/>
+              </a:lnSpc>
+              <a:spcBef>
+                <a:spcPts val="0"/>
+              </a:spcBef>
+              <a:spcAft>
+                <a:spcPts val="0"/>
+              </a:spcAft>
+              <a:buClr>
+                <a:schemeClr val="accent2"/>
+              </a:buClr>
+              <a:buSzPts val="4800"/>
+              <a:buFont typeface="Raleway SemiBold"/>
+              <a:buNone/>
+              <a:defRPr sz="4800" b="0" i="0" u="none" strike="noStrike" cap="none">
+                <a:solidFill>
+                  <a:schemeClr val="accent2"/>
+                </a:solidFill>
+                <a:latin typeface="Raleway SemiBold"/>
+                <a:ea typeface="Raleway SemiBold"/>
+                <a:cs typeface="Raleway SemiBold"/>
+                <a:sym typeface="Raleway SemiBold"/>
+              </a:defRPr>
+            </a:lvl6pPr>
+            <a:lvl7pPr marR="0" lvl="6" algn="l" rtl="0">
+              <a:lnSpc>
+                <a:spcPct val="80000"/>
+              </a:lnSpc>
+              <a:spcBef>
+                <a:spcPts val="0"/>
+              </a:spcBef>
+              <a:spcAft>
+                <a:spcPts val="0"/>
+              </a:spcAft>
+              <a:buClr>
+                <a:schemeClr val="accent2"/>
+              </a:buClr>
+              <a:buSzPts val="4800"/>
+              <a:buFont typeface="Raleway SemiBold"/>
+              <a:buNone/>
+              <a:defRPr sz="4800" b="0" i="0" u="none" strike="noStrike" cap="none">
+                <a:solidFill>
+                  <a:schemeClr val="accent2"/>
+                </a:solidFill>
+                <a:latin typeface="Raleway SemiBold"/>
+                <a:ea typeface="Raleway SemiBold"/>
+                <a:cs typeface="Raleway SemiBold"/>
+                <a:sym typeface="Raleway SemiBold"/>
+              </a:defRPr>
+            </a:lvl7pPr>
+            <a:lvl8pPr marR="0" lvl="7" algn="l" rtl="0">
+              <a:lnSpc>
+                <a:spcPct val="80000"/>
+              </a:lnSpc>
+              <a:spcBef>
+                <a:spcPts val="0"/>
+              </a:spcBef>
+              <a:spcAft>
+                <a:spcPts val="0"/>
+              </a:spcAft>
+              <a:buClr>
+                <a:schemeClr val="accent2"/>
+              </a:buClr>
+              <a:buSzPts val="4800"/>
+              <a:buFont typeface="Raleway SemiBold"/>
+              <a:buNone/>
+              <a:defRPr sz="4800" b="0" i="0" u="none" strike="noStrike" cap="none">
+                <a:solidFill>
+                  <a:schemeClr val="accent2"/>
+                </a:solidFill>
+                <a:latin typeface="Raleway SemiBold"/>
+                <a:ea typeface="Raleway SemiBold"/>
+                <a:cs typeface="Raleway SemiBold"/>
+                <a:sym typeface="Raleway SemiBold"/>
+              </a:defRPr>
+            </a:lvl8pPr>
+            <a:lvl9pPr marR="0" lvl="8" algn="l" rtl="0">
+              <a:lnSpc>
+                <a:spcPct val="80000"/>
+              </a:lnSpc>
+              <a:spcBef>
+                <a:spcPts val="0"/>
+              </a:spcBef>
+              <a:spcAft>
+                <a:spcPts val="0"/>
+              </a:spcAft>
+              <a:buClr>
+                <a:schemeClr val="accent2"/>
+              </a:buClr>
+              <a:buSzPts val="4800"/>
+              <a:buFont typeface="Raleway SemiBold"/>
+              <a:buNone/>
+              <a:defRPr sz="4800" b="0" i="0" u="none" strike="noStrike" cap="none">
+                <a:solidFill>
+                  <a:schemeClr val="accent2"/>
+                </a:solidFill>
+                <a:latin typeface="Raleway SemiBold"/>
+                <a:ea typeface="Raleway SemiBold"/>
+                <a:cs typeface="Raleway SemiBold"/>
+                <a:sym typeface="Raleway SemiBold"/>
+              </a:defRPr>
+            </a:lvl9pPr>
+          </a:lstStyle>
+          <a:p>
+            <a:pPr>
+              <a:lnSpc>
+                <a:spcPct val="115000"/>
+              </a:lnSpc>
+            </a:pPr>
+            <a:r>
+              <a:rPr lang="en-US" sz="2400" dirty="0" smtClean="0">
+                <a:solidFill>
+                  <a:schemeClr val="lt1"/>
+                </a:solidFill>
+                <a:highlight>
+                  <a:schemeClr val="accent1"/>
+                </a:highlight>
+              </a:rPr>
+              <a:t>Syntax</a:t>
+            </a:r>
           </a:p>
           <a:p>
             <a:pPr>
@@ -30362,14 +31823,6 @@
               </a:rPr>
               <a:t>Syntax</a:t>
             </a:r>
-            <a:endParaRPr lang="en-US" sz="2400" dirty="0" smtClean="0">
-              <a:solidFill>
-                <a:schemeClr val="lt1"/>
-              </a:solidFill>
-              <a:highlight>
-                <a:schemeClr val="accent1"/>
-              </a:highlight>
-            </a:endParaRPr>
           </a:p>
           <a:p>
             <a:pPr>
@@ -31608,14 +33061,6 @@
               </a:rPr>
               <a:t>Syntax</a:t>
             </a:r>
-            <a:endParaRPr lang="en-US" sz="2400" dirty="0" smtClean="0">
-              <a:solidFill>
-                <a:schemeClr val="lt1"/>
-              </a:solidFill>
-              <a:highlight>
-                <a:schemeClr val="accent1"/>
-              </a:highlight>
-            </a:endParaRPr>
           </a:p>
           <a:p>
             <a:pPr>
@@ -32854,14 +34299,6 @@
               </a:rPr>
               <a:t>Syntax</a:t>
             </a:r>
-            <a:endParaRPr lang="en-US" sz="2400" dirty="0" smtClean="0">
-              <a:solidFill>
-                <a:schemeClr val="lt1"/>
-              </a:solidFill>
-              <a:highlight>
-                <a:schemeClr val="accent1"/>
-              </a:highlight>
-            </a:endParaRPr>
           </a:p>
           <a:p>
             <a:pPr>
@@ -34100,14 +35537,6 @@
               </a:rPr>
               <a:t>Syntax</a:t>
             </a:r>
-            <a:endParaRPr lang="en-US" sz="2400" dirty="0" smtClean="0">
-              <a:solidFill>
-                <a:schemeClr val="lt1"/>
-              </a:solidFill>
-              <a:highlight>
-                <a:schemeClr val="accent1"/>
-              </a:highlight>
-            </a:endParaRPr>
           </a:p>
           <a:p>
             <a:pPr>
@@ -34524,14 +35953,6 @@
               </a:rPr>
               <a:t>Syntax</a:t>
             </a:r>
-            <a:endParaRPr lang="en-US" sz="2400" dirty="0" smtClean="0">
-              <a:solidFill>
-                <a:schemeClr val="lt1"/>
-              </a:solidFill>
-              <a:highlight>
-                <a:schemeClr val="accent1"/>
-              </a:highlight>
-            </a:endParaRPr>
           </a:p>
           <a:p>
             <a:pPr>
@@ -34540,7 +35961,7 @@
               </a:lnSpc>
             </a:pPr>
             <a:r>
-              <a:rPr lang="et-EE" sz="2400" smtClean="0">
+              <a:rPr lang="et-EE" sz="2400" dirty="0" smtClean="0">
                 <a:solidFill>
                   <a:schemeClr val="lt1"/>
                 </a:solidFill>
@@ -34570,7 +35991,7 @@
           <p:nvPr>
             <p:extLst>
               <p:ext uri="{D42A27DB-BD31-4B8C-83A1-F6EECF244321}">
-                <p14:modId xmlns:p14="http://schemas.microsoft.com/office/powerpoint/2010/main" val="3810707700"/>
+                <p14:modId xmlns:p14="http://schemas.microsoft.com/office/powerpoint/2010/main" val="3497646742"/>
               </p:ext>
             </p:extLst>
           </p:nvPr>
@@ -34678,10 +36099,14 @@
                     <a:p>
                       <a:pPr algn="ctr"/>
                       <a:r>
-                        <a:rPr lang="et-EE" dirty="0" smtClean="0"/>
+                        <a:rPr lang="et-EE" dirty="0" smtClean="0">
+                          <a:latin typeface="Barlow Light" charset="0"/>
+                        </a:rPr>
                         <a:t>+</a:t>
                       </a:r>
-                      <a:endParaRPr lang="en-GB" dirty="0"/>
+                      <a:endParaRPr lang="en-GB" dirty="0">
+                        <a:latin typeface="Barlow Light" charset="0"/>
+                      </a:endParaRPr>
                     </a:p>
                   </a:txBody>
                   <a:tcPr/>
@@ -34693,10 +36118,14 @@
                     <a:p>
                       <a:pPr algn="ctr"/>
                       <a:r>
-                        <a:rPr lang="et-EE" dirty="0" smtClean="0"/>
+                        <a:rPr lang="et-EE" dirty="0" smtClean="0">
+                          <a:latin typeface="Barlow Light" charset="0"/>
+                        </a:rPr>
                         <a:t>Addition</a:t>
                       </a:r>
-                      <a:endParaRPr lang="en-GB" dirty="0"/>
+                      <a:endParaRPr lang="en-GB" dirty="0">
+                        <a:latin typeface="Barlow Light" charset="0"/>
+                      </a:endParaRPr>
                     </a:p>
                   </a:txBody>
                   <a:tcPr/>
@@ -34710,10 +36139,14 @@
                     <a:p>
                       <a:pPr algn="ctr"/>
                       <a:r>
-                        <a:rPr lang="et-EE" dirty="0" smtClean="0"/>
+                        <a:rPr lang="et-EE" dirty="0" smtClean="0">
+                          <a:latin typeface="Barlow Light" charset="0"/>
+                        </a:rPr>
                         <a:t>-</a:t>
                       </a:r>
-                      <a:endParaRPr lang="en-GB" dirty="0"/>
+                      <a:endParaRPr lang="en-GB" dirty="0">
+                        <a:latin typeface="Barlow Light" charset="0"/>
+                      </a:endParaRPr>
                     </a:p>
                   </a:txBody>
                   <a:tcPr/>
@@ -34725,10 +36158,14 @@
                     <a:p>
                       <a:pPr algn="ctr"/>
                       <a:r>
-                        <a:rPr lang="et-EE" dirty="0" smtClean="0"/>
+                        <a:rPr lang="et-EE" dirty="0" smtClean="0">
+                          <a:latin typeface="Barlow Light" charset="0"/>
+                        </a:rPr>
                         <a:t>Subtraction</a:t>
                       </a:r>
-                      <a:endParaRPr lang="en-GB" dirty="0"/>
+                      <a:endParaRPr lang="en-GB" dirty="0">
+                        <a:latin typeface="Barlow Light" charset="0"/>
+                      </a:endParaRPr>
                     </a:p>
                   </a:txBody>
                   <a:tcPr/>
@@ -34742,10 +36179,14 @@
                     <a:p>
                       <a:pPr algn="ctr"/>
                       <a:r>
-                        <a:rPr lang="et-EE" dirty="0" smtClean="0"/>
+                        <a:rPr lang="et-EE" dirty="0" smtClean="0">
+                          <a:latin typeface="Barlow Light" charset="0"/>
+                        </a:rPr>
                         <a:t>*</a:t>
                       </a:r>
-                      <a:endParaRPr lang="en-GB" dirty="0"/>
+                      <a:endParaRPr lang="en-GB" dirty="0">
+                        <a:latin typeface="Barlow Light" charset="0"/>
+                      </a:endParaRPr>
                     </a:p>
                   </a:txBody>
                   <a:tcPr/>
@@ -34757,10 +36198,14 @@
                     <a:p>
                       <a:pPr algn="ctr"/>
                       <a:r>
-                        <a:rPr lang="et-EE" dirty="0" smtClean="0"/>
+                        <a:rPr lang="et-EE" dirty="0" smtClean="0">
+                          <a:latin typeface="Barlow Light" charset="0"/>
+                        </a:rPr>
                         <a:t>Multiplication</a:t>
                       </a:r>
-                      <a:endParaRPr lang="en-GB" dirty="0"/>
+                      <a:endParaRPr lang="en-GB" dirty="0">
+                        <a:latin typeface="Barlow Light" charset="0"/>
+                      </a:endParaRPr>
                     </a:p>
                   </a:txBody>
                   <a:tcPr/>
@@ -34774,10 +36219,14 @@
                     <a:p>
                       <a:pPr algn="ctr"/>
                       <a:r>
-                        <a:rPr lang="et-EE" dirty="0" smtClean="0"/>
+                        <a:rPr lang="et-EE" dirty="0" smtClean="0">
+                          <a:latin typeface="Barlow Light" charset="0"/>
+                        </a:rPr>
                         <a:t>/</a:t>
                       </a:r>
-                      <a:endParaRPr lang="en-GB" dirty="0"/>
+                      <a:endParaRPr lang="en-GB" dirty="0">
+                        <a:latin typeface="Barlow Light" charset="0"/>
+                      </a:endParaRPr>
                     </a:p>
                   </a:txBody>
                   <a:tcPr/>
@@ -34789,10 +36238,14 @@
                     <a:p>
                       <a:pPr algn="ctr"/>
                       <a:r>
-                        <a:rPr lang="et-EE" dirty="0" smtClean="0"/>
+                        <a:rPr lang="et-EE" dirty="0" smtClean="0">
+                          <a:latin typeface="Barlow Light" charset="0"/>
+                        </a:rPr>
                         <a:t>Division</a:t>
                       </a:r>
-                      <a:endParaRPr lang="en-GB" dirty="0"/>
+                      <a:endParaRPr lang="en-GB" dirty="0">
+                        <a:latin typeface="Barlow Light" charset="0"/>
+                      </a:endParaRPr>
                     </a:p>
                   </a:txBody>
                   <a:tcPr/>
@@ -34806,10 +36259,14 @@
                     <a:p>
                       <a:pPr algn="ctr"/>
                       <a:r>
-                        <a:rPr lang="et-EE" dirty="0" smtClean="0"/>
+                        <a:rPr lang="et-EE" dirty="0" smtClean="0">
+                          <a:latin typeface="Barlow Light" charset="0"/>
+                        </a:rPr>
                         <a:t>%</a:t>
                       </a:r>
-                      <a:endParaRPr lang="en-GB" dirty="0"/>
+                      <a:endParaRPr lang="en-GB" dirty="0">
+                        <a:latin typeface="Barlow Light" charset="0"/>
+                      </a:endParaRPr>
                     </a:p>
                   </a:txBody>
                   <a:tcPr/>
@@ -34821,10 +36278,14 @@
                     <a:p>
                       <a:pPr algn="ctr"/>
                       <a:r>
-                        <a:rPr lang="et-EE" dirty="0" smtClean="0"/>
+                        <a:rPr lang="et-EE" dirty="0" smtClean="0">
+                          <a:latin typeface="Barlow Light" charset="0"/>
+                        </a:rPr>
                         <a:t>Modulus</a:t>
                       </a:r>
-                      <a:endParaRPr lang="en-GB" dirty="0"/>
+                      <a:endParaRPr lang="en-GB" dirty="0">
+                        <a:latin typeface="Barlow Light" charset="0"/>
+                      </a:endParaRPr>
                     </a:p>
                   </a:txBody>
                   <a:tcPr/>
@@ -34838,10 +36299,14 @@
                     <a:p>
                       <a:pPr algn="ctr"/>
                       <a:r>
-                        <a:rPr lang="et-EE" dirty="0" smtClean="0"/>
+                        <a:rPr lang="et-EE" dirty="0" smtClean="0">
+                          <a:latin typeface="Barlow Light" charset="0"/>
+                        </a:rPr>
                         <a:t>++</a:t>
                       </a:r>
-                      <a:endParaRPr lang="en-GB" dirty="0"/>
+                      <a:endParaRPr lang="en-GB" dirty="0">
+                        <a:latin typeface="Barlow Light" charset="0"/>
+                      </a:endParaRPr>
                     </a:p>
                   </a:txBody>
                   <a:tcPr/>
@@ -34853,10 +36318,14 @@
                     <a:p>
                       <a:pPr algn="ctr"/>
                       <a:r>
-                        <a:rPr lang="et-EE" dirty="0" smtClean="0"/>
+                        <a:rPr lang="et-EE" dirty="0" smtClean="0">
+                          <a:latin typeface="Barlow Light" charset="0"/>
+                        </a:rPr>
                         <a:t>Increment</a:t>
                       </a:r>
-                      <a:endParaRPr lang="en-GB" dirty="0"/>
+                      <a:endParaRPr lang="en-GB" dirty="0">
+                        <a:latin typeface="Barlow Light" charset="0"/>
+                      </a:endParaRPr>
                     </a:p>
                   </a:txBody>
                   <a:tcPr/>
@@ -34870,10 +36339,14 @@
                     <a:p>
                       <a:pPr algn="ctr"/>
                       <a:r>
-                        <a:rPr lang="et-EE" dirty="0" smtClean="0"/>
+                        <a:rPr lang="et-EE" dirty="0" smtClean="0">
+                          <a:latin typeface="Barlow Light" charset="0"/>
+                        </a:rPr>
                         <a:t>--</a:t>
                       </a:r>
-                      <a:endParaRPr lang="en-GB" dirty="0"/>
+                      <a:endParaRPr lang="en-GB" dirty="0">
+                        <a:latin typeface="Barlow Light" charset="0"/>
+                      </a:endParaRPr>
                     </a:p>
                   </a:txBody>
                   <a:tcPr/>
@@ -34885,10 +36358,14 @@
                     <a:p>
                       <a:pPr algn="ctr"/>
                       <a:r>
-                        <a:rPr lang="et-EE" dirty="0" smtClean="0"/>
+                        <a:rPr lang="et-EE" dirty="0" smtClean="0">
+                          <a:latin typeface="Barlow Light" charset="0"/>
+                        </a:rPr>
                         <a:t>Decrement</a:t>
                       </a:r>
-                      <a:endParaRPr lang="en-GB" dirty="0"/>
+                      <a:endParaRPr lang="en-GB" dirty="0">
+                        <a:latin typeface="Barlow Light" charset="0"/>
+                      </a:endParaRPr>
                     </a:p>
                   </a:txBody>
                   <a:tcPr/>
@@ -35285,14 +36762,6 @@
               </a:rPr>
               <a:t>Syntax</a:t>
             </a:r>
-            <a:endParaRPr lang="en-US" sz="2400" dirty="0" smtClean="0">
-              <a:solidFill>
-                <a:schemeClr val="lt1"/>
-              </a:solidFill>
-              <a:highlight>
-                <a:schemeClr val="accent1"/>
-              </a:highlight>
-            </a:endParaRPr>
           </a:p>
           <a:p>
             <a:pPr>
@@ -35309,18 +36778,7 @@
                   <a:schemeClr val="accent2"/>
                 </a:highlight>
               </a:rPr>
-              <a:t>Logical </a:t>
-            </a:r>
-            <a:r>
-              <a:rPr lang="et-EE" sz="2400" dirty="0" smtClean="0">
-                <a:solidFill>
-                  <a:schemeClr val="lt1"/>
-                </a:solidFill>
-                <a:highlight>
-                  <a:schemeClr val="accent2"/>
-                </a:highlight>
-              </a:rPr>
-              <a:t>Operators</a:t>
+              <a:t>Comparison Operators</a:t>
             </a:r>
             <a:endParaRPr lang="en-US" sz="2400" dirty="0">
               <a:solidFill>
@@ -35342,14 +36800,14 @@
           <p:nvPr>
             <p:extLst>
               <p:ext uri="{D42A27DB-BD31-4B8C-83A1-F6EECF244321}">
-                <p14:modId xmlns:p14="http://schemas.microsoft.com/office/powerpoint/2010/main" val="2968378696"/>
+                <p14:modId xmlns:p14="http://schemas.microsoft.com/office/powerpoint/2010/main" val="135035397"/>
               </p:ext>
             </p:extLst>
           </p:nvPr>
         </p:nvGraphicFramePr>
         <p:xfrm>
-          <a:off x="1187624" y="1693262"/>
-          <a:ext cx="6096000" cy="2966720"/>
+          <a:off x="382414" y="1539190"/>
+          <a:ext cx="7719392" cy="3484880"/>
         </p:xfrm>
         <a:graphic>
           <a:graphicData uri="http://schemas.openxmlformats.org/drawingml/2006/table">
@@ -35358,8 +36816,10 @@
                 <a:tableStyleId>{CA79B213-A7B1-4D54-87E7-7F15D3F6DC19}</a:tableStyleId>
               </a:tblPr>
               <a:tblGrid>
-                <a:gridCol w="1296144"/>
-                <a:gridCol w="4799856"/>
+                <a:gridCol w="1094656"/>
+                <a:gridCol w="2160240"/>
+                <a:gridCol w="2736304"/>
+                <a:gridCol w="1728192"/>
               </a:tblGrid>
               <a:tr h="370840">
                 <a:tc>
@@ -35369,7 +36829,7 @@
                     <a:p>
                       <a:pPr algn="ctr"/>
                       <a:r>
-                        <a:rPr lang="en-GB" sz="1800" b="1" i="0" u="none" strike="noStrike" cap="none" dirty="0" smtClean="0">
+                        <a:rPr lang="en-GB" sz="1400" b="1" i="0" u="none" strike="noStrike" cap="none" dirty="0" smtClean="0">
                           <a:solidFill>
                             <a:schemeClr val="bg1"/>
                           </a:solidFill>
@@ -35381,7 +36841,7 @@
                         </a:rPr>
                         <a:t>Operator</a:t>
                       </a:r>
-                      <a:endParaRPr lang="en-GB" sz="1800" dirty="0">
+                      <a:endParaRPr lang="en-GB" sz="1400" dirty="0">
                         <a:solidFill>
                           <a:schemeClr val="bg1"/>
                         </a:solidFill>
@@ -35420,7 +36880,7 @@
                         <a:defRPr/>
                       </a:pPr>
                       <a:r>
-                        <a:rPr lang="et-EE" sz="1800" b="1" i="0" u="none" strike="noStrike" cap="none" dirty="0" smtClean="0">
+                        <a:rPr lang="et-EE" sz="1400" b="1" i="0" u="none" strike="noStrike" cap="none" dirty="0" smtClean="0">
                           <a:solidFill>
                             <a:schemeClr val="bg1"/>
                           </a:solidFill>
@@ -35431,6 +36891,98 @@
                           <a:sym typeface="Arial"/>
                         </a:rPr>
                         <a:t>Description</a:t>
+                      </a:r>
+                      <a:endParaRPr lang="en-GB" sz="1100" dirty="0"/>
+                    </a:p>
+                  </a:txBody>
+                  <a:tcPr>
+                    <a:solidFill>
+                      <a:srgbClr val="3EB1D5"/>
+                    </a:solidFill>
+                  </a:tcPr>
+                </a:tc>
+                <a:tc>
+                  <a:txBody>
+                    <a:bodyPr/>
+                    <a:lstStyle/>
+                    <a:p>
+                      <a:pPr marL="0" marR="0" indent="0" algn="ctr" defTabSz="914400" rtl="0" eaLnBrk="1" fontAlgn="auto" latinLnBrk="0" hangingPunct="1">
+                        <a:lnSpc>
+                          <a:spcPct val="100000"/>
+                        </a:lnSpc>
+                        <a:spcBef>
+                          <a:spcPts val="0"/>
+                        </a:spcBef>
+                        <a:spcAft>
+                          <a:spcPts val="0"/>
+                        </a:spcAft>
+                        <a:buClr>
+                          <a:srgbClr val="000000"/>
+                        </a:buClr>
+                        <a:buSzTx/>
+                        <a:buFont typeface="Arial"/>
+                        <a:buNone/>
+                        <a:tabLst/>
+                        <a:defRPr/>
+                      </a:pPr>
+                      <a:r>
+                        <a:rPr lang="et-EE" sz="1400" b="1" i="0" u="none" strike="noStrike" cap="none" dirty="0" smtClean="0">
+                          <a:solidFill>
+                            <a:schemeClr val="bg1"/>
+                          </a:solidFill>
+                          <a:effectLst/>
+                          <a:latin typeface="Raleway SemiBold" charset="0"/>
+                          <a:ea typeface="Arial"/>
+                          <a:cs typeface="Arial"/>
+                          <a:sym typeface="Arial"/>
+                        </a:rPr>
+                        <a:t>Example</a:t>
+                      </a:r>
+                      <a:endParaRPr lang="en-GB" dirty="0"/>
+                    </a:p>
+                  </a:txBody>
+                  <a:tcPr>
+                    <a:solidFill>
+                      <a:srgbClr val="3EB1D5"/>
+                    </a:solidFill>
+                  </a:tcPr>
+                </a:tc>
+                <a:tc>
+                  <a:txBody>
+                    <a:bodyPr/>
+                    <a:lstStyle/>
+                    <a:p>
+                      <a:pPr marL="0" marR="0" indent="0" algn="ctr" defTabSz="914400" rtl="0" eaLnBrk="1" fontAlgn="auto" latinLnBrk="0" hangingPunct="1">
+                        <a:lnSpc>
+                          <a:spcPct val="100000"/>
+                        </a:lnSpc>
+                        <a:spcBef>
+                          <a:spcPts val="0"/>
+                        </a:spcBef>
+                        <a:spcAft>
+                          <a:spcPts val="0"/>
+                        </a:spcAft>
+                        <a:buClr>
+                          <a:srgbClr val="000000"/>
+                        </a:buClr>
+                        <a:buSzTx/>
+                        <a:buFont typeface="Arial"/>
+                        <a:buNone/>
+                        <a:tabLst/>
+                        <a:defRPr/>
+                      </a:pPr>
+                      <a:r>
+                        <a:rPr lang="et-EE" sz="1400" b="1" i="0" u="none" strike="noStrike" cap="none" dirty="0" smtClean="0">
+                          <a:solidFill>
+                            <a:schemeClr val="bg1"/>
+                          </a:solidFill>
+                          <a:effectLst/>
+                          <a:latin typeface="Raleway SemiBold" charset="0"/>
+                          <a:ea typeface="Arial"/>
+                          <a:cs typeface="Arial"/>
+                          <a:sym typeface="Arial"/>
+                        </a:rPr>
+                        <a:t>Outcome</a:t>
                       </a:r>
                       <a:endParaRPr lang="en-GB" dirty="0"/>
                     </a:p>
@@ -35450,10 +37002,14 @@
                     <a:p>
                       <a:pPr algn="ctr"/>
                       <a:r>
-                        <a:rPr lang="et-EE" dirty="0" smtClean="0"/>
-                        <a:t>+</a:t>
+                        <a:rPr lang="et-EE" dirty="0" smtClean="0">
+                          <a:latin typeface="Barlow Light" charset="0"/>
+                        </a:rPr>
+                        <a:t>==</a:t>
                       </a:r>
-                      <a:endParaRPr lang="en-GB" dirty="0"/>
+                      <a:endParaRPr lang="en-GB" dirty="0">
+                        <a:latin typeface="Barlow Light" charset="0"/>
+                      </a:endParaRPr>
                     </a:p>
                   </a:txBody>
                   <a:tcPr/>
@@ -35465,10 +37021,65 @@
                     <a:p>
                       <a:pPr algn="ctr"/>
                       <a:r>
-                        <a:rPr lang="et-EE" dirty="0" smtClean="0"/>
-                        <a:t>Addition</a:t>
+                        <a:rPr lang="et-EE" dirty="0" smtClean="0">
+                          <a:latin typeface="Barlow Light" charset="0"/>
+                        </a:rPr>
+                        <a:t>Equal</a:t>
                       </a:r>
-                      <a:endParaRPr lang="en-GB" dirty="0"/>
+                      <a:r>
+                        <a:rPr lang="et-EE" baseline="0" dirty="0" smtClean="0">
+                          <a:latin typeface="Barlow Light" charset="0"/>
+                        </a:rPr>
+                        <a:t> to</a:t>
+                      </a:r>
+                      <a:endParaRPr lang="en-GB" dirty="0">
+                        <a:latin typeface="Barlow Light" charset="0"/>
+                      </a:endParaRPr>
+                    </a:p>
+                  </a:txBody>
+                  <a:tcPr/>
+                </a:tc>
+                <a:tc>
+                  <a:txBody>
+                    <a:bodyPr/>
+                    <a:lstStyle/>
+                    <a:p>
+                      <a:pPr algn="ctr"/>
+                      <a:r>
+                        <a:rPr lang="en-GB" sz="1400" b="0" i="0" u="none" strike="noStrike" cap="none" dirty="0" smtClean="0">
+                          <a:solidFill>
+                            <a:srgbClr val="000000"/>
+                          </a:solidFill>
+                          <a:effectLst/>
+                          <a:latin typeface="Barlow Light" charset="0"/>
+                          <a:ea typeface="Arial"/>
+                          <a:cs typeface="Arial"/>
+                          <a:sym typeface="Arial"/>
+                        </a:rPr>
+                        <a:t>x == 8</a:t>
+                      </a:r>
+                      <a:endParaRPr lang="en-GB" dirty="0">
+                        <a:latin typeface="Barlow Light" charset="0"/>
+                      </a:endParaRPr>
+                    </a:p>
+                  </a:txBody>
+                  <a:tcPr/>
+                </a:tc>
+                <a:tc>
+                  <a:txBody>
+                    <a:bodyPr/>
+                    <a:lstStyle/>
+                    <a:p>
+                      <a:pPr algn="ctr"/>
+                      <a:r>
+                        <a:rPr lang="et-EE" dirty="0" smtClean="0">
+                          <a:latin typeface="Barlow Light" charset="0"/>
+                        </a:rPr>
+                        <a:t>false</a:t>
+                      </a:r>
+                      <a:endParaRPr lang="en-GB" dirty="0">
+                        <a:latin typeface="Barlow Light" charset="0"/>
+                      </a:endParaRPr>
                     </a:p>
                   </a:txBody>
                   <a:tcPr/>
@@ -35482,10 +37093,14 @@
                     <a:p>
                       <a:pPr algn="ctr"/>
                       <a:r>
-                        <a:rPr lang="et-EE" dirty="0" smtClean="0"/>
-                        <a:t>-</a:t>
+                        <a:rPr lang="et-EE" dirty="0" smtClean="0">
+                          <a:latin typeface="Barlow Light" charset="0"/>
+                        </a:rPr>
+                        <a:t>===</a:t>
                       </a:r>
-                      <a:endParaRPr lang="en-GB" dirty="0"/>
+                      <a:endParaRPr lang="en-GB" dirty="0">
+                        <a:latin typeface="Barlow Light" charset="0"/>
+                      </a:endParaRPr>
                     </a:p>
                   </a:txBody>
                   <a:tcPr/>
@@ -35497,10 +37112,115 @@
                     <a:p>
                       <a:pPr algn="ctr"/>
                       <a:r>
-                        <a:rPr lang="et-EE" dirty="0" smtClean="0"/>
-                        <a:t>Subtraction</a:t>
+                        <a:rPr lang="et-EE" dirty="0" smtClean="0">
+                          <a:latin typeface="Barlow Light" charset="0"/>
+                        </a:rPr>
+                        <a:t>Equal</a:t>
                       </a:r>
-                      <a:endParaRPr lang="en-GB" dirty="0"/>
+                      <a:r>
+                        <a:rPr lang="et-EE" baseline="0" dirty="0" smtClean="0">
+                          <a:latin typeface="Barlow Light" charset="0"/>
+                        </a:rPr>
+                        <a:t> value and type</a:t>
+                      </a:r>
+                      <a:endParaRPr lang="en-GB" dirty="0">
+                        <a:latin typeface="Barlow Light" charset="0"/>
+                      </a:endParaRPr>
+                    </a:p>
+                  </a:txBody>
+                  <a:tcPr/>
+                </a:tc>
+                <a:tc>
+                  <a:txBody>
+                    <a:bodyPr/>
+                    <a:lstStyle/>
+                    <a:p>
+                      <a:pPr algn="ctr"/>
+                      <a:r>
+                        <a:rPr lang="en-GB" sz="1400" b="0" i="0" u="none" strike="noStrike" cap="none" dirty="0" smtClean="0">
+                          <a:solidFill>
+                            <a:srgbClr val="000000"/>
+                          </a:solidFill>
+                          <a:effectLst/>
+                          <a:latin typeface="Barlow Light" charset="0"/>
+                          <a:ea typeface="Arial"/>
+                          <a:cs typeface="Arial"/>
+                          <a:sym typeface="Arial"/>
+                        </a:rPr>
+                        <a:t>x === "5"</a:t>
+                      </a:r>
+                      <a:endParaRPr lang="et-EE" sz="1400" b="0" i="0" u="none" strike="noStrike" cap="none" dirty="0" smtClean="0">
+                        <a:solidFill>
+                          <a:srgbClr val="000000"/>
+                        </a:solidFill>
+                        <a:effectLst/>
+                        <a:latin typeface="Barlow Light" charset="0"/>
+                        <a:ea typeface="Arial"/>
+                        <a:cs typeface="Arial"/>
+                        <a:sym typeface="Arial"/>
+                      </a:endParaRPr>
+                    </a:p>
+                    <a:p>
+                      <a:pPr algn="ctr"/>
+                      <a:r>
+                        <a:rPr lang="en-GB" sz="1400" b="0" i="0" u="none" strike="noStrike" cap="none" dirty="0" smtClean="0">
+                          <a:solidFill>
+                            <a:srgbClr val="000000"/>
+                          </a:solidFill>
+                          <a:effectLst/>
+                          <a:latin typeface="Barlow Light" charset="0"/>
+                          <a:ea typeface="Arial"/>
+                          <a:cs typeface="Arial"/>
+                          <a:sym typeface="Arial"/>
+                        </a:rPr>
+                        <a:t>x === </a:t>
+                      </a:r>
+                      <a:r>
+                        <a:rPr lang="et-EE" sz="1400" b="0" i="0" u="none" strike="noStrike" cap="none" dirty="0" smtClean="0">
+                          <a:solidFill>
+                            <a:srgbClr val="000000"/>
+                          </a:solidFill>
+                          <a:effectLst/>
+                          <a:latin typeface="Barlow Light" charset="0"/>
+                          <a:ea typeface="Arial"/>
+                          <a:cs typeface="Arial"/>
+                          <a:sym typeface="Arial"/>
+                        </a:rPr>
+                        <a:t>5</a:t>
+                      </a:r>
+                      <a:endParaRPr lang="en-GB" dirty="0">
+                        <a:latin typeface="Barlow Light" charset="0"/>
+                      </a:endParaRPr>
+                    </a:p>
+                  </a:txBody>
+                  <a:tcPr/>
+                </a:tc>
+                <a:tc>
+                  <a:txBody>
+                    <a:bodyPr/>
+                    <a:lstStyle/>
+                    <a:p>
+                      <a:pPr algn="ctr"/>
+                      <a:r>
+                        <a:rPr lang="et-EE" dirty="0" smtClean="0">
+                          <a:latin typeface="Barlow Light" charset="0"/>
+                        </a:rPr>
+                        <a:t>false</a:t>
+                      </a:r>
+                      <a:br>
+                        <a:rPr lang="et-EE" dirty="0" smtClean="0">
+                          <a:latin typeface="Barlow Light" charset="0"/>
+                        </a:rPr>
+                      </a:br>
+                      <a:r>
+                        <a:rPr lang="et-EE" dirty="0" smtClean="0">
+                          <a:latin typeface="Barlow Light" charset="0"/>
+                        </a:rPr>
+                        <a:t>true</a:t>
+                      </a:r>
+                      <a:endParaRPr lang="en-GB" dirty="0">
+                        <a:latin typeface="Barlow Light" charset="0"/>
+                      </a:endParaRPr>
                     </a:p>
                   </a:txBody>
                   <a:tcPr/>
@@ -35514,10 +37234,14 @@
                     <a:p>
                       <a:pPr algn="ctr"/>
                       <a:r>
-                        <a:rPr lang="et-EE" dirty="0" smtClean="0"/>
-                        <a:t>*</a:t>
+                        <a:rPr lang="et-EE" dirty="0" smtClean="0">
+                          <a:latin typeface="Barlow Light" charset="0"/>
+                        </a:rPr>
+                        <a:t>!=</a:t>
                       </a:r>
-                      <a:endParaRPr lang="en-GB" dirty="0"/>
+                      <a:endParaRPr lang="en-GB" dirty="0">
+                        <a:latin typeface="Barlow Light" charset="0"/>
+                      </a:endParaRPr>
                     </a:p>
                   </a:txBody>
                   <a:tcPr/>
@@ -35529,10 +37253,52 @@
                     <a:p>
                       <a:pPr algn="ctr"/>
                       <a:r>
-                        <a:rPr lang="et-EE" dirty="0" smtClean="0"/>
-                        <a:t>Multiplication</a:t>
+                        <a:rPr lang="et-EE" dirty="0" smtClean="0">
+                          <a:latin typeface="Barlow Light" charset="0"/>
+                        </a:rPr>
+                        <a:t>Not equal</a:t>
                       </a:r>
-                      <a:endParaRPr lang="en-GB" dirty="0"/>
+                      <a:endParaRPr lang="en-GB" dirty="0">
+                        <a:latin typeface="Barlow Light" charset="0"/>
+                      </a:endParaRPr>
+                    </a:p>
+                  </a:txBody>
+                  <a:tcPr/>
+                </a:tc>
+                <a:tc>
+                  <a:txBody>
+                    <a:bodyPr/>
+                    <a:lstStyle/>
+                    <a:p>
+                      <a:pPr algn="ctr"/>
+                      <a:r>
+                        <a:rPr lang="et-EE" dirty="0" smtClean="0">
+                          <a:latin typeface="Barlow Light" charset="0"/>
+                        </a:rPr>
+                        <a:t>x!=0</a:t>
+                      </a:r>
+                      <a:endParaRPr lang="en-GB" dirty="0">
+                        <a:latin typeface="Barlow Light" charset="0"/>
+                      </a:endParaRPr>
+                    </a:p>
+                  </a:txBody>
+                  <a:tcPr/>
+                </a:tc>
+                <a:tc>
+                  <a:txBody>
+                    <a:bodyPr/>
+                    <a:lstStyle/>
+                    <a:p>
+                      <a:pPr algn="ctr"/>
+                      <a:r>
+                        <a:rPr lang="et-EE" dirty="0" smtClean="0">
+                          <a:latin typeface="Barlow Light" charset="0"/>
+                        </a:rPr>
+                        <a:t>true</a:t>
+                      </a:r>
+                      <a:endParaRPr lang="en-GB" dirty="0">
+                        <a:latin typeface="Barlow Light" charset="0"/>
+                      </a:endParaRPr>
                     </a:p>
                   </a:txBody>
                   <a:tcPr/>
@@ -35546,10 +37312,14 @@
                     <a:p>
                       <a:pPr algn="ctr"/>
                       <a:r>
-                        <a:rPr lang="et-EE" dirty="0" smtClean="0"/>
-                        <a:t>/</a:t>
+                        <a:rPr lang="et-EE" dirty="0" smtClean="0">
+                          <a:latin typeface="Barlow Light" charset="0"/>
+                        </a:rPr>
+                        <a:t>!==</a:t>
                       </a:r>
-                      <a:endParaRPr lang="en-GB" dirty="0"/>
+                      <a:endParaRPr lang="en-GB" dirty="0">
+                        <a:latin typeface="Barlow Light" charset="0"/>
+                      </a:endParaRPr>
                     </a:p>
                   </a:txBody>
                   <a:tcPr/>
@@ -35561,10 +37331,71 @@
                     <a:p>
                       <a:pPr algn="ctr"/>
                       <a:r>
-                        <a:rPr lang="et-EE" dirty="0" smtClean="0"/>
-                        <a:t>Division</a:t>
+                        <a:rPr lang="et-EE" dirty="0" smtClean="0">
+                          <a:latin typeface="Barlow Light" charset="0"/>
+                        </a:rPr>
+                        <a:t>Not equal value OR</a:t>
                       </a:r>
-                      <a:endParaRPr lang="en-GB" dirty="0"/>
+                      <a:r>
+                        <a:rPr lang="et-EE" baseline="0" dirty="0" smtClean="0">
+                          <a:latin typeface="Barlow Light" charset="0"/>
+                        </a:rPr>
+                        <a:t> type</a:t>
+                      </a:r>
+                      <a:endParaRPr lang="en-GB" dirty="0">
+                        <a:latin typeface="Barlow Light" charset="0"/>
+                      </a:endParaRPr>
+                    </a:p>
+                  </a:txBody>
+                  <a:tcPr/>
+                </a:tc>
+                <a:tc>
+                  <a:txBody>
+                    <a:bodyPr/>
+                    <a:lstStyle/>
+                    <a:p>
+                      <a:pPr algn="ctr"/>
+                      <a:r>
+                        <a:rPr lang="et-EE" dirty="0" smtClean="0">
+                          <a:latin typeface="Barlow Light" charset="0"/>
+                        </a:rPr>
+                        <a:t>x!==</a:t>
+                      </a:r>
+                      <a:r>
+                        <a:rPr lang="en-GB" sz="1400" b="0" i="0" u="none" strike="noStrike" cap="none" dirty="0" smtClean="0">
+                          <a:solidFill>
+                            <a:srgbClr val="000000"/>
+                          </a:solidFill>
+                          <a:effectLst/>
+                          <a:latin typeface="Barlow Light" charset="0"/>
+                          <a:ea typeface="Arial"/>
+                          <a:cs typeface="Arial"/>
+                          <a:sym typeface="Arial"/>
+                        </a:rPr>
+                        <a:t>"5"</a:t>
+                      </a:r>
+                      <a:endParaRPr lang="en-GB" dirty="0">
+                        <a:latin typeface="Barlow Light" charset="0"/>
+                      </a:endParaRPr>
+                    </a:p>
+                  </a:txBody>
+                  <a:tcPr/>
+                </a:tc>
+                <a:tc>
+                  <a:txBody>
+                    <a:bodyPr/>
+                    <a:lstStyle/>
+                    <a:p>
+                      <a:pPr algn="ctr"/>
+                      <a:r>
+                        <a:rPr lang="et-EE" dirty="0" smtClean="0">
+                          <a:latin typeface="Barlow Light" charset="0"/>
+                        </a:rPr>
+                        <a:t>true</a:t>
+                      </a:r>
+                      <a:endParaRPr lang="en-GB" dirty="0">
+                        <a:latin typeface="Barlow Light" charset="0"/>
+                      </a:endParaRPr>
                     </a:p>
                   </a:txBody>
                   <a:tcPr/>
@@ -35578,10 +37409,14 @@
                     <a:p>
                       <a:pPr algn="ctr"/>
                       <a:r>
-                        <a:rPr lang="et-EE" dirty="0" smtClean="0"/>
-                        <a:t>%</a:t>
+                        <a:rPr lang="et-EE" dirty="0" smtClean="0">
+                          <a:latin typeface="Barlow Light" charset="0"/>
+                        </a:rPr>
+                        <a:t>&gt;</a:t>
                       </a:r>
-                      <a:endParaRPr lang="en-GB" dirty="0"/>
+                      <a:endParaRPr lang="en-GB" dirty="0">
+                        <a:latin typeface="Barlow Light" charset="0"/>
+                      </a:endParaRPr>
                     </a:p>
                   </a:txBody>
                   <a:tcPr/>
@@ -35593,10 +37428,52 @@
                     <a:p>
                       <a:pPr algn="ctr"/>
                       <a:r>
-                        <a:rPr lang="et-EE" dirty="0" smtClean="0"/>
-                        <a:t>Modulus</a:t>
+                        <a:rPr lang="et-EE" dirty="0" smtClean="0">
+                          <a:latin typeface="Barlow Light" charset="0"/>
+                        </a:rPr>
+                        <a:t>Higher than</a:t>
                       </a:r>
-                      <a:endParaRPr lang="en-GB" dirty="0"/>
+                      <a:endParaRPr lang="en-GB" dirty="0">
+                        <a:latin typeface="Barlow Light" charset="0"/>
+                      </a:endParaRPr>
+                    </a:p>
+                  </a:txBody>
+                  <a:tcPr/>
+                </a:tc>
+                <a:tc>
+                  <a:txBody>
+                    <a:bodyPr/>
+                    <a:lstStyle/>
+                    <a:p>
+                      <a:pPr algn="ctr"/>
+                      <a:r>
+                        <a:rPr lang="et-EE" dirty="0" smtClean="0">
+                          <a:latin typeface="Barlow Light" charset="0"/>
+                        </a:rPr>
+                        <a:t>x&gt;3</a:t>
+                      </a:r>
+                      <a:endParaRPr lang="en-GB" dirty="0">
+                        <a:latin typeface="Barlow Light" charset="0"/>
+                      </a:endParaRPr>
+                    </a:p>
+                  </a:txBody>
+                  <a:tcPr/>
+                </a:tc>
+                <a:tc>
+                  <a:txBody>
+                    <a:bodyPr/>
+                    <a:lstStyle/>
+                    <a:p>
+                      <a:pPr algn="ctr"/>
+                      <a:r>
+                        <a:rPr lang="et-EE" dirty="0" smtClean="0">
+                          <a:latin typeface="Barlow Light" charset="0"/>
+                        </a:rPr>
+                        <a:t>true</a:t>
+                      </a:r>
+                      <a:endParaRPr lang="en-GB" dirty="0">
+                        <a:latin typeface="Barlow Light" charset="0"/>
+                      </a:endParaRPr>
                     </a:p>
                   </a:txBody>
                   <a:tcPr/>
@@ -35610,10 +37487,14 @@
                     <a:p>
                       <a:pPr algn="ctr"/>
                       <a:r>
-                        <a:rPr lang="et-EE" dirty="0" smtClean="0"/>
-                        <a:t>++</a:t>
+                        <a:rPr lang="et-EE" dirty="0" smtClean="0">
+                          <a:latin typeface="Barlow Light" charset="0"/>
+                        </a:rPr>
+                        <a:t>&lt;</a:t>
                       </a:r>
-                      <a:endParaRPr lang="en-GB" dirty="0"/>
+                      <a:endParaRPr lang="en-GB" dirty="0">
+                        <a:latin typeface="Barlow Light" charset="0"/>
+                      </a:endParaRPr>
                     </a:p>
                   </a:txBody>
                   <a:tcPr/>
@@ -35625,10 +37506,58 @@
                     <a:p>
                       <a:pPr algn="ctr"/>
                       <a:r>
-                        <a:rPr lang="et-EE" dirty="0" smtClean="0"/>
-                        <a:t>Increment</a:t>
+                        <a:rPr lang="et-EE" dirty="0" smtClean="0">
+                          <a:latin typeface="Barlow Light" charset="0"/>
+                        </a:rPr>
+                        <a:t>Lower</a:t>
                       </a:r>
-                      <a:endParaRPr lang="en-GB" dirty="0"/>
+                      <a:r>
+                        <a:rPr lang="et-EE" baseline="0" dirty="0" smtClean="0">
+                          <a:latin typeface="Barlow Light" charset="0"/>
+                        </a:rPr>
+                        <a:t> than</a:t>
+                      </a:r>
+                      <a:endParaRPr lang="en-GB" dirty="0">
+                        <a:latin typeface="Barlow Light" charset="0"/>
+                      </a:endParaRPr>
+                    </a:p>
+                  </a:txBody>
+                  <a:tcPr/>
+                </a:tc>
+                <a:tc>
+                  <a:txBody>
+                    <a:bodyPr/>
+                    <a:lstStyle/>
+                    <a:p>
+                      <a:pPr algn="ctr"/>
+                      <a:r>
+                        <a:rPr lang="et-EE" dirty="0" smtClean="0">
+                          <a:latin typeface="Barlow Light" charset="0"/>
+                        </a:rPr>
+                        <a:t>x&lt;1</a:t>
+                      </a:r>
+                      <a:endParaRPr lang="en-GB" dirty="0">
+                        <a:latin typeface="Barlow Light" charset="0"/>
+                      </a:endParaRPr>
+                    </a:p>
+                  </a:txBody>
+                  <a:tcPr/>
+                </a:tc>
+                <a:tc>
+                  <a:txBody>
+                    <a:bodyPr/>
+                    <a:lstStyle/>
+                    <a:p>
+                      <a:pPr algn="ctr"/>
+                      <a:r>
+                        <a:rPr lang="et-EE" dirty="0" smtClean="0">
+                          <a:latin typeface="Barlow Light" charset="0"/>
+                        </a:rPr>
+                        <a:t>false</a:t>
+                      </a:r>
+                      <a:endParaRPr lang="en-GB" dirty="0">
+                        <a:latin typeface="Barlow Light" charset="0"/>
+                      </a:endParaRPr>
                     </a:p>
                   </a:txBody>
                   <a:tcPr/>
@@ -35642,10 +37571,14 @@
                     <a:p>
                       <a:pPr algn="ctr"/>
                       <a:r>
-                        <a:rPr lang="et-EE" dirty="0" smtClean="0"/>
-                        <a:t>--</a:t>
+                        <a:rPr lang="et-EE" dirty="0" smtClean="0">
+                          <a:latin typeface="Barlow Light" charset="0"/>
+                        </a:rPr>
+                        <a:t>&gt;=</a:t>
                       </a:r>
-                      <a:endParaRPr lang="en-GB" dirty="0"/>
+                      <a:endParaRPr lang="en-GB" dirty="0">
+                        <a:latin typeface="Barlow Light" charset="0"/>
+                      </a:endParaRPr>
                     </a:p>
                   </a:txBody>
                   <a:tcPr/>
@@ -35657,10 +37590,136 @@
                     <a:p>
                       <a:pPr algn="ctr"/>
                       <a:r>
-                        <a:rPr lang="et-EE" dirty="0" smtClean="0"/>
-                        <a:t>Decrement</a:t>
+                        <a:rPr lang="et-EE" dirty="0" smtClean="0">
+                          <a:latin typeface="Barlow Light" charset="0"/>
+                        </a:rPr>
+                        <a:t>Higher or Equal</a:t>
                       </a:r>
-                      <a:endParaRPr lang="en-GB" dirty="0"/>
+                      <a:endParaRPr lang="en-GB" dirty="0">
+                        <a:latin typeface="Barlow Light" charset="0"/>
+                      </a:endParaRPr>
+                    </a:p>
+                  </a:txBody>
+                  <a:tcPr/>
+                </a:tc>
+                <a:tc>
+                  <a:txBody>
+                    <a:bodyPr/>
+                    <a:lstStyle/>
+                    <a:p>
+                      <a:pPr algn="ctr"/>
+                      <a:r>
+                        <a:rPr lang="et-EE" dirty="0" smtClean="0">
+                          <a:latin typeface="Barlow Light" charset="0"/>
+                        </a:rPr>
+                        <a:t>x&gt;=3</a:t>
+                      </a:r>
+                      <a:endParaRPr lang="en-GB" dirty="0">
+                        <a:latin typeface="Barlow Light" charset="0"/>
+                      </a:endParaRPr>
+                    </a:p>
+                  </a:txBody>
+                  <a:tcPr/>
+                </a:tc>
+                <a:tc>
+                  <a:txBody>
+                    <a:bodyPr/>
+                    <a:lstStyle/>
+                    <a:p>
+                      <a:pPr algn="ctr"/>
+                      <a:r>
+                        <a:rPr lang="et-EE" dirty="0" smtClean="0">
+                          <a:latin typeface="Barlow Light" charset="0"/>
+                        </a:rPr>
+                        <a:t>true</a:t>
+                      </a:r>
+                      <a:endParaRPr lang="en-GB" dirty="0">
+                        <a:latin typeface="Barlow Light" charset="0"/>
+                      </a:endParaRPr>
+                    </a:p>
+                  </a:txBody>
+                  <a:tcPr/>
+                </a:tc>
+              </a:tr>
+              <a:tr h="370840">
+                <a:tc>
+                  <a:txBody>
+                    <a:bodyPr/>
+                    <a:lstStyle/>
+                    <a:p>
+                      <a:pPr algn="ctr"/>
+                      <a:r>
+                        <a:rPr lang="et-EE" dirty="0" smtClean="0">
+                          <a:latin typeface="Barlow Light" charset="0"/>
+                        </a:rPr>
+                        <a:t>&lt;= </a:t>
+                      </a:r>
+                      <a:endParaRPr lang="en-GB" dirty="0">
+                        <a:latin typeface="Barlow Light" charset="0"/>
+                      </a:endParaRPr>
+                    </a:p>
+                  </a:txBody>
+                  <a:tcPr/>
+                </a:tc>
+                <a:tc>
+                  <a:txBody>
+                    <a:bodyPr/>
+                    <a:lstStyle/>
+                    <a:p>
+                      <a:pPr algn="ctr"/>
+                      <a:r>
+                        <a:rPr lang="et-EE" dirty="0" smtClean="0">
+                          <a:latin typeface="Barlow Light" charset="0"/>
+                        </a:rPr>
+                        <a:t>Lower or</a:t>
+                      </a:r>
+                      <a:r>
+                        <a:rPr lang="et-EE" baseline="0" dirty="0" smtClean="0">
+                          <a:latin typeface="Barlow Light" charset="0"/>
+                        </a:rPr>
+                        <a:t> Equal</a:t>
+                      </a:r>
+                      <a:endParaRPr lang="en-GB" dirty="0">
+                        <a:latin typeface="Barlow Light" charset="0"/>
+                      </a:endParaRPr>
+                    </a:p>
+                  </a:txBody>
+                  <a:tcPr/>
+                </a:tc>
+                <a:tc>
+                  <a:txBody>
+                    <a:bodyPr/>
+                    <a:lstStyle/>
+                    <a:p>
+                      <a:pPr algn="ctr"/>
+                      <a:r>
+                        <a:rPr lang="et-EE" dirty="0" smtClean="0">
+                          <a:latin typeface="Barlow Light" charset="0"/>
+                        </a:rPr>
+                        <a:t>x&lt;=2</a:t>
+                      </a:r>
+                      <a:endParaRPr lang="en-GB" dirty="0">
+                        <a:latin typeface="Barlow Light" charset="0"/>
+                      </a:endParaRPr>
+                    </a:p>
+                  </a:txBody>
+                  <a:tcPr/>
+                </a:tc>
+                <a:tc>
+                  <a:txBody>
+                    <a:bodyPr/>
+                    <a:lstStyle/>
+                    <a:p>
+                      <a:pPr algn="ctr"/>
+                      <a:r>
+                        <a:rPr lang="et-EE" dirty="0" smtClean="0">
+                          <a:latin typeface="Barlow Light" charset="0"/>
+                        </a:rPr>
+                        <a:t>false</a:t>
+                      </a:r>
+                      <a:endParaRPr lang="en-GB" dirty="0">
+                        <a:latin typeface="Barlow Light" charset="0"/>
+                      </a:endParaRPr>
                     </a:p>
                   </a:txBody>
                   <a:tcPr/>
@@ -35670,6 +37729,42 @@
           </a:graphicData>
         </a:graphic>
       </p:graphicFrame>
+      <p:sp>
+        <p:nvSpPr>
+          <p:cNvPr id="3" name="TextBox 2"/>
+          <p:cNvSpPr txBox="1"/>
+          <p:nvPr/>
+        </p:nvSpPr>
+        <p:spPr>
+          <a:xfrm>
+            <a:off x="381000" y="1203598"/>
+            <a:ext cx="5040560" cy="307777"/>
+          </a:xfrm>
+          <a:prstGeom prst="rect">
+            <a:avLst/>
+          </a:prstGeom>
+          <a:solidFill>
+            <a:schemeClr val="bg1"/>
+          </a:solidFill>
+        </p:spPr>
+        <p:txBody>
+          <a:bodyPr wrap="square" rtlCol="0">
+            <a:spAutoFit/>
+          </a:bodyPr>
+          <a:lstStyle/>
+          <a:p>
+            <a:r>
+              <a:rPr lang="et-EE" dirty="0" smtClean="0">
+                <a:latin typeface="Barlow Light" charset="0"/>
+              </a:rPr>
+              <a:t>Let’s assume x=5</a:t>
+            </a:r>
+            <a:endParaRPr lang="en-GB" dirty="0">
+              <a:latin typeface="Barlow Light" charset="0"/>
+            </a:endParaRPr>
+          </a:p>
+        </p:txBody>
+      </p:sp>
     </p:spTree>
     <p:extLst>
       <p:ext uri="{BB962C8B-B14F-4D97-AF65-F5344CB8AC3E}">
